--- a/FUSE - Mottled Stars/FUSE Methodology/Mottled Stars Methodology.pptx
+++ b/FUSE - Mottled Stars/FUSE Methodology/Mottled Stars Methodology.pptx
@@ -107,6 +107,11 @@
       </a:defRPr>
     </a:lvl9pPr>
   </p:defaultTextStyle>
+  <p:extLst>
+    <p:ext uri="{EFAFB233-063F-42B5-8137-9DF3F51BA10A}">
+      <p15:sldGuideLst xmlns:p15="http://schemas.microsoft.com/office/powerpoint/2012/main"/>
+    </p:ext>
+  </p:extLst>
 </p:presentation>
 </file>
 
@@ -280,7 +285,7 @@
           <a:p>
             <a:fld id="{EA214324-8AD7-40FD-9D6E-8B26C6988FCC}" type="datetimeFigureOut">
               <a:rPr lang="en-US" smtClean="0"/>
-              <a:t>6/20/2019</a:t>
+              <a:t>6/21/2019</a:t>
             </a:fld>
             <a:endParaRPr lang="en-US"/>
           </a:p>
@@ -552,7 +557,7 @@
           <a:p>
             <a:fld id="{EA214324-8AD7-40FD-9D6E-8B26C6988FCC}" type="datetimeFigureOut">
               <a:rPr lang="en-US" smtClean="0"/>
-              <a:t>6/20/2019</a:t>
+              <a:t>6/21/2019</a:t>
             </a:fld>
             <a:endParaRPr lang="en-US"/>
           </a:p>
@@ -783,7 +788,7 @@
           <a:p>
             <a:fld id="{EA214324-8AD7-40FD-9D6E-8B26C6988FCC}" type="datetimeFigureOut">
               <a:rPr lang="en-US" smtClean="0"/>
-              <a:t>6/20/2019</a:t>
+              <a:t>6/21/2019</a:t>
             </a:fld>
             <a:endParaRPr lang="en-US"/>
           </a:p>
@@ -1093,7 +1098,7 @@
           <a:p>
             <a:fld id="{EA214324-8AD7-40FD-9D6E-8B26C6988FCC}" type="datetimeFigureOut">
               <a:rPr lang="en-US" smtClean="0"/>
-              <a:t>6/20/2019</a:t>
+              <a:t>6/21/2019</a:t>
             </a:fld>
             <a:endParaRPr lang="en-US"/>
           </a:p>
@@ -1566,7 +1571,7 @@
           <a:p>
             <a:fld id="{EA214324-8AD7-40FD-9D6E-8B26C6988FCC}" type="datetimeFigureOut">
               <a:rPr lang="en-US" smtClean="0"/>
-              <a:t>6/20/2019</a:t>
+              <a:t>6/21/2019</a:t>
             </a:fld>
             <a:endParaRPr lang="en-US"/>
           </a:p>
@@ -2113,7 +2118,7 @@
           <a:p>
             <a:fld id="{EA214324-8AD7-40FD-9D6E-8B26C6988FCC}" type="datetimeFigureOut">
               <a:rPr lang="en-US" smtClean="0"/>
-              <a:t>6/20/2019</a:t>
+              <a:t>6/21/2019</a:t>
             </a:fld>
             <a:endParaRPr lang="en-US"/>
           </a:p>
@@ -2887,7 +2892,7 @@
           <a:p>
             <a:fld id="{EA214324-8AD7-40FD-9D6E-8B26C6988FCC}" type="datetimeFigureOut">
               <a:rPr lang="en-US" smtClean="0"/>
-              <a:t>6/20/2019</a:t>
+              <a:t>6/21/2019</a:t>
             </a:fld>
             <a:endParaRPr lang="en-US"/>
           </a:p>
@@ -3062,7 +3067,7 @@
           <a:p>
             <a:fld id="{EA214324-8AD7-40FD-9D6E-8B26C6988FCC}" type="datetimeFigureOut">
               <a:rPr lang="en-US" smtClean="0"/>
-              <a:t>6/20/2019</a:t>
+              <a:t>6/21/2019</a:t>
             </a:fld>
             <a:endParaRPr lang="en-US"/>
           </a:p>
@@ -3285,7 +3290,7 @@
           <a:p>
             <a:fld id="{EA214324-8AD7-40FD-9D6E-8B26C6988FCC}" type="datetimeFigureOut">
               <a:rPr lang="en-US" smtClean="0"/>
-              <a:t>6/20/2019</a:t>
+              <a:t>6/21/2019</a:t>
             </a:fld>
             <a:endParaRPr lang="en-US"/>
           </a:p>
@@ -3470,7 +3475,7 @@
           <a:p>
             <a:fld id="{EA214324-8AD7-40FD-9D6E-8B26C6988FCC}" type="datetimeFigureOut">
               <a:rPr lang="en-US" smtClean="0"/>
-              <a:t>6/20/2019</a:t>
+              <a:t>6/21/2019</a:t>
             </a:fld>
             <a:endParaRPr lang="en-US"/>
           </a:p>
@@ -3759,7 +3764,7 @@
           <a:p>
             <a:fld id="{EA214324-8AD7-40FD-9D6E-8B26C6988FCC}" type="datetimeFigureOut">
               <a:rPr lang="en-US" smtClean="0"/>
-              <a:t>6/20/2019</a:t>
+              <a:t>6/21/2019</a:t>
             </a:fld>
             <a:endParaRPr lang="en-US"/>
           </a:p>
@@ -4006,7 +4011,7 @@
           <a:p>
             <a:fld id="{EA214324-8AD7-40FD-9D6E-8B26C6988FCC}" type="datetimeFigureOut">
               <a:rPr lang="en-US" smtClean="0"/>
-              <a:t>6/20/2019</a:t>
+              <a:t>6/21/2019</a:t>
             </a:fld>
             <a:endParaRPr lang="en-US"/>
           </a:p>
@@ -4385,7 +4390,7 @@
           <a:p>
             <a:fld id="{EA214324-8AD7-40FD-9D6E-8B26C6988FCC}" type="datetimeFigureOut">
               <a:rPr lang="en-US" smtClean="0"/>
-              <a:t>6/20/2019</a:t>
+              <a:t>6/21/2019</a:t>
             </a:fld>
             <a:endParaRPr lang="en-US"/>
           </a:p>
@@ -4503,7 +4508,7 @@
           <a:p>
             <a:fld id="{EA214324-8AD7-40FD-9D6E-8B26C6988FCC}" type="datetimeFigureOut">
               <a:rPr lang="en-US" smtClean="0"/>
-              <a:t>6/20/2019</a:t>
+              <a:t>6/21/2019</a:t>
             </a:fld>
             <a:endParaRPr lang="en-US"/>
           </a:p>
@@ -4598,7 +4603,7 @@
           <a:p>
             <a:fld id="{EA214324-8AD7-40FD-9D6E-8B26C6988FCC}" type="datetimeFigureOut">
               <a:rPr lang="en-US" smtClean="0"/>
-              <a:t>6/20/2019</a:t>
+              <a:t>6/21/2019</a:t>
             </a:fld>
             <a:endParaRPr lang="en-US"/>
           </a:p>
@@ -4847,7 +4852,7 @@
           <a:p>
             <a:fld id="{EA214324-8AD7-40FD-9D6E-8B26C6988FCC}" type="datetimeFigureOut">
               <a:rPr lang="en-US" smtClean="0"/>
-              <a:t>6/20/2019</a:t>
+              <a:t>6/21/2019</a:t>
             </a:fld>
             <a:endParaRPr lang="en-US"/>
           </a:p>
@@ -5104,7 +5109,7 @@
           <a:p>
             <a:fld id="{EA214324-8AD7-40FD-9D6E-8B26C6988FCC}" type="datetimeFigureOut">
               <a:rPr lang="en-US" smtClean="0"/>
-              <a:t>6/20/2019</a:t>
+              <a:t>6/21/2019</a:t>
             </a:fld>
             <a:endParaRPr lang="en-US"/>
           </a:p>
@@ -5347,7 +5352,7 @@
           <a:p>
             <a:fld id="{EA214324-8AD7-40FD-9D6E-8B26C6988FCC}" type="datetimeFigureOut">
               <a:rPr lang="en-US" smtClean="0"/>
-              <a:t>6/20/2019</a:t>
+              <a:t>6/21/2019</a:t>
             </a:fld>
             <a:endParaRPr lang="en-US"/>
           </a:p>
@@ -5893,20 +5898,71 @@
           </a:p>
         </p:txBody>
       </p:sp>
-      <p:sp>
-        <p:nvSpPr>
-          <p:cNvPr id="3" name="Content Placeholder 2">
+      <p:pic>
+        <p:nvPicPr>
+          <p:cNvPr id="7" name="Content Placeholder 6">
             <a:extLst>
               <a:ext uri="{FF2B5EF4-FFF2-40B4-BE49-F238E27FC236}">
-                <a16:creationId xmlns:a16="http://schemas.microsoft.com/office/drawing/2014/main" id="{741C2D35-D6CF-430B-912C-35166C9C08BD}"/>
+                <a16:creationId xmlns:a16="http://schemas.microsoft.com/office/drawing/2014/main" id="{B7A75AC5-4DA0-4E47-AB3D-724A175A7713}"/>
               </a:ext>
             </a:extLst>
           </p:cNvPr>
-          <p:cNvSpPr>
-            <a:spLocks noGrp="1"/>
-          </p:cNvSpPr>
+          <p:cNvPicPr>
+            <a:picLocks noGrp="1" noChangeAspect="1"/>
+          </p:cNvPicPr>
           <p:nvPr>
             <p:ph idx="1"/>
+          </p:nvPr>
+        </p:nvPicPr>
+        <p:blipFill>
+          <a:blip r:embed="rId2">
+            <a:extLst>
+              <a:ext uri="{28A0092B-C50C-407E-A947-70E740481C1C}">
+                <a14:useLocalDpi xmlns:a14="http://schemas.microsoft.com/office/drawing/2010/main" val="0"/>
+              </a:ext>
+            </a:extLst>
+          </a:blip>
+          <a:stretch>
+            <a:fillRect/>
+          </a:stretch>
+        </p:blipFill>
+        <p:spPr>
+          <a:xfrm>
+            <a:off x="5510939" y="746125"/>
+            <a:ext cx="5480184" cy="5472113"/>
+          </a:xfrm>
+          <a:prstGeom prst="roundRect">
+            <a:avLst>
+              <a:gd name="adj" fmla="val 8594"/>
+            </a:avLst>
+          </a:prstGeom>
+          <a:solidFill>
+            <a:srgbClr val="FFFFFF">
+              <a:shade val="85000"/>
+            </a:srgbClr>
+          </a:solidFill>
+          <a:ln>
+            <a:noFill/>
+          </a:ln>
+          <a:effectLst>
+            <a:reflection blurRad="12700" stA="38000" endPos="28000" dist="5000" dir="5400000" sy="-100000" algn="bl" rotWithShape="0"/>
+          </a:effectLst>
+        </p:spPr>
+      </p:pic>
+      <p:sp>
+        <p:nvSpPr>
+          <p:cNvPr id="5" name="Text Placeholder 4">
+            <a:extLst>
+              <a:ext uri="{FF2B5EF4-FFF2-40B4-BE49-F238E27FC236}">
+                <a16:creationId xmlns:a16="http://schemas.microsoft.com/office/drawing/2014/main" id="{2F0ADE76-F767-4406-9B43-B9886DA14007}"/>
+              </a:ext>
+            </a:extLst>
+          </p:cNvPr>
+          <p:cNvSpPr>
+            <a:spLocks noGrp="1"/>
+          </p:cNvSpPr>
+          <p:nvPr>
+            <p:ph type="body" sz="half" idx="2"/>
           </p:nvPr>
         </p:nvSpPr>
         <p:spPr/>
@@ -5997,7 +6053,7 @@
           <a:bodyPr/>
           <a:lstStyle/>
           <a:p>
-            <a:endParaRPr lang="en-US"/>
+            <a:endParaRPr lang="en-US" dirty="0"/>
           </a:p>
         </p:txBody>
       </p:sp>
@@ -6059,21 +6115,56 @@
           </a:p>
         </p:txBody>
       </p:sp>
-      <p:sp>
-        <p:nvSpPr>
-          <p:cNvPr id="3" name="Content Placeholder 2">
+      <p:pic>
+        <p:nvPicPr>
+          <p:cNvPr id="7" name="Content Placeholder 6">
             <a:extLst>
               <a:ext uri="{FF2B5EF4-FFF2-40B4-BE49-F238E27FC236}">
-                <a16:creationId xmlns:a16="http://schemas.microsoft.com/office/drawing/2014/main" id="{B88B604C-2801-451B-9F81-27D2083F8B98}"/>
+                <a16:creationId xmlns:a16="http://schemas.microsoft.com/office/drawing/2014/main" id="{95FF3276-3388-483E-82E4-3722F5B31EBE}"/>
               </a:ext>
             </a:extLst>
           </p:cNvPr>
-          <p:cNvSpPr>
-            <a:spLocks noGrp="1"/>
-          </p:cNvSpPr>
+          <p:cNvPicPr>
+            <a:picLocks noGrp="1" noChangeAspect="1"/>
+          </p:cNvPicPr>
           <p:nvPr>
             <p:ph idx="1"/>
           </p:nvPr>
+        </p:nvPicPr>
+        <p:blipFill>
+          <a:blip r:embed="rId2">
+            <a:extLst>
+              <a:ext uri="{28A0092B-C50C-407E-A947-70E740481C1C}">
+                <a14:useLocalDpi xmlns:a14="http://schemas.microsoft.com/office/drawing/2010/main" val="0"/>
+              </a:ext>
+            </a:extLst>
+          </a:blip>
+          <a:stretch>
+            <a:fillRect/>
+          </a:stretch>
+        </p:blipFill>
+        <p:spPr>
+          <a:xfrm>
+            <a:off x="5536406" y="1115219"/>
+            <a:ext cx="5429250" cy="4733925"/>
+          </a:xfrm>
+        </p:spPr>
+      </p:pic>
+      <p:sp>
+        <p:nvSpPr>
+          <p:cNvPr id="5" name="Text Placeholder 4">
+            <a:extLst>
+              <a:ext uri="{FF2B5EF4-FFF2-40B4-BE49-F238E27FC236}">
+                <a16:creationId xmlns:a16="http://schemas.microsoft.com/office/drawing/2014/main" id="{19212A1D-B6A7-4444-8E1D-F1EB42C0238D}"/>
+              </a:ext>
+            </a:extLst>
+          </p:cNvPr>
+          <p:cNvSpPr>
+            <a:spLocks noGrp="1"/>
+          </p:cNvSpPr>
+          <p:nvPr>
+            <p:ph type="body" sz="half" idx="2"/>
+          </p:nvPr>
         </p:nvSpPr>
         <p:spPr/>
         <p:txBody>
@@ -6081,6 +6172,41 @@
           <a:lstStyle/>
           <a:p>
             <a:endParaRPr lang="en-US"/>
+          </a:p>
+        </p:txBody>
+      </p:sp>
+      <p:sp>
+        <p:nvSpPr>
+          <p:cNvPr id="8" name="TextBox 7">
+            <a:extLst>
+              <a:ext uri="{FF2B5EF4-FFF2-40B4-BE49-F238E27FC236}">
+                <a16:creationId xmlns:a16="http://schemas.microsoft.com/office/drawing/2014/main" id="{1081CEE2-9A6D-4DDA-9E2B-0AAAA3A800A6}"/>
+              </a:ext>
+            </a:extLst>
+          </p:cNvPr>
+          <p:cNvSpPr txBox="1"/>
+          <p:nvPr/>
+        </p:nvSpPr>
+        <p:spPr>
+          <a:xfrm>
+            <a:off x="5536406" y="5849352"/>
+            <a:ext cx="3316934" cy="246221"/>
+          </a:xfrm>
+          <a:prstGeom prst="rect">
+            <a:avLst/>
+          </a:prstGeom>
+          <a:noFill/>
+        </p:spPr>
+        <p:txBody>
+          <a:bodyPr wrap="none" rtlCol="0">
+            <a:spAutoFit/>
+          </a:bodyPr>
+          <a:lstStyle/>
+          <a:p>
+            <a:r>
+              <a:rPr lang="en-US" sz="1000" dirty="0"/>
+              <a:t>Image Credit: NASA Goddard Space Flight Center</a:t>
+            </a:r>
           </a:p>
         </p:txBody>
       </p:sp>

--- a/FUSE - Mottled Stars/FUSE Methodology/Mottled Stars Methodology.pptx
+++ b/FUSE - Mottled Stars/FUSE Methodology/Mottled Stars Methodology.pptx
@@ -285,7 +285,7 @@
           <a:p>
             <a:fld id="{EA214324-8AD7-40FD-9D6E-8B26C6988FCC}" type="datetimeFigureOut">
               <a:rPr lang="en-US" smtClean="0"/>
-              <a:t>6/21/2019</a:t>
+              <a:t>6/24/2019</a:t>
             </a:fld>
             <a:endParaRPr lang="en-US"/>
           </a:p>
@@ -557,7 +557,7 @@
           <a:p>
             <a:fld id="{EA214324-8AD7-40FD-9D6E-8B26C6988FCC}" type="datetimeFigureOut">
               <a:rPr lang="en-US" smtClean="0"/>
-              <a:t>6/21/2019</a:t>
+              <a:t>6/24/2019</a:t>
             </a:fld>
             <a:endParaRPr lang="en-US"/>
           </a:p>
@@ -788,7 +788,7 @@
           <a:p>
             <a:fld id="{EA214324-8AD7-40FD-9D6E-8B26C6988FCC}" type="datetimeFigureOut">
               <a:rPr lang="en-US" smtClean="0"/>
-              <a:t>6/21/2019</a:t>
+              <a:t>6/24/2019</a:t>
             </a:fld>
             <a:endParaRPr lang="en-US"/>
           </a:p>
@@ -1098,7 +1098,7 @@
           <a:p>
             <a:fld id="{EA214324-8AD7-40FD-9D6E-8B26C6988FCC}" type="datetimeFigureOut">
               <a:rPr lang="en-US" smtClean="0"/>
-              <a:t>6/21/2019</a:t>
+              <a:t>6/24/2019</a:t>
             </a:fld>
             <a:endParaRPr lang="en-US"/>
           </a:p>
@@ -1571,7 +1571,7 @@
           <a:p>
             <a:fld id="{EA214324-8AD7-40FD-9D6E-8B26C6988FCC}" type="datetimeFigureOut">
               <a:rPr lang="en-US" smtClean="0"/>
-              <a:t>6/21/2019</a:t>
+              <a:t>6/24/2019</a:t>
             </a:fld>
             <a:endParaRPr lang="en-US"/>
           </a:p>
@@ -2118,7 +2118,7 @@
           <a:p>
             <a:fld id="{EA214324-8AD7-40FD-9D6E-8B26C6988FCC}" type="datetimeFigureOut">
               <a:rPr lang="en-US" smtClean="0"/>
-              <a:t>6/21/2019</a:t>
+              <a:t>6/24/2019</a:t>
             </a:fld>
             <a:endParaRPr lang="en-US"/>
           </a:p>
@@ -2892,7 +2892,7 @@
           <a:p>
             <a:fld id="{EA214324-8AD7-40FD-9D6E-8B26C6988FCC}" type="datetimeFigureOut">
               <a:rPr lang="en-US" smtClean="0"/>
-              <a:t>6/21/2019</a:t>
+              <a:t>6/24/2019</a:t>
             </a:fld>
             <a:endParaRPr lang="en-US"/>
           </a:p>
@@ -3067,7 +3067,7 @@
           <a:p>
             <a:fld id="{EA214324-8AD7-40FD-9D6E-8B26C6988FCC}" type="datetimeFigureOut">
               <a:rPr lang="en-US" smtClean="0"/>
-              <a:t>6/21/2019</a:t>
+              <a:t>6/24/2019</a:t>
             </a:fld>
             <a:endParaRPr lang="en-US"/>
           </a:p>
@@ -3290,7 +3290,7 @@
           <a:p>
             <a:fld id="{EA214324-8AD7-40FD-9D6E-8B26C6988FCC}" type="datetimeFigureOut">
               <a:rPr lang="en-US" smtClean="0"/>
-              <a:t>6/21/2019</a:t>
+              <a:t>6/24/2019</a:t>
             </a:fld>
             <a:endParaRPr lang="en-US"/>
           </a:p>
@@ -3475,7 +3475,7 @@
           <a:p>
             <a:fld id="{EA214324-8AD7-40FD-9D6E-8B26C6988FCC}" type="datetimeFigureOut">
               <a:rPr lang="en-US" smtClean="0"/>
-              <a:t>6/21/2019</a:t>
+              <a:t>6/24/2019</a:t>
             </a:fld>
             <a:endParaRPr lang="en-US"/>
           </a:p>
@@ -3764,7 +3764,7 @@
           <a:p>
             <a:fld id="{EA214324-8AD7-40FD-9D6E-8B26C6988FCC}" type="datetimeFigureOut">
               <a:rPr lang="en-US" smtClean="0"/>
-              <a:t>6/21/2019</a:t>
+              <a:t>6/24/2019</a:t>
             </a:fld>
             <a:endParaRPr lang="en-US"/>
           </a:p>
@@ -4011,7 +4011,7 @@
           <a:p>
             <a:fld id="{EA214324-8AD7-40FD-9D6E-8B26C6988FCC}" type="datetimeFigureOut">
               <a:rPr lang="en-US" smtClean="0"/>
-              <a:t>6/21/2019</a:t>
+              <a:t>6/24/2019</a:t>
             </a:fld>
             <a:endParaRPr lang="en-US"/>
           </a:p>
@@ -4390,7 +4390,7 @@
           <a:p>
             <a:fld id="{EA214324-8AD7-40FD-9D6E-8B26C6988FCC}" type="datetimeFigureOut">
               <a:rPr lang="en-US" smtClean="0"/>
-              <a:t>6/21/2019</a:t>
+              <a:t>6/24/2019</a:t>
             </a:fld>
             <a:endParaRPr lang="en-US"/>
           </a:p>
@@ -4508,7 +4508,7 @@
           <a:p>
             <a:fld id="{EA214324-8AD7-40FD-9D6E-8B26C6988FCC}" type="datetimeFigureOut">
               <a:rPr lang="en-US" smtClean="0"/>
-              <a:t>6/21/2019</a:t>
+              <a:t>6/24/2019</a:t>
             </a:fld>
             <a:endParaRPr lang="en-US"/>
           </a:p>
@@ -4603,7 +4603,7 @@
           <a:p>
             <a:fld id="{EA214324-8AD7-40FD-9D6E-8B26C6988FCC}" type="datetimeFigureOut">
               <a:rPr lang="en-US" smtClean="0"/>
-              <a:t>6/21/2019</a:t>
+              <a:t>6/24/2019</a:t>
             </a:fld>
             <a:endParaRPr lang="en-US"/>
           </a:p>
@@ -4852,7 +4852,7 @@
           <a:p>
             <a:fld id="{EA214324-8AD7-40FD-9D6E-8B26C6988FCC}" type="datetimeFigureOut">
               <a:rPr lang="en-US" smtClean="0"/>
-              <a:t>6/21/2019</a:t>
+              <a:t>6/24/2019</a:t>
             </a:fld>
             <a:endParaRPr lang="en-US"/>
           </a:p>
@@ -5109,7 +5109,7 @@
           <a:p>
             <a:fld id="{EA214324-8AD7-40FD-9D6E-8B26C6988FCC}" type="datetimeFigureOut">
               <a:rPr lang="en-US" smtClean="0"/>
-              <a:t>6/21/2019</a:t>
+              <a:t>6/24/2019</a:t>
             </a:fld>
             <a:endParaRPr lang="en-US"/>
           </a:p>
@@ -5352,7 +5352,7 @@
           <a:p>
             <a:fld id="{EA214324-8AD7-40FD-9D6E-8B26C6988FCC}" type="datetimeFigureOut">
               <a:rPr lang="en-US" smtClean="0"/>
-              <a:t>6/21/2019</a:t>
+              <a:t>6/24/2019</a:t>
             </a:fld>
             <a:endParaRPr lang="en-US"/>
           </a:p>
@@ -5967,10 +5967,49 @@
         </p:nvSpPr>
         <p:spPr/>
         <p:txBody>
-          <a:bodyPr/>
-          <a:lstStyle/>
-          <a:p>
-            <a:endParaRPr lang="en-US" dirty="0"/>
+          <a:bodyPr>
+            <a:normAutofit/>
+          </a:bodyPr>
+          <a:lstStyle/>
+          <a:p>
+            <a:pPr marL="285750" indent="-285750">
+              <a:buFont typeface="Arial" panose="020B0604020202020204" pitchFamily="34" charset="0"/>
+              <a:buChar char="•"/>
+            </a:pPr>
+            <a:r>
+              <a:rPr lang="en-US" dirty="0"/>
+              <a:t>We took a practical approach to the construction of our stellar models</a:t>
+            </a:r>
+          </a:p>
+          <a:p>
+            <a:pPr marL="285750" indent="-285750">
+              <a:buFont typeface="Arial" panose="020B0604020202020204" pitchFamily="34" charset="0"/>
+              <a:buChar char="•"/>
+            </a:pPr>
+            <a:r>
+              <a:rPr lang="en-US" dirty="0"/>
+              <a:t>This started with creating a three-dimensional model sphere in our preferred programming language</a:t>
+            </a:r>
+          </a:p>
+          <a:p>
+            <a:pPr marL="285750" indent="-285750">
+              <a:buFont typeface="Arial" panose="020B0604020202020204" pitchFamily="34" charset="0"/>
+              <a:buChar char="•"/>
+            </a:pPr>
+            <a:r>
+              <a:rPr lang="en-US" dirty="0"/>
+              <a:t>The surface of the stellar model needed to be tessellated with many small rectangular cells</a:t>
+            </a:r>
+          </a:p>
+          <a:p>
+            <a:pPr marL="285750" indent="-285750">
+              <a:buFont typeface="Arial" panose="020B0604020202020204" pitchFamily="34" charset="0"/>
+              <a:buChar char="•"/>
+            </a:pPr>
+            <a:r>
+              <a:rPr lang="en-US" dirty="0"/>
+              <a:t>Code needed to be written that randomly selected cells to be ‘spot cells’ at any given surface coverage</a:t>
+            </a:r>
           </a:p>
         </p:txBody>
       </p:sp>
@@ -6115,12 +6154,72 @@
           </a:p>
         </p:txBody>
       </p:sp>
+      <p:sp>
+        <p:nvSpPr>
+          <p:cNvPr id="5" name="Text Placeholder 4">
+            <a:extLst>
+              <a:ext uri="{FF2B5EF4-FFF2-40B4-BE49-F238E27FC236}">
+                <a16:creationId xmlns:a16="http://schemas.microsoft.com/office/drawing/2014/main" id="{19212A1D-B6A7-4444-8E1D-F1EB42C0238D}"/>
+              </a:ext>
+            </a:extLst>
+          </p:cNvPr>
+          <p:cNvSpPr>
+            <a:spLocks noGrp="1"/>
+          </p:cNvSpPr>
+          <p:nvPr>
+            <p:ph type="body" sz="half" idx="2"/>
+          </p:nvPr>
+        </p:nvSpPr>
+        <p:spPr/>
+        <p:txBody>
+          <a:bodyPr/>
+          <a:lstStyle/>
+          <a:p>
+            <a:endParaRPr lang="en-US"/>
+          </a:p>
+        </p:txBody>
+      </p:sp>
+      <p:sp>
+        <p:nvSpPr>
+          <p:cNvPr id="8" name="TextBox 7">
+            <a:extLst>
+              <a:ext uri="{FF2B5EF4-FFF2-40B4-BE49-F238E27FC236}">
+                <a16:creationId xmlns:a16="http://schemas.microsoft.com/office/drawing/2014/main" id="{1081CEE2-9A6D-4DDA-9E2B-0AAAA3A800A6}"/>
+              </a:ext>
+            </a:extLst>
+          </p:cNvPr>
+          <p:cNvSpPr txBox="1"/>
+          <p:nvPr/>
+        </p:nvSpPr>
+        <p:spPr>
+          <a:xfrm>
+            <a:off x="5858351" y="6218684"/>
+            <a:ext cx="1080745" cy="246221"/>
+          </a:xfrm>
+          <a:prstGeom prst="rect">
+            <a:avLst/>
+          </a:prstGeom>
+          <a:noFill/>
+        </p:spPr>
+        <p:txBody>
+          <a:bodyPr wrap="none" rtlCol="0">
+            <a:spAutoFit/>
+          </a:bodyPr>
+          <a:lstStyle/>
+          <a:p>
+            <a:r>
+              <a:rPr lang="en-US" sz="1000" dirty="0"/>
+              <a:t>Image Credit:</a:t>
+            </a:r>
+          </a:p>
+        </p:txBody>
+      </p:sp>
       <p:pic>
         <p:nvPicPr>
-          <p:cNvPr id="7" name="Content Placeholder 6">
+          <p:cNvPr id="9" name="Content Placeholder 8">
             <a:extLst>
               <a:ext uri="{FF2B5EF4-FFF2-40B4-BE49-F238E27FC236}">
-                <a16:creationId xmlns:a16="http://schemas.microsoft.com/office/drawing/2014/main" id="{95FF3276-3388-483E-82E4-3722F5B31EBE}"/>
+                <a16:creationId xmlns:a16="http://schemas.microsoft.com/office/drawing/2014/main" id="{3FB24333-6752-4CFA-A433-7FCCFDE8A1DC}"/>
               </a:ext>
             </a:extLst>
           </p:cNvPr>
@@ -6145,71 +6244,11 @@
         </p:blipFill>
         <p:spPr>
           <a:xfrm>
-            <a:off x="5536406" y="1115219"/>
-            <a:ext cx="5429250" cy="4733925"/>
+            <a:off x="5858351" y="902972"/>
+            <a:ext cx="4785360" cy="5315712"/>
           </a:xfrm>
         </p:spPr>
       </p:pic>
-      <p:sp>
-        <p:nvSpPr>
-          <p:cNvPr id="5" name="Text Placeholder 4">
-            <a:extLst>
-              <a:ext uri="{FF2B5EF4-FFF2-40B4-BE49-F238E27FC236}">
-                <a16:creationId xmlns:a16="http://schemas.microsoft.com/office/drawing/2014/main" id="{19212A1D-B6A7-4444-8E1D-F1EB42C0238D}"/>
-              </a:ext>
-            </a:extLst>
-          </p:cNvPr>
-          <p:cNvSpPr>
-            <a:spLocks noGrp="1"/>
-          </p:cNvSpPr>
-          <p:nvPr>
-            <p:ph type="body" sz="half" idx="2"/>
-          </p:nvPr>
-        </p:nvSpPr>
-        <p:spPr/>
-        <p:txBody>
-          <a:bodyPr/>
-          <a:lstStyle/>
-          <a:p>
-            <a:endParaRPr lang="en-US"/>
-          </a:p>
-        </p:txBody>
-      </p:sp>
-      <p:sp>
-        <p:nvSpPr>
-          <p:cNvPr id="8" name="TextBox 7">
-            <a:extLst>
-              <a:ext uri="{FF2B5EF4-FFF2-40B4-BE49-F238E27FC236}">
-                <a16:creationId xmlns:a16="http://schemas.microsoft.com/office/drawing/2014/main" id="{1081CEE2-9A6D-4DDA-9E2B-0AAAA3A800A6}"/>
-              </a:ext>
-            </a:extLst>
-          </p:cNvPr>
-          <p:cNvSpPr txBox="1"/>
-          <p:nvPr/>
-        </p:nvSpPr>
-        <p:spPr>
-          <a:xfrm>
-            <a:off x="5536406" y="5849352"/>
-            <a:ext cx="3316934" cy="246221"/>
-          </a:xfrm>
-          <a:prstGeom prst="rect">
-            <a:avLst/>
-          </a:prstGeom>
-          <a:noFill/>
-        </p:spPr>
-        <p:txBody>
-          <a:bodyPr wrap="none" rtlCol="0">
-            <a:spAutoFit/>
-          </a:bodyPr>
-          <a:lstStyle/>
-          <a:p>
-            <a:r>
-              <a:rPr lang="en-US" sz="1000" dirty="0"/>
-              <a:t>Image Credit: NASA Goddard Space Flight Center</a:t>
-            </a:r>
-          </a:p>
-        </p:txBody>
-      </p:sp>
     </p:spTree>
     <p:extLst>
       <p:ext uri="{BB962C8B-B14F-4D97-AF65-F5344CB8AC3E}">

--- a/FUSE - Mottled Stars/FUSE Methodology/Mottled Stars Methodology.pptx
+++ b/FUSE - Mottled Stars/FUSE Methodology/Mottled Stars Methodology.pptx
@@ -2,13 +2,15 @@
 <file path=ppt/presentation.xml><?xml version="1.0" encoding="utf-8"?>
 <p:presentation xmlns:a="http://schemas.openxmlformats.org/drawingml/2006/main" xmlns:r="http://schemas.openxmlformats.org/officeDocument/2006/relationships" xmlns:p="http://schemas.openxmlformats.org/presentationml/2006/main" saveSubsetFonts="1">
   <p:sldMasterIdLst>
-    <p:sldMasterId id="2147483690" r:id="rId1"/>
+    <p:sldMasterId id="2147483797" r:id="rId1"/>
   </p:sldMasterIdLst>
   <p:sldIdLst>
     <p:sldId id="256" r:id="rId2"/>
-    <p:sldId id="257" r:id="rId3"/>
-    <p:sldId id="258" r:id="rId4"/>
-    <p:sldId id="259" r:id="rId5"/>
+    <p:sldId id="260" r:id="rId3"/>
+    <p:sldId id="257" r:id="rId4"/>
+    <p:sldId id="258" r:id="rId5"/>
+    <p:sldId id="259" r:id="rId6"/>
+    <p:sldId id="261" r:id="rId7"/>
   </p:sldIdLst>
   <p:sldSz cx="12192000" cy="6858000"/>
   <p:notesSz cx="6858000" cy="9144000"/>
@@ -132,126 +134,147 @@
           <a:chExt cx="0" cy="0"/>
         </a:xfrm>
       </p:grpSpPr>
-      <p:pic>
-        <p:nvPicPr>
-          <p:cNvPr id="7" name="Picture 6" descr="C0-HD-BTM.png"/>
-          <p:cNvPicPr>
-            <a:picLocks noChangeAspect="1"/>
-          </p:cNvPicPr>
-          <p:nvPr/>
-        </p:nvPicPr>
-        <p:blipFill>
-          <a:blip r:embed="rId2">
-            <a:extLst>
-              <a:ext uri="{28A0092B-C50C-407E-A947-70E740481C1C}">
-                <a14:useLocalDpi xmlns:a14="http://schemas.microsoft.com/office/drawing/2010/main" val="0"/>
-              </a:ext>
-            </a:extLst>
-          </a:blip>
-          <a:stretch>
-            <a:fillRect/>
-          </a:stretch>
-        </p:blipFill>
+      <p:sp>
+        <p:nvSpPr>
+          <p:cNvPr id="2" name="Title 1"/>
+          <p:cNvSpPr>
+            <a:spLocks noGrp="1"/>
+          </p:cNvSpPr>
+          <p:nvPr>
+            <p:ph type="ctrTitle"/>
+          </p:nvPr>
+        </p:nvSpPr>
         <p:spPr>
           <a:xfrm>
-            <a:off x="0" y="4375150"/>
-            <a:ext cx="12192000" cy="2482850"/>
+            <a:off x="1154955" y="1447800"/>
+            <a:ext cx="8825658" cy="3329581"/>
           </a:xfrm>
-          <a:prstGeom prst="rect">
-            <a:avLst/>
-          </a:prstGeom>
         </p:spPr>
-      </p:pic>
-      <p:sp>
-        <p:nvSpPr>
-          <p:cNvPr id="2" name="Title 1"/>
-          <p:cNvSpPr>
-            <a:spLocks noGrp="1"/>
-          </p:cNvSpPr>
-          <p:nvPr>
-            <p:ph type="ctrTitle"/>
+        <p:txBody>
+          <a:bodyPr anchor="b"/>
+          <a:lstStyle>
+            <a:lvl1pPr>
+              <a:defRPr sz="7200"/>
+            </a:lvl1pPr>
+          </a:lstStyle>
+          <a:p>
+            <a:r>
+              <a:rPr lang="en-US"/>
+              <a:t>Click to edit Master title style</a:t>
+            </a:r>
+            <a:endParaRPr lang="en-US" dirty="0"/>
+          </a:p>
+        </p:txBody>
+      </p:sp>
+      <p:sp>
+        <p:nvSpPr>
+          <p:cNvPr id="3" name="Subtitle 2"/>
+          <p:cNvSpPr>
+            <a:spLocks noGrp="1"/>
+          </p:cNvSpPr>
+          <p:nvPr>
+            <p:ph type="subTitle" idx="1"/>
           </p:nvPr>
         </p:nvSpPr>
         <p:spPr>
           <a:xfrm>
-            <a:off x="1371600" y="1803405"/>
-            <a:ext cx="9448800" cy="1825096"/>
+            <a:off x="1154955" y="4777380"/>
+            <a:ext cx="8825658" cy="861420"/>
           </a:xfrm>
         </p:spPr>
         <p:txBody>
-          <a:bodyPr anchor="b">
-            <a:normAutofit/>
-          </a:bodyPr>
-          <a:lstStyle>
-            <a:lvl1pPr algn="l">
-              <a:defRPr sz="6000"/>
-            </a:lvl1pPr>
-          </a:lstStyle>
-          <a:p>
-            <a:r>
-              <a:rPr lang="en-US"/>
-              <a:t>Click to edit Master title style</a:t>
-            </a:r>
-            <a:endParaRPr lang="en-US" dirty="0"/>
-          </a:p>
-        </p:txBody>
-      </p:sp>
-      <p:sp>
-        <p:nvSpPr>
-          <p:cNvPr id="3" name="Subtitle 2"/>
-          <p:cNvSpPr>
-            <a:spLocks noGrp="1"/>
-          </p:cNvSpPr>
-          <p:nvPr>
-            <p:ph type="subTitle" idx="1"/>
-          </p:nvPr>
-        </p:nvSpPr>
-        <p:spPr>
-          <a:xfrm>
-            <a:off x="1371600" y="3632201"/>
-            <a:ext cx="9448800" cy="685800"/>
-          </a:xfrm>
-        </p:spPr>
-        <p:txBody>
-          <a:bodyPr>
-            <a:normAutofit/>
-          </a:bodyPr>
+          <a:bodyPr anchor="t"/>
           <a:lstStyle>
             <a:lvl1pPr marL="0" indent="0" algn="l">
               <a:buNone/>
-              <a:defRPr sz="2000"/>
+              <a:defRPr cap="all">
+                <a:solidFill>
+                  <a:schemeClr val="bg2">
+                    <a:lumMod val="40000"/>
+                    <a:lumOff val="60000"/>
+                  </a:schemeClr>
+                </a:solidFill>
+              </a:defRPr>
             </a:lvl1pPr>
             <a:lvl2pPr marL="457200" indent="0" algn="ctr">
               <a:buNone/>
-              <a:defRPr sz="2000"/>
+              <a:defRPr>
+                <a:solidFill>
+                  <a:schemeClr val="tx1">
+                    <a:tint val="75000"/>
+                  </a:schemeClr>
+                </a:solidFill>
+              </a:defRPr>
             </a:lvl2pPr>
             <a:lvl3pPr marL="914400" indent="0" algn="ctr">
               <a:buNone/>
-              <a:defRPr sz="1800"/>
+              <a:defRPr>
+                <a:solidFill>
+                  <a:schemeClr val="tx1">
+                    <a:tint val="75000"/>
+                  </a:schemeClr>
+                </a:solidFill>
+              </a:defRPr>
             </a:lvl3pPr>
             <a:lvl4pPr marL="1371600" indent="0" algn="ctr">
               <a:buNone/>
-              <a:defRPr sz="1600"/>
+              <a:defRPr>
+                <a:solidFill>
+                  <a:schemeClr val="tx1">
+                    <a:tint val="75000"/>
+                  </a:schemeClr>
+                </a:solidFill>
+              </a:defRPr>
             </a:lvl4pPr>
             <a:lvl5pPr marL="1828800" indent="0" algn="ctr">
               <a:buNone/>
-              <a:defRPr sz="1600"/>
+              <a:defRPr>
+                <a:solidFill>
+                  <a:schemeClr val="tx1">
+                    <a:tint val="75000"/>
+                  </a:schemeClr>
+                </a:solidFill>
+              </a:defRPr>
             </a:lvl5pPr>
             <a:lvl6pPr marL="2286000" indent="0" algn="ctr">
               <a:buNone/>
-              <a:defRPr sz="1600"/>
+              <a:defRPr>
+                <a:solidFill>
+                  <a:schemeClr val="tx1">
+                    <a:tint val="75000"/>
+                  </a:schemeClr>
+                </a:solidFill>
+              </a:defRPr>
             </a:lvl6pPr>
             <a:lvl7pPr marL="2743200" indent="0" algn="ctr">
               <a:buNone/>
-              <a:defRPr sz="1600"/>
+              <a:defRPr>
+                <a:solidFill>
+                  <a:schemeClr val="tx1">
+                    <a:tint val="75000"/>
+                  </a:schemeClr>
+                </a:solidFill>
+              </a:defRPr>
             </a:lvl7pPr>
             <a:lvl8pPr marL="3200400" indent="0" algn="ctr">
               <a:buNone/>
-              <a:defRPr sz="1600"/>
+              <a:defRPr>
+                <a:solidFill>
+                  <a:schemeClr val="tx1">
+                    <a:tint val="75000"/>
+                  </a:schemeClr>
+                </a:solidFill>
+              </a:defRPr>
             </a:lvl8pPr>
             <a:lvl9pPr marL="3657600" indent="0" algn="ctr">
               <a:buNone/>
-              <a:defRPr sz="1600"/>
+              <a:defRPr>
+                <a:solidFill>
+                  <a:schemeClr val="tx1">
+                    <a:tint val="75000"/>
+                  </a:schemeClr>
+                </a:solidFill>
+              </a:defRPr>
             </a:lvl9pPr>
           </a:lstStyle>
           <a:p>
@@ -273,19 +296,14 @@
             <p:ph type="dt" sz="half" idx="10"/>
           </p:nvPr>
         </p:nvSpPr>
-        <p:spPr>
-          <a:xfrm>
-            <a:off x="7909561" y="4314328"/>
-            <a:ext cx="2910840" cy="374642"/>
-          </a:xfrm>
-        </p:spPr>
+        <p:spPr/>
         <p:txBody>
           <a:bodyPr/>
           <a:lstStyle/>
           <a:p>
             <a:fld id="{EA214324-8AD7-40FD-9D6E-8B26C6988FCC}" type="datetimeFigureOut">
               <a:rPr lang="en-US" smtClean="0"/>
-              <a:t>6/24/2019</a:t>
+              <a:t>6/25/2019</a:t>
             </a:fld>
             <a:endParaRPr lang="en-US"/>
           </a:p>
@@ -301,12 +319,7 @@
             <p:ph type="ftr" sz="quarter" idx="11"/>
           </p:nvPr>
         </p:nvSpPr>
-        <p:spPr>
-          <a:xfrm>
-            <a:off x="1371600" y="4323845"/>
-            <a:ext cx="6400800" cy="365125"/>
-          </a:xfrm>
-        </p:spPr>
+        <p:spPr/>
         <p:txBody>
           <a:bodyPr/>
           <a:lstStyle/>
@@ -325,12 +338,7 @@
             <p:ph type="sldNum" sz="quarter" idx="12"/>
           </p:nvPr>
         </p:nvSpPr>
-        <p:spPr>
-          <a:xfrm>
-            <a:off x="8077200" y="1430866"/>
-            <a:ext cx="2743200" cy="365125"/>
-          </a:xfrm>
-        </p:spPr>
+        <p:spPr/>
         <p:txBody>
           <a:bodyPr/>
           <a:lstStyle/>
@@ -346,7 +354,7 @@
     </p:spTree>
     <p:extLst>
       <p:ext uri="{BB962C8B-B14F-4D97-AF65-F5344CB8AC3E}">
-        <p14:creationId xmlns:p14="http://schemas.microsoft.com/office/powerpoint/2010/main" val="209126734"/>
+        <p14:creationId xmlns:p14="http://schemas.microsoft.com/office/powerpoint/2010/main" val="1657829810"/>
       </p:ext>
     </p:extLst>
   </p:cSld>
@@ -390,15 +398,17 @@
         </p:nvSpPr>
         <p:spPr>
           <a:xfrm>
-            <a:off x="685777" y="4697360"/>
-            <a:ext cx="10822034" cy="819355"/>
+            <a:off x="1154956" y="4800587"/>
+            <a:ext cx="8825657" cy="566738"/>
           </a:xfrm>
         </p:spPr>
         <p:txBody>
-          <a:bodyPr anchor="b"/>
+          <a:bodyPr anchor="b">
+            <a:normAutofit/>
+          </a:bodyPr>
           <a:lstStyle>
             <a:lvl1pPr algn="l">
-              <a:defRPr sz="3200"/>
+              <a:defRPr sz="2400" b="0"/>
             </a:lvl1pPr>
           </a:lstStyle>
           <a:p>
@@ -422,116 +432,132 @@
         </p:nvSpPr>
         <p:spPr>
           <a:xfrm>
-            <a:off x="681727" y="941439"/>
-            <a:ext cx="10821840" cy="3478161"/>
+            <a:off x="1154955" y="685800"/>
+            <a:ext cx="8825658" cy="3640666"/>
           </a:xfrm>
+          <a:prstGeom prst="roundRect">
+            <a:avLst>
+              <a:gd name="adj" fmla="val 1858"/>
+            </a:avLst>
+          </a:prstGeom>
+          <a:effectLst>
+            <a:outerShdw blurRad="50800" dist="50800" dir="5400000" algn="tl" rotWithShape="0">
+              <a:srgbClr val="000000">
+                <a:alpha val="43000"/>
+              </a:srgbClr>
+            </a:outerShdw>
+          </a:effectLst>
         </p:spPr>
         <p:txBody>
-          <a:bodyPr anchor="t"/>
+          <a:bodyPr anchor="t">
+            <a:normAutofit/>
+          </a:bodyPr>
           <a:lstStyle>
-            <a:lvl1pPr marL="0" indent="0">
-              <a:buNone/>
-              <a:defRPr sz="3200"/>
-            </a:lvl1pPr>
-            <a:lvl2pPr marL="457200" indent="0">
-              <a:buNone/>
-              <a:defRPr sz="2800"/>
-            </a:lvl2pPr>
-            <a:lvl3pPr marL="914400" indent="0">
-              <a:buNone/>
-              <a:defRPr sz="2400"/>
-            </a:lvl3pPr>
-            <a:lvl4pPr marL="1371600" indent="0">
-              <a:buNone/>
-              <a:defRPr sz="2000"/>
-            </a:lvl4pPr>
-            <a:lvl5pPr marL="1828800" indent="0">
-              <a:buNone/>
-              <a:defRPr sz="2000"/>
-            </a:lvl5pPr>
-            <a:lvl6pPr marL="2286000" indent="0">
-              <a:buNone/>
-              <a:defRPr sz="2000"/>
-            </a:lvl6pPr>
-            <a:lvl7pPr marL="2743200" indent="0">
-              <a:buNone/>
-              <a:defRPr sz="2000"/>
-            </a:lvl7pPr>
-            <a:lvl8pPr marL="3200400" indent="0">
-              <a:buNone/>
-              <a:defRPr sz="2000"/>
-            </a:lvl8pPr>
-            <a:lvl9pPr marL="3657600" indent="0">
-              <a:buNone/>
-              <a:defRPr sz="2000"/>
-            </a:lvl9pPr>
-          </a:lstStyle>
-          <a:p>
-            <a:r>
-              <a:rPr lang="en-US"/>
-              <a:t>Click icon to add picture</a:t>
-            </a:r>
-            <a:endParaRPr lang="en-US" dirty="0"/>
-          </a:p>
-        </p:txBody>
-      </p:sp>
-      <p:sp>
-        <p:nvSpPr>
-          <p:cNvPr id="4" name="Text Placeholder 3"/>
-          <p:cNvSpPr>
-            <a:spLocks noGrp="1"/>
-          </p:cNvSpPr>
-          <p:nvPr>
-            <p:ph type="body" sz="half" idx="2"/>
-          </p:nvPr>
-        </p:nvSpPr>
-        <p:spPr>
-          <a:xfrm>
-            <a:off x="685800" y="5516715"/>
-            <a:ext cx="10820400" cy="701969"/>
-          </a:xfrm>
-        </p:spPr>
-        <p:txBody>
-          <a:bodyPr/>
-          <a:lstStyle>
-            <a:lvl1pPr marL="0" indent="0" algn="l">
+            <a:lvl1pPr marL="0" indent="0" algn="ctr">
               <a:buNone/>
               <a:defRPr sz="1600"/>
             </a:lvl1pPr>
             <a:lvl2pPr marL="457200" indent="0">
               <a:buNone/>
-              <a:defRPr sz="1400"/>
+              <a:defRPr sz="1600"/>
             </a:lvl2pPr>
             <a:lvl3pPr marL="914400" indent="0">
               <a:buNone/>
-              <a:defRPr sz="1200"/>
+              <a:defRPr sz="1600"/>
             </a:lvl3pPr>
             <a:lvl4pPr marL="1371600" indent="0">
               <a:buNone/>
-              <a:defRPr sz="1000"/>
+              <a:defRPr sz="1600"/>
             </a:lvl4pPr>
             <a:lvl5pPr marL="1828800" indent="0">
               <a:buNone/>
-              <a:defRPr sz="1000"/>
+              <a:defRPr sz="1600"/>
             </a:lvl5pPr>
             <a:lvl6pPr marL="2286000" indent="0">
               <a:buNone/>
-              <a:defRPr sz="1000"/>
+              <a:defRPr sz="1600"/>
             </a:lvl6pPr>
             <a:lvl7pPr marL="2743200" indent="0">
               <a:buNone/>
-              <a:defRPr sz="1000"/>
+              <a:defRPr sz="1600"/>
             </a:lvl7pPr>
             <a:lvl8pPr marL="3200400" indent="0">
               <a:buNone/>
-              <a:defRPr sz="1000"/>
+              <a:defRPr sz="1600"/>
             </a:lvl8pPr>
             <a:lvl9pPr marL="3657600" indent="0">
               <a:buNone/>
-              <a:defRPr sz="1000"/>
+              <a:defRPr sz="1600"/>
             </a:lvl9pPr>
           </a:lstStyle>
           <a:p>
+            <a:r>
+              <a:rPr lang="en-US"/>
+              <a:t>Click icon to add picture</a:t>
+            </a:r>
+            <a:endParaRPr lang="en-US" dirty="0"/>
+          </a:p>
+        </p:txBody>
+      </p:sp>
+      <p:sp>
+        <p:nvSpPr>
+          <p:cNvPr id="4" name="Text Placeholder 3"/>
+          <p:cNvSpPr>
+            <a:spLocks noGrp="1"/>
+          </p:cNvSpPr>
+          <p:nvPr>
+            <p:ph type="body" sz="half" idx="2"/>
+          </p:nvPr>
+        </p:nvSpPr>
+        <p:spPr>
+          <a:xfrm>
+            <a:off x="1154956" y="5367325"/>
+            <a:ext cx="8825656" cy="493712"/>
+          </a:xfrm>
+        </p:spPr>
+        <p:txBody>
+          <a:bodyPr>
+            <a:normAutofit/>
+          </a:bodyPr>
+          <a:lstStyle>
+            <a:lvl1pPr marL="0" indent="0">
+              <a:buNone/>
+              <a:defRPr sz="1200"/>
+            </a:lvl1pPr>
+            <a:lvl2pPr marL="457200" indent="0">
+              <a:buNone/>
+              <a:defRPr sz="1200"/>
+            </a:lvl2pPr>
+            <a:lvl3pPr marL="914400" indent="0">
+              <a:buNone/>
+              <a:defRPr sz="1000"/>
+            </a:lvl3pPr>
+            <a:lvl4pPr marL="1371600" indent="0">
+              <a:buNone/>
+              <a:defRPr sz="900"/>
+            </a:lvl4pPr>
+            <a:lvl5pPr marL="1828800" indent="0">
+              <a:buNone/>
+              <a:defRPr sz="900"/>
+            </a:lvl5pPr>
+            <a:lvl6pPr marL="2286000" indent="0">
+              <a:buNone/>
+              <a:defRPr sz="900"/>
+            </a:lvl6pPr>
+            <a:lvl7pPr marL="2743200" indent="0">
+              <a:buNone/>
+              <a:defRPr sz="900"/>
+            </a:lvl7pPr>
+            <a:lvl8pPr marL="3200400" indent="0">
+              <a:buNone/>
+              <a:defRPr sz="900"/>
+            </a:lvl8pPr>
+            <a:lvl9pPr marL="3657600" indent="0">
+              <a:buNone/>
+              <a:defRPr sz="900"/>
+            </a:lvl9pPr>
+          </a:lstStyle>
+          <a:p>
             <a:pPr lvl="0"/>
             <a:r>
               <a:rPr lang="en-US"/>
@@ -557,7 +583,7 @@
           <a:p>
             <a:fld id="{EA214324-8AD7-40FD-9D6E-8B26C6988FCC}" type="datetimeFigureOut">
               <a:rPr lang="en-US" smtClean="0"/>
-              <a:t>6/24/2019</a:t>
+              <a:t>6/25/2019</a:t>
             </a:fld>
             <a:endParaRPr lang="en-US"/>
           </a:p>
@@ -608,7 +634,7 @@
     </p:spTree>
     <p:extLst>
       <p:ext uri="{BB962C8B-B14F-4D97-AF65-F5344CB8AC3E}">
-        <p14:creationId xmlns:p14="http://schemas.microsoft.com/office/powerpoint/2010/main" val="2522656260"/>
+        <p14:creationId xmlns:p14="http://schemas.microsoft.com/office/powerpoint/2010/main" val="3007437967"/>
       </p:ext>
     </p:extLst>
   </p:cSld>
@@ -619,7 +645,7 @@
 </file>
 
 <file path=ppt/slideLayouts/slideLayout11.xml><?xml version="1.0" encoding="utf-8"?>
-<p:sldLayout xmlns:a="http://schemas.openxmlformats.org/drawingml/2006/main" xmlns:r="http://schemas.openxmlformats.org/officeDocument/2006/relationships" xmlns:p="http://schemas.openxmlformats.org/presentationml/2006/main" showMasterSp="0" preserve="1">
+<p:sldLayout xmlns:a="http://schemas.openxmlformats.org/drawingml/2006/main" xmlns:r="http://schemas.openxmlformats.org/officeDocument/2006/relationships" xmlns:p="http://schemas.openxmlformats.org/presentationml/2006/main" preserve="1">
   <p:cSld name="Title and Caption">
     <p:spTree>
       <p:nvGrpSpPr>
@@ -635,122 +661,94 @@
           <a:chExt cx="0" cy="0"/>
         </a:xfrm>
       </p:grpSpPr>
-      <p:pic>
-        <p:nvPicPr>
-          <p:cNvPr id="8" name="Picture 7" descr="C0-HD-BTM.png"/>
-          <p:cNvPicPr>
-            <a:picLocks noChangeAspect="1"/>
-          </p:cNvPicPr>
-          <p:nvPr/>
-        </p:nvPicPr>
-        <p:blipFill>
-          <a:blip r:embed="rId2">
-            <a:extLst>
-              <a:ext uri="{28A0092B-C50C-407E-A947-70E740481C1C}">
-                <a14:useLocalDpi xmlns:a14="http://schemas.microsoft.com/office/drawing/2010/main" val="0"/>
-              </a:ext>
-            </a:extLst>
-          </a:blip>
-          <a:stretch>
-            <a:fillRect/>
-          </a:stretch>
-        </p:blipFill>
+      <p:sp>
+        <p:nvSpPr>
+          <p:cNvPr id="2" name="Title 1"/>
+          <p:cNvSpPr>
+            <a:spLocks noGrp="1"/>
+          </p:cNvSpPr>
+          <p:nvPr>
+            <p:ph type="title"/>
+          </p:nvPr>
+        </p:nvSpPr>
         <p:spPr>
           <a:xfrm>
-            <a:off x="0" y="4375150"/>
-            <a:ext cx="12192000" cy="2482850"/>
+            <a:off x="1154954" y="1447800"/>
+            <a:ext cx="8825659" cy="1981200"/>
           </a:xfrm>
-          <a:prstGeom prst="rect">
-            <a:avLst/>
-          </a:prstGeom>
         </p:spPr>
-      </p:pic>
-      <p:sp>
-        <p:nvSpPr>
-          <p:cNvPr id="2" name="Title 1"/>
-          <p:cNvSpPr>
-            <a:spLocks noGrp="1"/>
-          </p:cNvSpPr>
-          <p:nvPr>
-            <p:ph type="title"/>
+        <p:txBody>
+          <a:bodyPr/>
+          <a:lstStyle>
+            <a:lvl1pPr>
+              <a:defRPr sz="4800"/>
+            </a:lvl1pPr>
+          </a:lstStyle>
+          <a:p>
+            <a:r>
+              <a:rPr lang="en-US"/>
+              <a:t>Click to edit Master title style</a:t>
+            </a:r>
+            <a:endParaRPr lang="en-US" dirty="0"/>
+          </a:p>
+        </p:txBody>
+      </p:sp>
+      <p:sp>
+        <p:nvSpPr>
+          <p:cNvPr id="8" name="Text Placeholder 3"/>
+          <p:cNvSpPr>
+            <a:spLocks noGrp="1"/>
+          </p:cNvSpPr>
+          <p:nvPr>
+            <p:ph type="body" sz="half" idx="2"/>
           </p:nvPr>
         </p:nvSpPr>
         <p:spPr>
           <a:xfrm>
-            <a:off x="685800" y="753532"/>
-            <a:ext cx="10820400" cy="2802467"/>
+            <a:off x="1154954" y="3657600"/>
+            <a:ext cx="8825659" cy="2362200"/>
           </a:xfrm>
         </p:spPr>
         <p:txBody>
-          <a:bodyPr anchor="ctr"/>
-          <a:lstStyle>
-            <a:lvl1pPr algn="l">
-              <a:defRPr sz="3200"/>
-            </a:lvl1pPr>
-          </a:lstStyle>
-          <a:p>
-            <a:r>
-              <a:rPr lang="en-US"/>
-              <a:t>Click to edit Master title style</a:t>
-            </a:r>
-            <a:endParaRPr lang="en-US" dirty="0"/>
-          </a:p>
-        </p:txBody>
-      </p:sp>
-      <p:sp>
-        <p:nvSpPr>
-          <p:cNvPr id="4" name="Text Placeholder 3"/>
-          <p:cNvSpPr>
-            <a:spLocks noGrp="1"/>
-          </p:cNvSpPr>
-          <p:nvPr>
-            <p:ph type="body" sz="half" idx="2"/>
-          </p:nvPr>
-        </p:nvSpPr>
-        <p:spPr>
-          <a:xfrm>
-            <a:off x="1024467" y="3649133"/>
-            <a:ext cx="10130516" cy="999067"/>
-          </a:xfrm>
-        </p:spPr>
-        <p:txBody>
-          <a:bodyPr anchor="ctr"/>
+          <a:bodyPr anchor="ctr">
+            <a:normAutofit/>
+          </a:bodyPr>
           <a:lstStyle>
             <a:lvl1pPr marL="0" indent="0">
               <a:buNone/>
-              <a:defRPr sz="1600"/>
+              <a:defRPr sz="1800"/>
             </a:lvl1pPr>
             <a:lvl2pPr marL="457200" indent="0">
               <a:buNone/>
-              <a:defRPr sz="1400"/>
+              <a:defRPr sz="1200"/>
             </a:lvl2pPr>
             <a:lvl3pPr marL="914400" indent="0">
               <a:buNone/>
-              <a:defRPr sz="1200"/>
+              <a:defRPr sz="1000"/>
             </a:lvl3pPr>
             <a:lvl4pPr marL="1371600" indent="0">
               <a:buNone/>
-              <a:defRPr sz="1000"/>
+              <a:defRPr sz="900"/>
             </a:lvl4pPr>
             <a:lvl5pPr marL="1828800" indent="0">
               <a:buNone/>
-              <a:defRPr sz="1000"/>
+              <a:defRPr sz="900"/>
             </a:lvl5pPr>
             <a:lvl6pPr marL="2286000" indent="0">
               <a:buNone/>
-              <a:defRPr sz="1000"/>
+              <a:defRPr sz="900"/>
             </a:lvl6pPr>
             <a:lvl7pPr marL="2743200" indent="0">
               <a:buNone/>
-              <a:defRPr sz="1000"/>
+              <a:defRPr sz="900"/>
             </a:lvl7pPr>
             <a:lvl8pPr marL="3200400" indent="0">
               <a:buNone/>
-              <a:defRPr sz="1000"/>
+              <a:defRPr sz="900"/>
             </a:lvl8pPr>
             <a:lvl9pPr marL="3657600" indent="0">
               <a:buNone/>
-              <a:defRPr sz="1000"/>
+              <a:defRPr sz="900"/>
             </a:lvl9pPr>
           </a:lstStyle>
           <a:p>
@@ -764,7 +762,7 @@
       </p:sp>
       <p:sp>
         <p:nvSpPr>
-          <p:cNvPr id="5" name="Date Placeholder 4"/>
+          <p:cNvPr id="4" name="Date Placeholder 3"/>
           <p:cNvSpPr>
             <a:spLocks noGrp="1"/>
           </p:cNvSpPr>
@@ -772,23 +770,14 @@
             <p:ph type="dt" sz="half" idx="10"/>
           </p:nvPr>
         </p:nvSpPr>
-        <p:spPr>
-          <a:xfrm>
-            <a:off x="7814452" y="381000"/>
-            <a:ext cx="2910840" cy="365125"/>
-          </a:xfrm>
-        </p:spPr>
+        <p:spPr/>
         <p:txBody>
           <a:bodyPr/>
-          <a:lstStyle>
-            <a:lvl1pPr algn="r">
-              <a:defRPr/>
-            </a:lvl1pPr>
-          </a:lstStyle>
+          <a:lstStyle/>
           <a:p>
             <a:fld id="{EA214324-8AD7-40FD-9D6E-8B26C6988FCC}" type="datetimeFigureOut">
               <a:rPr lang="en-US" smtClean="0"/>
-              <a:t>6/24/2019</a:t>
+              <a:t>6/25/2019</a:t>
             </a:fld>
             <a:endParaRPr lang="en-US"/>
           </a:p>
@@ -796,7 +785,7 @@
       </p:sp>
       <p:sp>
         <p:nvSpPr>
-          <p:cNvPr id="6" name="Footer Placeholder 5"/>
+          <p:cNvPr id="5" name="Footer Placeholder 4"/>
           <p:cNvSpPr>
             <a:spLocks noGrp="1"/>
           </p:cNvSpPr>
@@ -804,12 +793,7 @@
             <p:ph type="ftr" sz="quarter" idx="11"/>
           </p:nvPr>
         </p:nvSpPr>
-        <p:spPr>
-          <a:xfrm>
-            <a:off x="685800" y="379941"/>
-            <a:ext cx="6991492" cy="365125"/>
-          </a:xfrm>
-        </p:spPr>
+        <p:spPr/>
         <p:txBody>
           <a:bodyPr/>
           <a:lstStyle/>
@@ -820,7 +804,7 @@
       </p:sp>
       <p:sp>
         <p:nvSpPr>
-          <p:cNvPr id="7" name="Slide Number Placeholder 6"/>
+          <p:cNvPr id="6" name="Slide Number Placeholder 5"/>
           <p:cNvSpPr>
             <a:spLocks noGrp="1"/>
           </p:cNvSpPr>
@@ -828,12 +812,7 @@
             <p:ph type="sldNum" sz="quarter" idx="12"/>
           </p:nvPr>
         </p:nvSpPr>
-        <p:spPr>
-          <a:xfrm>
-            <a:off x="10862452" y="381000"/>
-            <a:ext cx="643748" cy="365125"/>
-          </a:xfrm>
-        </p:spPr>
+        <p:spPr/>
         <p:txBody>
           <a:bodyPr/>
           <a:lstStyle/>
@@ -849,7 +828,7 @@
     </p:spTree>
     <p:extLst>
       <p:ext uri="{BB962C8B-B14F-4D97-AF65-F5344CB8AC3E}">
-        <p14:creationId xmlns:p14="http://schemas.microsoft.com/office/powerpoint/2010/main" val="1514664079"/>
+        <p14:creationId xmlns:p14="http://schemas.microsoft.com/office/powerpoint/2010/main" val="2016859272"/>
       </p:ext>
     </p:extLst>
   </p:cSld>
@@ -860,7 +839,7 @@
 </file>
 
 <file path=ppt/slideLayouts/slideLayout12.xml><?xml version="1.0" encoding="utf-8"?>
-<p:sldLayout xmlns:a="http://schemas.openxmlformats.org/drawingml/2006/main" xmlns:r="http://schemas.openxmlformats.org/officeDocument/2006/relationships" xmlns:p="http://schemas.openxmlformats.org/presentationml/2006/main" showMasterSp="0" preserve="1">
+<p:sldLayout xmlns:a="http://schemas.openxmlformats.org/drawingml/2006/main" xmlns:r="http://schemas.openxmlformats.org/officeDocument/2006/relationships" xmlns:p="http://schemas.openxmlformats.org/presentationml/2006/main" preserve="1">
   <p:cSld name="Quote with Caption">
     <p:spTree>
       <p:nvGrpSpPr>
@@ -876,128 +855,110 @@
           <a:chExt cx="0" cy="0"/>
         </a:xfrm>
       </p:grpSpPr>
-      <p:pic>
-        <p:nvPicPr>
-          <p:cNvPr id="13" name="Picture 12" descr="C0-HD-BTM.png"/>
-          <p:cNvPicPr>
-            <a:picLocks noChangeAspect="1"/>
-          </p:cNvPicPr>
-          <p:nvPr/>
-        </p:nvPicPr>
-        <p:blipFill>
-          <a:blip r:embed="rId2">
-            <a:extLst>
-              <a:ext uri="{28A0092B-C50C-407E-A947-70E740481C1C}">
-                <a14:useLocalDpi xmlns:a14="http://schemas.microsoft.com/office/drawing/2010/main" val="0"/>
-              </a:ext>
-            </a:extLst>
-          </a:blip>
-          <a:stretch>
-            <a:fillRect/>
-          </a:stretch>
-        </p:blipFill>
+      <p:sp>
+        <p:nvSpPr>
+          <p:cNvPr id="2" name="Title 1"/>
+          <p:cNvSpPr>
+            <a:spLocks noGrp="1"/>
+          </p:cNvSpPr>
+          <p:nvPr>
+            <p:ph type="title"/>
+          </p:nvPr>
+        </p:nvSpPr>
         <p:spPr>
           <a:xfrm>
-            <a:off x="0" y="4375150"/>
-            <a:ext cx="12192000" cy="2482850"/>
+            <a:off x="1574801" y="1447800"/>
+            <a:ext cx="7999315" cy="2323374"/>
           </a:xfrm>
-          <a:prstGeom prst="rect">
-            <a:avLst/>
-          </a:prstGeom>
         </p:spPr>
-      </p:pic>
-      <p:sp>
-        <p:nvSpPr>
-          <p:cNvPr id="2" name="Title 1"/>
-          <p:cNvSpPr>
-            <a:spLocks noGrp="1"/>
-          </p:cNvSpPr>
-          <p:nvPr>
-            <p:ph type="title"/>
+        <p:txBody>
+          <a:bodyPr/>
+          <a:lstStyle>
+            <a:lvl1pPr>
+              <a:defRPr sz="4800"/>
+            </a:lvl1pPr>
+          </a:lstStyle>
+          <a:p>
+            <a:r>
+              <a:rPr lang="en-US"/>
+              <a:t>Click to edit Master title style</a:t>
+            </a:r>
+            <a:endParaRPr lang="en-US" dirty="0"/>
+          </a:p>
+        </p:txBody>
+      </p:sp>
+      <p:sp>
+        <p:nvSpPr>
+          <p:cNvPr id="11" name="Text Placeholder 3"/>
+          <p:cNvSpPr>
+            <a:spLocks noGrp="1"/>
+          </p:cNvSpPr>
+          <p:nvPr>
+            <p:ph type="body" sz="half" idx="14"/>
           </p:nvPr>
         </p:nvSpPr>
         <p:spPr>
           <a:xfrm>
-            <a:off x="1024467" y="753533"/>
-            <a:ext cx="10151533" cy="2604495"/>
+            <a:off x="1930400" y="3771174"/>
+            <a:ext cx="7279649" cy="342174"/>
           </a:xfrm>
         </p:spPr>
         <p:txBody>
-          <a:bodyPr anchor="ctr"/>
-          <a:lstStyle>
-            <a:lvl1pPr algn="l">
-              <a:defRPr sz="3200"/>
-            </a:lvl1pPr>
-          </a:lstStyle>
-          <a:p>
-            <a:r>
-              <a:rPr lang="en-US"/>
-              <a:t>Click to edit Master title style</a:t>
-            </a:r>
-            <a:endParaRPr lang="en-US" dirty="0"/>
-          </a:p>
-        </p:txBody>
-      </p:sp>
-      <p:sp>
-        <p:nvSpPr>
-          <p:cNvPr id="12" name="Text Placeholder 3"/>
-          <p:cNvSpPr>
-            <a:spLocks noGrp="1"/>
-          </p:cNvSpPr>
-          <p:nvPr>
-            <p:ph type="body" sz="half" idx="13"/>
-          </p:nvPr>
-        </p:nvSpPr>
-        <p:spPr>
-          <a:xfrm>
-            <a:off x="1303865" y="3365556"/>
-            <a:ext cx="9592736" cy="444443"/>
-          </a:xfrm>
-        </p:spPr>
-        <p:txBody>
-          <a:bodyPr anchor="t">
+          <a:bodyPr vert="horz" lIns="91440" tIns="45720" rIns="91440" bIns="45720" rtlCol="0" anchor="t">
             <a:normAutofit/>
           </a:bodyPr>
           <a:lstStyle>
             <a:lvl1pPr marL="0" indent="0">
               <a:buNone/>
-              <a:defRPr sz="1400"/>
+              <a:defRPr lang="en-US" sz="1400" b="0" i="0" kern="1200" cap="small" dirty="0">
+                <a:solidFill>
+                  <a:schemeClr val="bg2">
+                    <a:lumMod val="40000"/>
+                    <a:lumOff val="60000"/>
+                  </a:schemeClr>
+                </a:solidFill>
+                <a:latin typeface="+mj-lt"/>
+                <a:ea typeface="+mj-ea"/>
+                <a:cs typeface="+mj-cs"/>
+              </a:defRPr>
             </a:lvl1pPr>
             <a:lvl2pPr marL="457200" indent="0">
               <a:buNone/>
-              <a:defRPr sz="1400"/>
+              <a:defRPr sz="1200"/>
             </a:lvl2pPr>
             <a:lvl3pPr marL="914400" indent="0">
               <a:buNone/>
-              <a:defRPr sz="1200"/>
+              <a:defRPr sz="1000"/>
             </a:lvl3pPr>
             <a:lvl4pPr marL="1371600" indent="0">
               <a:buNone/>
-              <a:defRPr sz="1000"/>
+              <a:defRPr sz="900"/>
             </a:lvl4pPr>
             <a:lvl5pPr marL="1828800" indent="0">
               <a:buNone/>
-              <a:defRPr sz="1000"/>
+              <a:defRPr sz="900"/>
             </a:lvl5pPr>
             <a:lvl6pPr marL="2286000" indent="0">
               <a:buNone/>
-              <a:defRPr sz="1000"/>
+              <a:defRPr sz="900"/>
             </a:lvl6pPr>
             <a:lvl7pPr marL="2743200" indent="0">
               <a:buNone/>
-              <a:defRPr sz="1000"/>
+              <a:defRPr sz="900"/>
             </a:lvl7pPr>
             <a:lvl8pPr marL="3200400" indent="0">
               <a:buNone/>
-              <a:defRPr sz="1000"/>
+              <a:defRPr sz="900"/>
             </a:lvl8pPr>
             <a:lvl9pPr marL="3657600" indent="0">
               <a:buNone/>
-              <a:defRPr sz="1000"/>
+              <a:defRPr sz="900"/>
             </a:lvl9pPr>
           </a:lstStyle>
           <a:p>
-            <a:pPr lvl="0"/>
+            <a:pPr marL="0" lvl="0" indent="0">
+              <a:buNone/>
+            </a:pPr>
             <a:r>
               <a:rPr lang="en-US"/>
               <a:t>Edit Master text styles</a:t>
@@ -1007,7 +968,7 @@
       </p:sp>
       <p:sp>
         <p:nvSpPr>
-          <p:cNvPr id="4" name="Text Placeholder 3"/>
+          <p:cNvPr id="10" name="Text Placeholder 3"/>
           <p:cNvSpPr>
             <a:spLocks noGrp="1"/>
           </p:cNvSpPr>
@@ -1017,8 +978,8 @@
         </p:nvSpPr>
         <p:spPr>
           <a:xfrm>
-            <a:off x="1024467" y="3959862"/>
-            <a:ext cx="10151533" cy="679871"/>
+            <a:off x="1154954" y="4350657"/>
+            <a:ext cx="8825659" cy="1676400"/>
           </a:xfrm>
         </p:spPr>
         <p:txBody>
@@ -1028,39 +989,39 @@
           <a:lstStyle>
             <a:lvl1pPr marL="0" indent="0">
               <a:buNone/>
-              <a:defRPr sz="1600"/>
+              <a:defRPr sz="1800"/>
             </a:lvl1pPr>
             <a:lvl2pPr marL="457200" indent="0">
               <a:buNone/>
-              <a:defRPr sz="1400"/>
+              <a:defRPr sz="1200"/>
             </a:lvl2pPr>
             <a:lvl3pPr marL="914400" indent="0">
               <a:buNone/>
-              <a:defRPr sz="1200"/>
+              <a:defRPr sz="1000"/>
             </a:lvl3pPr>
             <a:lvl4pPr marL="1371600" indent="0">
               <a:buNone/>
-              <a:defRPr sz="1000"/>
+              <a:defRPr sz="900"/>
             </a:lvl4pPr>
             <a:lvl5pPr marL="1828800" indent="0">
               <a:buNone/>
-              <a:defRPr sz="1000"/>
+              <a:defRPr sz="900"/>
             </a:lvl5pPr>
             <a:lvl6pPr marL="2286000" indent="0">
               <a:buNone/>
-              <a:defRPr sz="1000"/>
+              <a:defRPr sz="900"/>
             </a:lvl6pPr>
             <a:lvl7pPr marL="2743200" indent="0">
               <a:buNone/>
-              <a:defRPr sz="1000"/>
+              <a:defRPr sz="900"/>
             </a:lvl7pPr>
             <a:lvl8pPr marL="3200400" indent="0">
               <a:buNone/>
-              <a:defRPr sz="1000"/>
+              <a:defRPr sz="900"/>
             </a:lvl8pPr>
             <a:lvl9pPr marL="3657600" indent="0">
               <a:buNone/>
-              <a:defRPr sz="1000"/>
+              <a:defRPr sz="900"/>
             </a:lvl9pPr>
           </a:lstStyle>
           <a:p>
@@ -1074,7 +1035,7 @@
       </p:sp>
       <p:sp>
         <p:nvSpPr>
-          <p:cNvPr id="5" name="Date Placeholder 4"/>
+          <p:cNvPr id="4" name="Date Placeholder 3"/>
           <p:cNvSpPr>
             <a:spLocks noGrp="1"/>
           </p:cNvSpPr>
@@ -1082,23 +1043,14 @@
             <p:ph type="dt" sz="half" idx="10"/>
           </p:nvPr>
         </p:nvSpPr>
-        <p:spPr>
-          <a:xfrm>
-            <a:off x="7814452" y="381000"/>
-            <a:ext cx="2910840" cy="365125"/>
-          </a:xfrm>
-        </p:spPr>
+        <p:spPr/>
         <p:txBody>
           <a:bodyPr/>
-          <a:lstStyle>
-            <a:lvl1pPr algn="r">
-              <a:defRPr/>
-            </a:lvl1pPr>
-          </a:lstStyle>
+          <a:lstStyle/>
           <a:p>
             <a:fld id="{EA214324-8AD7-40FD-9D6E-8B26C6988FCC}" type="datetimeFigureOut">
               <a:rPr lang="en-US" smtClean="0"/>
-              <a:t>6/24/2019</a:t>
+              <a:t>6/25/2019</a:t>
             </a:fld>
             <a:endParaRPr lang="en-US"/>
           </a:p>
@@ -1106,7 +1058,7 @@
       </p:sp>
       <p:sp>
         <p:nvSpPr>
-          <p:cNvPr id="6" name="Footer Placeholder 5"/>
+          <p:cNvPr id="5" name="Footer Placeholder 4"/>
           <p:cNvSpPr>
             <a:spLocks noGrp="1"/>
           </p:cNvSpPr>
@@ -1114,12 +1066,7 @@
             <p:ph type="ftr" sz="quarter" idx="11"/>
           </p:nvPr>
         </p:nvSpPr>
-        <p:spPr>
-          <a:xfrm>
-            <a:off x="685800" y="379941"/>
-            <a:ext cx="6991492" cy="365125"/>
-          </a:xfrm>
-        </p:spPr>
+        <p:spPr/>
         <p:txBody>
           <a:bodyPr/>
           <a:lstStyle/>
@@ -1130,7 +1077,7 @@
       </p:sp>
       <p:sp>
         <p:nvSpPr>
-          <p:cNvPr id="7" name="Slide Number Placeholder 6"/>
+          <p:cNvPr id="6" name="Slide Number Placeholder 5"/>
           <p:cNvSpPr>
             <a:spLocks noGrp="1"/>
           </p:cNvSpPr>
@@ -1138,12 +1085,7 @@
             <p:ph type="sldNum" sz="quarter" idx="12"/>
           </p:nvPr>
         </p:nvSpPr>
-        <p:spPr>
-          <a:xfrm>
-            <a:off x="10862452" y="381000"/>
-            <a:ext cx="643748" cy="365125"/>
-          </a:xfrm>
-        </p:spPr>
+        <p:spPr/>
         <p:txBody>
           <a:bodyPr/>
           <a:lstStyle/>
@@ -1158,115 +1100,46 @@
       </p:sp>
       <p:sp>
         <p:nvSpPr>
-          <p:cNvPr id="9" name="TextBox 8"/>
+          <p:cNvPr id="12" name="TextBox 11"/>
           <p:cNvSpPr txBox="1"/>
           <p:nvPr/>
         </p:nvSpPr>
         <p:spPr>
           <a:xfrm>
-            <a:off x="476250" y="933450"/>
-            <a:ext cx="609600" cy="584776"/>
+            <a:off x="898295" y="971253"/>
+            <a:ext cx="801912" cy="1969770"/>
           </a:xfrm>
           <a:prstGeom prst="rect">
             <a:avLst/>
           </a:prstGeom>
+          <a:noFill/>
         </p:spPr>
         <p:txBody>
-          <a:bodyPr vert="horz" lIns="91440" tIns="45720" rIns="91440" bIns="45720" rtlCol="0" anchor="ctr">
-            <a:noAutofit/>
+          <a:bodyPr wrap="square" rtlCol="0">
+            <a:spAutoFit/>
           </a:bodyPr>
           <a:lstStyle>
-            <a:lvl1pPr>
-              <a:spcBef>
-                <a:spcPct val="0"/>
-              </a:spcBef>
-              <a:buNone/>
-              <a:defRPr sz="3200" b="0" cap="all">
-                <a:ln w="3175" cmpd="sng">
-                  <a:noFill/>
-                </a:ln>
-                <a:effectLst>
-                  <a:glow rad="38100">
-                    <a:schemeClr val="bg1">
-                      <a:lumMod val="65000"/>
-                      <a:lumOff val="35000"/>
-                      <a:alpha val="40000"/>
-                    </a:schemeClr>
-                  </a:glow>
-                  <a:outerShdw blurRad="28575" dist="38100" dir="14040000" algn="tl" rotWithShape="0">
-                    <a:srgbClr val="000000">
-                      <a:alpha val="25000"/>
-                    </a:srgbClr>
-                  </a:outerShdw>
-                </a:effectLst>
+            <a:defPPr>
+              <a:defRPr lang="en-US"/>
+            </a:defPPr>
+            <a:lvl1pPr algn="r">
+              <a:defRPr sz="12200" b="0" i="0">
+                <a:solidFill>
+                  <a:schemeClr val="bg2">
+                    <a:lumMod val="40000"/>
+                    <a:lumOff val="60000"/>
+                  </a:schemeClr>
+                </a:solidFill>
+                <a:latin typeface="Arial"/>
+                <a:ea typeface="+mj-ea"/>
+                <a:cs typeface="+mj-cs"/>
               </a:defRPr>
             </a:lvl1pPr>
-            <a:lvl2pPr>
-              <a:defRPr>
-                <a:solidFill>
-                  <a:schemeClr val="tx2"/>
-                </a:solidFill>
-              </a:defRPr>
-            </a:lvl2pPr>
-            <a:lvl3pPr>
-              <a:defRPr>
-                <a:solidFill>
-                  <a:schemeClr val="tx2"/>
-                </a:solidFill>
-              </a:defRPr>
-            </a:lvl3pPr>
-            <a:lvl4pPr>
-              <a:defRPr>
-                <a:solidFill>
-                  <a:schemeClr val="tx2"/>
-                </a:solidFill>
-              </a:defRPr>
-            </a:lvl4pPr>
-            <a:lvl5pPr>
-              <a:defRPr>
-                <a:solidFill>
-                  <a:schemeClr val="tx2"/>
-                </a:solidFill>
-              </a:defRPr>
-            </a:lvl5pPr>
-            <a:lvl6pPr>
-              <a:defRPr>
-                <a:solidFill>
-                  <a:schemeClr val="tx2"/>
-                </a:solidFill>
-              </a:defRPr>
-            </a:lvl6pPr>
-            <a:lvl7pPr>
-              <a:defRPr>
-                <a:solidFill>
-                  <a:schemeClr val="tx2"/>
-                </a:solidFill>
-              </a:defRPr>
-            </a:lvl7pPr>
-            <a:lvl8pPr>
-              <a:defRPr>
-                <a:solidFill>
-                  <a:schemeClr val="tx2"/>
-                </a:solidFill>
-              </a:defRPr>
-            </a:lvl8pPr>
-            <a:lvl9pPr>
-              <a:defRPr>
-                <a:solidFill>
-                  <a:schemeClr val="tx2"/>
-                </a:solidFill>
-              </a:defRPr>
-            </a:lvl9pPr>
           </a:lstStyle>
           <a:p>
             <a:pPr lvl="0"/>
             <a:r>
-              <a:rPr lang="en-US" sz="8000" dirty="0">
-                <a:solidFill>
-                  <a:schemeClr val="tx1"/>
-                </a:solidFill>
-                <a:effectLst/>
-              </a:rPr>
+              <a:rPr lang="en-US" dirty="0"/>
               <a:t>“</a:t>
             </a:r>
           </a:p>
@@ -1274,115 +1147,46 @@
       </p:sp>
       <p:sp>
         <p:nvSpPr>
-          <p:cNvPr id="10" name="TextBox 9"/>
+          <p:cNvPr id="15" name="TextBox 14"/>
           <p:cNvSpPr txBox="1"/>
           <p:nvPr/>
         </p:nvSpPr>
         <p:spPr>
           <a:xfrm>
-            <a:off x="10984230" y="2701290"/>
-            <a:ext cx="609600" cy="584776"/>
+            <a:off x="9330490" y="2613787"/>
+            <a:ext cx="801912" cy="1969770"/>
           </a:xfrm>
           <a:prstGeom prst="rect">
             <a:avLst/>
           </a:prstGeom>
+          <a:noFill/>
         </p:spPr>
         <p:txBody>
-          <a:bodyPr vert="horz" lIns="91440" tIns="45720" rIns="91440" bIns="45720" rtlCol="0" anchor="ctr">
-            <a:noAutofit/>
+          <a:bodyPr wrap="square" rtlCol="0">
+            <a:spAutoFit/>
           </a:bodyPr>
           <a:lstStyle>
-            <a:lvl1pPr>
-              <a:spcBef>
-                <a:spcPct val="0"/>
-              </a:spcBef>
-              <a:buNone/>
-              <a:defRPr sz="3200" b="0" cap="all">
-                <a:ln w="3175" cmpd="sng">
-                  <a:noFill/>
-                </a:ln>
-                <a:effectLst>
-                  <a:glow rad="38100">
-                    <a:schemeClr val="bg1">
-                      <a:lumMod val="65000"/>
-                      <a:lumOff val="35000"/>
-                      <a:alpha val="40000"/>
-                    </a:schemeClr>
-                  </a:glow>
-                  <a:outerShdw blurRad="28575" dist="38100" dir="14040000" algn="tl" rotWithShape="0">
-                    <a:srgbClr val="000000">
-                      <a:alpha val="25000"/>
-                    </a:srgbClr>
-                  </a:outerShdw>
-                </a:effectLst>
+            <a:defPPr>
+              <a:defRPr lang="en-US"/>
+            </a:defPPr>
+            <a:lvl1pPr algn="r">
+              <a:defRPr sz="12200" b="0" i="0">
+                <a:solidFill>
+                  <a:schemeClr val="bg2">
+                    <a:lumMod val="40000"/>
+                    <a:lumOff val="60000"/>
+                  </a:schemeClr>
+                </a:solidFill>
+                <a:latin typeface="Arial"/>
+                <a:ea typeface="+mj-ea"/>
+                <a:cs typeface="+mj-cs"/>
               </a:defRPr>
             </a:lvl1pPr>
-            <a:lvl2pPr>
-              <a:defRPr>
-                <a:solidFill>
-                  <a:schemeClr val="tx2"/>
-                </a:solidFill>
-              </a:defRPr>
-            </a:lvl2pPr>
-            <a:lvl3pPr>
-              <a:defRPr>
-                <a:solidFill>
-                  <a:schemeClr val="tx2"/>
-                </a:solidFill>
-              </a:defRPr>
-            </a:lvl3pPr>
-            <a:lvl4pPr>
-              <a:defRPr>
-                <a:solidFill>
-                  <a:schemeClr val="tx2"/>
-                </a:solidFill>
-              </a:defRPr>
-            </a:lvl4pPr>
-            <a:lvl5pPr>
-              <a:defRPr>
-                <a:solidFill>
-                  <a:schemeClr val="tx2"/>
-                </a:solidFill>
-              </a:defRPr>
-            </a:lvl5pPr>
-            <a:lvl6pPr>
-              <a:defRPr>
-                <a:solidFill>
-                  <a:schemeClr val="tx2"/>
-                </a:solidFill>
-              </a:defRPr>
-            </a:lvl6pPr>
-            <a:lvl7pPr>
-              <a:defRPr>
-                <a:solidFill>
-                  <a:schemeClr val="tx2"/>
-                </a:solidFill>
-              </a:defRPr>
-            </a:lvl7pPr>
-            <a:lvl8pPr>
-              <a:defRPr>
-                <a:solidFill>
-                  <a:schemeClr val="tx2"/>
-                </a:solidFill>
-              </a:defRPr>
-            </a:lvl8pPr>
-            <a:lvl9pPr>
-              <a:defRPr>
-                <a:solidFill>
-                  <a:schemeClr val="tx2"/>
-                </a:solidFill>
-              </a:defRPr>
-            </a:lvl9pPr>
           </a:lstStyle>
           <a:p>
-            <a:pPr lvl="0" algn="r"/>
-            <a:r>
-              <a:rPr lang="en-US" sz="8000" dirty="0">
-                <a:solidFill>
-                  <a:schemeClr val="tx1"/>
-                </a:solidFill>
-                <a:effectLst/>
-              </a:rPr>
+            <a:pPr lvl="0"/>
+            <a:r>
+              <a:rPr lang="en-US" dirty="0"/>
               <a:t>”</a:t>
             </a:r>
           </a:p>
@@ -1391,7 +1195,7 @@
     </p:spTree>
     <p:extLst>
       <p:ext uri="{BB962C8B-B14F-4D97-AF65-F5344CB8AC3E}">
-        <p14:creationId xmlns:p14="http://schemas.microsoft.com/office/powerpoint/2010/main" val="1055552684"/>
+        <p14:creationId xmlns:p14="http://schemas.microsoft.com/office/powerpoint/2010/main" val="3876774133"/>
       </p:ext>
     </p:extLst>
   </p:cSld>
@@ -1402,7 +1206,7 @@
 </file>
 
 <file path=ppt/slideLayouts/slideLayout13.xml><?xml version="1.0" encoding="utf-8"?>
-<p:sldLayout xmlns:a="http://schemas.openxmlformats.org/drawingml/2006/main" xmlns:r="http://schemas.openxmlformats.org/officeDocument/2006/relationships" xmlns:p="http://schemas.openxmlformats.org/presentationml/2006/main" showMasterSp="0" preserve="1">
+<p:sldLayout xmlns:a="http://schemas.openxmlformats.org/drawingml/2006/main" xmlns:r="http://schemas.openxmlformats.org/officeDocument/2006/relationships" xmlns:p="http://schemas.openxmlformats.org/presentationml/2006/main" preserve="1">
   <p:cSld name="Name Card">
     <p:spTree>
       <p:nvGrpSpPr>
@@ -1418,57 +1222,27 @@
           <a:chExt cx="0" cy="0"/>
         </a:xfrm>
       </p:grpSpPr>
-      <p:pic>
-        <p:nvPicPr>
-          <p:cNvPr id="9" name="Picture 8" descr="C0-HD-BTM.png"/>
-          <p:cNvPicPr>
-            <a:picLocks noChangeAspect="1"/>
-          </p:cNvPicPr>
-          <p:nvPr/>
-        </p:nvPicPr>
-        <p:blipFill>
-          <a:blip r:embed="rId2">
-            <a:extLst>
-              <a:ext uri="{28A0092B-C50C-407E-A947-70E740481C1C}">
-                <a14:useLocalDpi xmlns:a14="http://schemas.microsoft.com/office/drawing/2010/main" val="0"/>
-              </a:ext>
-            </a:extLst>
-          </a:blip>
-          <a:stretch>
-            <a:fillRect/>
-          </a:stretch>
-        </p:blipFill>
+      <p:sp>
+        <p:nvSpPr>
+          <p:cNvPr id="2" name="Title 1"/>
+          <p:cNvSpPr>
+            <a:spLocks noGrp="1"/>
+          </p:cNvSpPr>
+          <p:nvPr>
+            <p:ph type="title"/>
+          </p:nvPr>
+        </p:nvSpPr>
         <p:spPr>
           <a:xfrm>
-            <a:off x="0" y="4375150"/>
-            <a:ext cx="12192000" cy="2482850"/>
-          </a:xfrm>
-          <a:prstGeom prst="rect">
-            <a:avLst/>
-          </a:prstGeom>
-        </p:spPr>
-      </p:pic>
-      <p:sp>
-        <p:nvSpPr>
-          <p:cNvPr id="2" name="Title 1"/>
-          <p:cNvSpPr>
-            <a:spLocks noGrp="1"/>
-          </p:cNvSpPr>
-          <p:nvPr>
-            <p:ph type="title"/>
-          </p:nvPr>
-        </p:nvSpPr>
-        <p:spPr>
-          <a:xfrm>
-            <a:off x="1024495" y="1124701"/>
-            <a:ext cx="10146186" cy="2511835"/>
+            <a:off x="1154954" y="3124201"/>
+            <a:ext cx="8825660" cy="1653180"/>
           </a:xfrm>
         </p:spPr>
         <p:txBody>
           <a:bodyPr anchor="b"/>
           <a:lstStyle>
             <a:lvl1pPr algn="l">
-              <a:defRPr sz="3200"/>
+              <a:defRPr sz="4000" b="0" cap="none"/>
             </a:lvl1pPr>
           </a:lstStyle>
           <a:p>
@@ -1482,58 +1256,113 @@
       </p:sp>
       <p:sp>
         <p:nvSpPr>
-          <p:cNvPr id="4" name="Text Placeholder 3"/>
-          <p:cNvSpPr>
-            <a:spLocks noGrp="1"/>
-          </p:cNvSpPr>
-          <p:nvPr>
-            <p:ph type="body" sz="half" idx="2"/>
+          <p:cNvPr id="3" name="Text Placeholder 2"/>
+          <p:cNvSpPr>
+            <a:spLocks noGrp="1"/>
+          </p:cNvSpPr>
+          <p:nvPr>
+            <p:ph type="body" idx="1"/>
           </p:nvPr>
         </p:nvSpPr>
         <p:spPr>
           <a:xfrm>
-            <a:off x="1024467" y="3648315"/>
-            <a:ext cx="10144654" cy="999885"/>
+            <a:off x="1154954" y="4777381"/>
+            <a:ext cx="8825659" cy="860400"/>
           </a:xfrm>
         </p:spPr>
         <p:txBody>
           <a:bodyPr anchor="t"/>
           <a:lstStyle>
-            <a:lvl1pPr marL="0" indent="0">
-              <a:buNone/>
-              <a:defRPr sz="1600"/>
+            <a:lvl1pPr marL="0" indent="0" algn="l">
+              <a:buNone/>
+              <a:defRPr sz="2000" cap="none">
+                <a:solidFill>
+                  <a:schemeClr val="bg2">
+                    <a:lumMod val="40000"/>
+                    <a:lumOff val="60000"/>
+                  </a:schemeClr>
+                </a:solidFill>
+              </a:defRPr>
             </a:lvl1pPr>
             <a:lvl2pPr marL="457200" indent="0">
               <a:buNone/>
-              <a:defRPr sz="1400"/>
+              <a:defRPr sz="1800">
+                <a:solidFill>
+                  <a:schemeClr val="tx1">
+                    <a:tint val="75000"/>
+                  </a:schemeClr>
+                </a:solidFill>
+              </a:defRPr>
             </a:lvl2pPr>
             <a:lvl3pPr marL="914400" indent="0">
               <a:buNone/>
-              <a:defRPr sz="1200"/>
+              <a:defRPr sz="1600">
+                <a:solidFill>
+                  <a:schemeClr val="tx1">
+                    <a:tint val="75000"/>
+                  </a:schemeClr>
+                </a:solidFill>
+              </a:defRPr>
             </a:lvl3pPr>
             <a:lvl4pPr marL="1371600" indent="0">
               <a:buNone/>
-              <a:defRPr sz="1000"/>
+              <a:defRPr sz="1400">
+                <a:solidFill>
+                  <a:schemeClr val="tx1">
+                    <a:tint val="75000"/>
+                  </a:schemeClr>
+                </a:solidFill>
+              </a:defRPr>
             </a:lvl4pPr>
             <a:lvl5pPr marL="1828800" indent="0">
               <a:buNone/>
-              <a:defRPr sz="1000"/>
+              <a:defRPr sz="1400">
+                <a:solidFill>
+                  <a:schemeClr val="tx1">
+                    <a:tint val="75000"/>
+                  </a:schemeClr>
+                </a:solidFill>
+              </a:defRPr>
             </a:lvl5pPr>
             <a:lvl6pPr marL="2286000" indent="0">
               <a:buNone/>
-              <a:defRPr sz="1000"/>
+              <a:defRPr sz="1400">
+                <a:solidFill>
+                  <a:schemeClr val="tx1">
+                    <a:tint val="75000"/>
+                  </a:schemeClr>
+                </a:solidFill>
+              </a:defRPr>
             </a:lvl6pPr>
             <a:lvl7pPr marL="2743200" indent="0">
               <a:buNone/>
-              <a:defRPr sz="1000"/>
+              <a:defRPr sz="1400">
+                <a:solidFill>
+                  <a:schemeClr val="tx1">
+                    <a:tint val="75000"/>
+                  </a:schemeClr>
+                </a:solidFill>
+              </a:defRPr>
             </a:lvl7pPr>
             <a:lvl8pPr marL="3200400" indent="0">
               <a:buNone/>
-              <a:defRPr sz="1000"/>
+              <a:defRPr sz="1400">
+                <a:solidFill>
+                  <a:schemeClr val="tx1">
+                    <a:tint val="75000"/>
+                  </a:schemeClr>
+                </a:solidFill>
+              </a:defRPr>
             </a:lvl8pPr>
             <a:lvl9pPr marL="3657600" indent="0">
               <a:buNone/>
-              <a:defRPr sz="1000"/>
+              <a:defRPr sz="1400">
+                <a:solidFill>
+                  <a:schemeClr val="tx1">
+                    <a:tint val="75000"/>
+                  </a:schemeClr>
+                </a:solidFill>
+              </a:defRPr>
             </a:lvl9pPr>
           </a:lstStyle>
           <a:p>
@@ -1547,7 +1376,7 @@
       </p:sp>
       <p:sp>
         <p:nvSpPr>
-          <p:cNvPr id="5" name="Date Placeholder 4"/>
+          <p:cNvPr id="4" name="Date Placeholder 3"/>
           <p:cNvSpPr>
             <a:spLocks noGrp="1"/>
           </p:cNvSpPr>
@@ -1555,23 +1384,14 @@
             <p:ph type="dt" sz="half" idx="10"/>
           </p:nvPr>
         </p:nvSpPr>
-        <p:spPr>
-          <a:xfrm>
-            <a:off x="7814452" y="378883"/>
-            <a:ext cx="2910840" cy="365125"/>
-          </a:xfrm>
-        </p:spPr>
+        <p:spPr/>
         <p:txBody>
           <a:bodyPr/>
-          <a:lstStyle>
-            <a:lvl1pPr algn="r">
-              <a:defRPr/>
-            </a:lvl1pPr>
-          </a:lstStyle>
+          <a:lstStyle/>
           <a:p>
             <a:fld id="{EA214324-8AD7-40FD-9D6E-8B26C6988FCC}" type="datetimeFigureOut">
               <a:rPr lang="en-US" smtClean="0"/>
-              <a:t>6/24/2019</a:t>
+              <a:t>6/25/2019</a:t>
             </a:fld>
             <a:endParaRPr lang="en-US"/>
           </a:p>
@@ -1579,7 +1399,7 @@
       </p:sp>
       <p:sp>
         <p:nvSpPr>
-          <p:cNvPr id="6" name="Footer Placeholder 5"/>
+          <p:cNvPr id="5" name="Footer Placeholder 4"/>
           <p:cNvSpPr>
             <a:spLocks noGrp="1"/>
           </p:cNvSpPr>
@@ -1587,12 +1407,7 @@
             <p:ph type="ftr" sz="quarter" idx="11"/>
           </p:nvPr>
         </p:nvSpPr>
-        <p:spPr>
-          <a:xfrm>
-            <a:off x="685800" y="378883"/>
-            <a:ext cx="6991492" cy="365125"/>
-          </a:xfrm>
-        </p:spPr>
+        <p:spPr/>
         <p:txBody>
           <a:bodyPr/>
           <a:lstStyle/>
@@ -1603,7 +1418,7 @@
       </p:sp>
       <p:sp>
         <p:nvSpPr>
-          <p:cNvPr id="7" name="Slide Number Placeholder 6"/>
+          <p:cNvPr id="6" name="Slide Number Placeholder 5"/>
           <p:cNvSpPr>
             <a:spLocks noGrp="1"/>
           </p:cNvSpPr>
@@ -1611,12 +1426,7 @@
             <p:ph type="sldNum" sz="quarter" idx="12"/>
           </p:nvPr>
         </p:nvSpPr>
-        <p:spPr>
-          <a:xfrm>
-            <a:off x="10862452" y="381000"/>
-            <a:ext cx="643748" cy="365125"/>
-          </a:xfrm>
-        </p:spPr>
+        <p:spPr/>
         <p:txBody>
           <a:bodyPr/>
           <a:lstStyle/>
@@ -1632,7 +1442,7 @@
     </p:spTree>
     <p:extLst>
       <p:ext uri="{BB962C8B-B14F-4D97-AF65-F5344CB8AC3E}">
-        <p14:creationId xmlns:p14="http://schemas.microsoft.com/office/powerpoint/2010/main" val="132992102"/>
+        <p14:creationId xmlns:p14="http://schemas.microsoft.com/office/powerpoint/2010/main" val="2409785493"/>
       </p:ext>
     </p:extLst>
   </p:cSld>
@@ -1661,46 +1471,45 @@
       </p:grpSpPr>
       <p:sp>
         <p:nvSpPr>
-          <p:cNvPr id="15" name="Title 1"/>
+          <p:cNvPr id="2" name="Title 1"/>
           <p:cNvSpPr>
             <a:spLocks noGrp="1"/>
           </p:cNvSpPr>
           <p:nvPr>
             <p:ph type="title"/>
+          </p:nvPr>
+        </p:nvSpPr>
+        <p:spPr/>
+        <p:txBody>
+          <a:bodyPr/>
+          <a:lstStyle>
+            <a:lvl1pPr>
+              <a:defRPr sz="4200"/>
+            </a:lvl1pPr>
+          </a:lstStyle>
+          <a:p>
+            <a:r>
+              <a:rPr lang="en-US"/>
+              <a:t>Click to edit Master title style</a:t>
+            </a:r>
+            <a:endParaRPr lang="en-US" dirty="0"/>
+          </a:p>
+        </p:txBody>
+      </p:sp>
+      <p:sp>
+        <p:nvSpPr>
+          <p:cNvPr id="3" name="Text Placeholder 2"/>
+          <p:cNvSpPr>
+            <a:spLocks noGrp="1"/>
+          </p:cNvSpPr>
+          <p:nvPr>
+            <p:ph type="body" idx="1"/>
           </p:nvPr>
         </p:nvSpPr>
         <p:spPr>
           <a:xfrm>
-            <a:off x="2895600" y="761999"/>
-            <a:ext cx="8610599" cy="1303867"/>
-          </a:xfrm>
-        </p:spPr>
-        <p:txBody>
-          <a:bodyPr/>
-          <a:lstStyle/>
-          <a:p>
-            <a:r>
-              <a:rPr lang="en-US"/>
-              <a:t>Click to edit Master title style</a:t>
-            </a:r>
-            <a:endParaRPr lang="en-US" dirty="0"/>
-          </a:p>
-        </p:txBody>
-      </p:sp>
-      <p:sp>
-        <p:nvSpPr>
-          <p:cNvPr id="7" name="Text Placeholder 2"/>
-          <p:cNvSpPr>
-            <a:spLocks noGrp="1"/>
-          </p:cNvSpPr>
-          <p:nvPr>
-            <p:ph type="body" idx="1"/>
-          </p:nvPr>
-        </p:nvSpPr>
-        <p:spPr>
-          <a:xfrm>
-            <a:off x="685800" y="2202080"/>
-            <a:ext cx="3456432" cy="617320"/>
+            <a:off x="632947" y="1981200"/>
+            <a:ext cx="2946866" cy="576262"/>
           </a:xfrm>
         </p:spPr>
         <p:txBody>
@@ -1712,7 +1521,10 @@
               <a:buNone/>
               <a:defRPr sz="2400" b="0">
                 <a:solidFill>
-                  <a:schemeClr val="tx1"/>
+                  <a:schemeClr val="bg2">
+                    <a:lumMod val="40000"/>
+                    <a:lumOff val="60000"/>
+                  </a:schemeClr>
                 </a:solidFill>
               </a:defRPr>
             </a:lvl1pPr>
@@ -1760,7 +1572,7 @@
       </p:sp>
       <p:sp>
         <p:nvSpPr>
-          <p:cNvPr id="8" name="Text Placeholder 3"/>
+          <p:cNvPr id="16" name="Text Placeholder 3"/>
           <p:cNvSpPr>
             <a:spLocks noGrp="1"/>
           </p:cNvSpPr>
@@ -1770,8 +1582,8 @@
         </p:nvSpPr>
         <p:spPr>
           <a:xfrm>
-            <a:off x="685799" y="2904565"/>
-            <a:ext cx="3456432" cy="3314132"/>
+            <a:off x="652463" y="2667000"/>
+            <a:ext cx="2927350" cy="3589338"/>
           </a:xfrm>
         </p:spPr>
         <p:txBody>
@@ -1827,7 +1639,7 @@
       </p:sp>
       <p:sp>
         <p:nvSpPr>
-          <p:cNvPr id="9" name="Text Placeholder 4"/>
+          <p:cNvPr id="5" name="Text Placeholder 4"/>
           <p:cNvSpPr>
             <a:spLocks noGrp="1"/>
           </p:cNvSpPr>
@@ -1837,8 +1649,8 @@
         </p:nvSpPr>
         <p:spPr>
           <a:xfrm>
-            <a:off x="4368800" y="2201333"/>
-            <a:ext cx="3456432" cy="626534"/>
+            <a:off x="3883659" y="1981200"/>
+            <a:ext cx="2936241" cy="576262"/>
           </a:xfrm>
         </p:spPr>
         <p:txBody>
@@ -1850,7 +1662,10 @@
               <a:buNone/>
               <a:defRPr sz="2400" b="0">
                 <a:solidFill>
-                  <a:schemeClr val="tx1"/>
+                  <a:schemeClr val="bg2">
+                    <a:lumMod val="40000"/>
+                    <a:lumOff val="60000"/>
+                  </a:schemeClr>
                 </a:solidFill>
               </a:defRPr>
             </a:lvl1pPr>
@@ -1898,7 +1713,7 @@
       </p:sp>
       <p:sp>
         <p:nvSpPr>
-          <p:cNvPr id="10" name="Text Placeholder 3"/>
+          <p:cNvPr id="19" name="Text Placeholder 3"/>
           <p:cNvSpPr>
             <a:spLocks noGrp="1"/>
           </p:cNvSpPr>
@@ -1908,8 +1723,8 @@
         </p:nvSpPr>
         <p:spPr>
           <a:xfrm>
-            <a:off x="4366858" y="2904067"/>
-            <a:ext cx="3456432" cy="3314618"/>
+            <a:off x="3873106" y="2667000"/>
+            <a:ext cx="2946794" cy="3589338"/>
           </a:xfrm>
         </p:spPr>
         <p:txBody>
@@ -1965,7 +1780,7 @@
       </p:sp>
       <p:sp>
         <p:nvSpPr>
-          <p:cNvPr id="11" name="Text Placeholder 4"/>
+          <p:cNvPr id="14" name="Text Placeholder 4"/>
           <p:cNvSpPr>
             <a:spLocks noGrp="1"/>
           </p:cNvSpPr>
@@ -1975,8 +1790,8 @@
         </p:nvSpPr>
         <p:spPr>
           <a:xfrm>
-            <a:off x="8051800" y="2192866"/>
-            <a:ext cx="3456432" cy="626534"/>
+            <a:off x="7124700" y="1981200"/>
+            <a:ext cx="2932113" cy="576262"/>
           </a:xfrm>
         </p:spPr>
         <p:txBody>
@@ -1988,7 +1803,10 @@
               <a:buNone/>
               <a:defRPr sz="2400" b="0">
                 <a:solidFill>
-                  <a:schemeClr val="tx1"/>
+                  <a:schemeClr val="bg2">
+                    <a:lumMod val="40000"/>
+                    <a:lumOff val="60000"/>
+                  </a:schemeClr>
                 </a:solidFill>
               </a:defRPr>
             </a:lvl1pPr>
@@ -2036,7 +1854,7 @@
       </p:sp>
       <p:sp>
         <p:nvSpPr>
-          <p:cNvPr id="12" name="Text Placeholder 3"/>
+          <p:cNvPr id="20" name="Text Placeholder 3"/>
           <p:cNvSpPr>
             <a:spLocks noGrp="1"/>
           </p:cNvSpPr>
@@ -2046,8 +1864,8 @@
         </p:nvSpPr>
         <p:spPr>
           <a:xfrm>
-            <a:off x="8051801" y="2904565"/>
-            <a:ext cx="3456432" cy="3314132"/>
+            <a:off x="7124700" y="2667000"/>
+            <a:ext cx="2932113" cy="3589338"/>
           </a:xfrm>
         </p:spPr>
         <p:txBody>
@@ -2101,9 +1919,87 @@
           </a:p>
         </p:txBody>
       </p:sp>
-      <p:sp>
-        <p:nvSpPr>
-          <p:cNvPr id="3" name="Date Placeholder 2"/>
+      <p:cxnSp>
+        <p:nvCxnSpPr>
+          <p:cNvPr id="17" name="Straight Connector 16"/>
+          <p:cNvCxnSpPr/>
+          <p:nvPr/>
+        </p:nvCxnSpPr>
+        <p:spPr>
+          <a:xfrm>
+            <a:off x="3726142" y="2133600"/>
+            <a:ext cx="0" cy="3962400"/>
+          </a:xfrm>
+          <a:prstGeom prst="line">
+            <a:avLst/>
+          </a:prstGeom>
+          <a:ln w="12700" cmpd="sng">
+            <a:solidFill>
+              <a:schemeClr val="bg2">
+                <a:lumMod val="40000"/>
+                <a:lumOff val="60000"/>
+                <a:alpha val="40000"/>
+              </a:schemeClr>
+            </a:solidFill>
+          </a:ln>
+        </p:spPr>
+        <p:style>
+          <a:lnRef idx="2">
+            <a:schemeClr val="accent1"/>
+          </a:lnRef>
+          <a:fillRef idx="0">
+            <a:schemeClr val="accent1"/>
+          </a:fillRef>
+          <a:effectRef idx="1">
+            <a:schemeClr val="accent1"/>
+          </a:effectRef>
+          <a:fontRef idx="minor">
+            <a:schemeClr val="tx1"/>
+          </a:fontRef>
+        </p:style>
+      </p:cxnSp>
+      <p:cxnSp>
+        <p:nvCxnSpPr>
+          <p:cNvPr id="18" name="Straight Connector 17"/>
+          <p:cNvCxnSpPr/>
+          <p:nvPr/>
+        </p:nvCxnSpPr>
+        <p:spPr>
+          <a:xfrm>
+            <a:off x="6962227" y="2133600"/>
+            <a:ext cx="0" cy="3966882"/>
+          </a:xfrm>
+          <a:prstGeom prst="line">
+            <a:avLst/>
+          </a:prstGeom>
+          <a:ln w="12700" cmpd="sng">
+            <a:solidFill>
+              <a:schemeClr val="bg2">
+                <a:lumMod val="40000"/>
+                <a:lumOff val="60000"/>
+                <a:alpha val="40000"/>
+              </a:schemeClr>
+            </a:solidFill>
+          </a:ln>
+        </p:spPr>
+        <p:style>
+          <a:lnRef idx="2">
+            <a:schemeClr val="accent1"/>
+          </a:lnRef>
+          <a:fillRef idx="0">
+            <a:schemeClr val="accent1"/>
+          </a:fillRef>
+          <a:effectRef idx="1">
+            <a:schemeClr val="accent1"/>
+          </a:effectRef>
+          <a:fontRef idx="minor">
+            <a:schemeClr val="tx1"/>
+          </a:fontRef>
+        </p:style>
+      </p:cxnSp>
+      <p:sp>
+        <p:nvSpPr>
+          <p:cNvPr id="7" name="Date Placeholder 3"/>
           <p:cNvSpPr>
             <a:spLocks noGrp="1"/>
           </p:cNvSpPr>
@@ -2118,7 +2014,7 @@
           <a:p>
             <a:fld id="{EA214324-8AD7-40FD-9D6E-8B26C6988FCC}" type="datetimeFigureOut">
               <a:rPr lang="en-US" smtClean="0"/>
-              <a:t>6/24/2019</a:t>
+              <a:t>6/25/2019</a:t>
             </a:fld>
             <a:endParaRPr lang="en-US"/>
           </a:p>
@@ -2126,7 +2022,7 @@
       </p:sp>
       <p:sp>
         <p:nvSpPr>
-          <p:cNvPr id="4" name="Footer Placeholder 3"/>
+          <p:cNvPr id="4" name="Footer Placeholder 4"/>
           <p:cNvSpPr>
             <a:spLocks noGrp="1"/>
           </p:cNvSpPr>
@@ -2145,7 +2041,7 @@
       </p:sp>
       <p:sp>
         <p:nvSpPr>
-          <p:cNvPr id="5" name="Slide Number Placeholder 4"/>
+          <p:cNvPr id="6" name="Slide Number Placeholder 5"/>
           <p:cNvSpPr>
             <a:spLocks noGrp="1"/>
           </p:cNvSpPr>
@@ -2169,7 +2065,7 @@
     </p:spTree>
     <p:extLst>
       <p:ext uri="{BB962C8B-B14F-4D97-AF65-F5344CB8AC3E}">
-        <p14:creationId xmlns:p14="http://schemas.microsoft.com/office/powerpoint/2010/main" val="2777345490"/>
+        <p14:creationId xmlns:p14="http://schemas.microsoft.com/office/powerpoint/2010/main" val="3618763434"/>
       </p:ext>
     </p:extLst>
   </p:cSld>
@@ -2198,46 +2094,45 @@
       </p:grpSpPr>
       <p:sp>
         <p:nvSpPr>
-          <p:cNvPr id="30" name="Title 1"/>
+          <p:cNvPr id="2" name="Title 1"/>
           <p:cNvSpPr>
             <a:spLocks noGrp="1"/>
           </p:cNvSpPr>
           <p:nvPr>
             <p:ph type="title"/>
+          </p:nvPr>
+        </p:nvSpPr>
+        <p:spPr/>
+        <p:txBody>
+          <a:bodyPr/>
+          <a:lstStyle>
+            <a:lvl1pPr>
+              <a:defRPr sz="4200"/>
+            </a:lvl1pPr>
+          </a:lstStyle>
+          <a:p>
+            <a:r>
+              <a:rPr lang="en-US"/>
+              <a:t>Click to edit Master title style</a:t>
+            </a:r>
+            <a:endParaRPr lang="en-US" dirty="0"/>
+          </a:p>
+        </p:txBody>
+      </p:sp>
+      <p:sp>
+        <p:nvSpPr>
+          <p:cNvPr id="3" name="Text Placeholder 2"/>
+          <p:cNvSpPr>
+            <a:spLocks noGrp="1"/>
+          </p:cNvSpPr>
+          <p:nvPr>
+            <p:ph type="body" idx="1"/>
           </p:nvPr>
         </p:nvSpPr>
         <p:spPr>
           <a:xfrm>
-            <a:off x="2895600" y="762000"/>
-            <a:ext cx="8610599" cy="1295400"/>
-          </a:xfrm>
-        </p:spPr>
-        <p:txBody>
-          <a:bodyPr/>
-          <a:lstStyle/>
-          <a:p>
-            <a:r>
-              <a:rPr lang="en-US"/>
-              <a:t>Click to edit Master title style</a:t>
-            </a:r>
-            <a:endParaRPr lang="en-US" dirty="0"/>
-          </a:p>
-        </p:txBody>
-      </p:sp>
-      <p:sp>
-        <p:nvSpPr>
-          <p:cNvPr id="19" name="Text Placeholder 2"/>
-          <p:cNvSpPr>
-            <a:spLocks noGrp="1"/>
-          </p:cNvSpPr>
-          <p:nvPr>
-            <p:ph type="body" idx="1"/>
-          </p:nvPr>
-        </p:nvSpPr>
-        <p:spPr>
-          <a:xfrm>
-            <a:off x="688618" y="4191000"/>
-            <a:ext cx="3451582" cy="682765"/>
+            <a:off x="652463" y="4250949"/>
+            <a:ext cx="2940050" cy="576262"/>
           </a:xfrm>
         </p:spPr>
         <p:txBody>
@@ -2249,7 +2144,10 @@
               <a:buNone/>
               <a:defRPr sz="2400" b="0">
                 <a:solidFill>
-                  <a:schemeClr val="tx1"/>
+                  <a:schemeClr val="bg2">
+                    <a:lumMod val="40000"/>
+                    <a:lumOff val="60000"/>
+                  </a:schemeClr>
                 </a:solidFill>
               </a:defRPr>
             </a:lvl1pPr>
@@ -2297,7 +2195,7 @@
       </p:sp>
       <p:sp>
         <p:nvSpPr>
-          <p:cNvPr id="20" name="Picture Placeholder 2"/>
+          <p:cNvPr id="29" name="Picture Placeholder 2"/>
           <p:cNvSpPr>
             <a:spLocks noGrp="1" noChangeAspect="1"/>
           </p:cNvSpPr>
@@ -2307,12 +2205,12 @@
         </p:nvSpPr>
         <p:spPr>
           <a:xfrm>
-            <a:off x="688618" y="2362200"/>
-            <a:ext cx="3451582" cy="1524000"/>
+            <a:off x="652463" y="2209800"/>
+            <a:ext cx="2940050" cy="1524000"/>
           </a:xfrm>
           <a:prstGeom prst="roundRect">
             <a:avLst>
-              <a:gd name="adj" fmla="val 0"/>
+              <a:gd name="adj" fmla="val 1858"/>
             </a:avLst>
           </a:prstGeom>
           <a:effectLst>
@@ -2376,7 +2274,7 @@
       </p:sp>
       <p:sp>
         <p:nvSpPr>
-          <p:cNvPr id="21" name="Text Placeholder 3"/>
+          <p:cNvPr id="22" name="Text Placeholder 3"/>
           <p:cNvSpPr>
             <a:spLocks noGrp="1"/>
           </p:cNvSpPr>
@@ -2386,8 +2284,8 @@
         </p:nvSpPr>
         <p:spPr>
           <a:xfrm>
-            <a:off x="688618" y="4873764"/>
-            <a:ext cx="3451582" cy="1344921"/>
+            <a:off x="652463" y="4827211"/>
+            <a:ext cx="2940050" cy="659189"/>
           </a:xfrm>
         </p:spPr>
         <p:txBody>
@@ -2443,7 +2341,7 @@
       </p:sp>
       <p:sp>
         <p:nvSpPr>
-          <p:cNvPr id="22" name="Text Placeholder 4"/>
+          <p:cNvPr id="5" name="Text Placeholder 4"/>
           <p:cNvSpPr>
             <a:spLocks noGrp="1"/>
           </p:cNvSpPr>
@@ -2453,8 +2351,8 @@
         </p:nvSpPr>
         <p:spPr>
           <a:xfrm>
-            <a:off x="4374263" y="4191000"/>
-            <a:ext cx="3448935" cy="682765"/>
+            <a:off x="3889375" y="4250949"/>
+            <a:ext cx="2930525" cy="576262"/>
           </a:xfrm>
         </p:spPr>
         <p:txBody>
@@ -2466,7 +2364,10 @@
               <a:buNone/>
               <a:defRPr sz="2400" b="0">
                 <a:solidFill>
-                  <a:schemeClr val="tx1"/>
+                  <a:schemeClr val="bg2">
+                    <a:lumMod val="40000"/>
+                    <a:lumOff val="60000"/>
+                  </a:schemeClr>
                 </a:solidFill>
               </a:defRPr>
             </a:lvl1pPr>
@@ -2514,7 +2415,7 @@
       </p:sp>
       <p:sp>
         <p:nvSpPr>
-          <p:cNvPr id="23" name="Picture Placeholder 2"/>
+          <p:cNvPr id="30" name="Picture Placeholder 2"/>
           <p:cNvSpPr>
             <a:spLocks noGrp="1" noChangeAspect="1"/>
           </p:cNvSpPr>
@@ -2524,12 +2425,12 @@
         </p:nvSpPr>
         <p:spPr>
           <a:xfrm>
-            <a:off x="4374263" y="2362200"/>
-            <a:ext cx="3448936" cy="1524000"/>
+            <a:off x="3889374" y="2209800"/>
+            <a:ext cx="2930525" cy="1524000"/>
           </a:xfrm>
           <a:prstGeom prst="roundRect">
             <a:avLst>
-              <a:gd name="adj" fmla="val 0"/>
+              <a:gd name="adj" fmla="val 1858"/>
             </a:avLst>
           </a:prstGeom>
           <a:effectLst>
@@ -2593,7 +2494,7 @@
       </p:sp>
       <p:sp>
         <p:nvSpPr>
-          <p:cNvPr id="24" name="Text Placeholder 3"/>
+          <p:cNvPr id="23" name="Text Placeholder 3"/>
           <p:cNvSpPr>
             <a:spLocks noGrp="1"/>
           </p:cNvSpPr>
@@ -2603,8 +2504,8 @@
         </p:nvSpPr>
         <p:spPr>
           <a:xfrm>
-            <a:off x="4374264" y="4873763"/>
-            <a:ext cx="3448935" cy="1344921"/>
+            <a:off x="3888022" y="4827210"/>
+            <a:ext cx="2934406" cy="659189"/>
           </a:xfrm>
         </p:spPr>
         <p:txBody>
@@ -2660,7 +2561,7 @@
       </p:sp>
       <p:sp>
         <p:nvSpPr>
-          <p:cNvPr id="25" name="Text Placeholder 4"/>
+          <p:cNvPr id="14" name="Text Placeholder 4"/>
           <p:cNvSpPr>
             <a:spLocks noGrp="1"/>
           </p:cNvSpPr>
@@ -2670,8 +2571,8 @@
         </p:nvSpPr>
         <p:spPr>
           <a:xfrm>
-            <a:off x="8049731" y="4191000"/>
-            <a:ext cx="3456469" cy="682765"/>
+            <a:off x="7124700" y="4250949"/>
+            <a:ext cx="2932113" cy="576262"/>
           </a:xfrm>
         </p:spPr>
         <p:txBody>
@@ -2683,7 +2584,10 @@
               <a:buNone/>
               <a:defRPr sz="2400" b="0">
                 <a:solidFill>
-                  <a:schemeClr val="tx1"/>
+                  <a:schemeClr val="bg2">
+                    <a:lumMod val="40000"/>
+                    <a:lumOff val="60000"/>
+                  </a:schemeClr>
                 </a:solidFill>
               </a:defRPr>
             </a:lvl1pPr>
@@ -2731,7 +2635,7 @@
       </p:sp>
       <p:sp>
         <p:nvSpPr>
-          <p:cNvPr id="26" name="Picture Placeholder 2"/>
+          <p:cNvPr id="31" name="Picture Placeholder 2"/>
           <p:cNvSpPr>
             <a:spLocks noGrp="1" noChangeAspect="1"/>
           </p:cNvSpPr>
@@ -2741,12 +2645,12 @@
         </p:nvSpPr>
         <p:spPr>
           <a:xfrm>
-            <a:off x="8049855" y="2362200"/>
-            <a:ext cx="3447878" cy="1524000"/>
+            <a:off x="7124699" y="2209800"/>
+            <a:ext cx="2932113" cy="1524000"/>
           </a:xfrm>
           <a:prstGeom prst="roundRect">
             <a:avLst>
-              <a:gd name="adj" fmla="val 0"/>
+              <a:gd name="adj" fmla="val 1858"/>
             </a:avLst>
           </a:prstGeom>
           <a:effectLst>
@@ -2810,7 +2714,7 @@
       </p:sp>
       <p:sp>
         <p:nvSpPr>
-          <p:cNvPr id="27" name="Text Placeholder 3"/>
+          <p:cNvPr id="24" name="Text Placeholder 3"/>
           <p:cNvSpPr>
             <a:spLocks noGrp="1"/>
           </p:cNvSpPr>
@@ -2820,8 +2724,8 @@
         </p:nvSpPr>
         <p:spPr>
           <a:xfrm>
-            <a:off x="8049731" y="4873761"/>
-            <a:ext cx="3452445" cy="1344921"/>
+            <a:off x="7124575" y="4827208"/>
+            <a:ext cx="2935997" cy="659189"/>
           </a:xfrm>
         </p:spPr>
         <p:txBody>
@@ -2875,9 +2779,87 @@
           </a:p>
         </p:txBody>
       </p:sp>
-      <p:sp>
-        <p:nvSpPr>
-          <p:cNvPr id="3" name="Date Placeholder 2"/>
+      <p:cxnSp>
+        <p:nvCxnSpPr>
+          <p:cNvPr id="19" name="Straight Connector 18"/>
+          <p:cNvCxnSpPr/>
+          <p:nvPr/>
+        </p:nvCxnSpPr>
+        <p:spPr>
+          <a:xfrm>
+            <a:off x="3726142" y="2133600"/>
+            <a:ext cx="0" cy="3962400"/>
+          </a:xfrm>
+          <a:prstGeom prst="line">
+            <a:avLst/>
+          </a:prstGeom>
+          <a:ln w="12700" cmpd="sng">
+            <a:solidFill>
+              <a:schemeClr val="bg2">
+                <a:lumMod val="40000"/>
+                <a:lumOff val="60000"/>
+                <a:alpha val="40000"/>
+              </a:schemeClr>
+            </a:solidFill>
+          </a:ln>
+        </p:spPr>
+        <p:style>
+          <a:lnRef idx="2">
+            <a:schemeClr val="accent1"/>
+          </a:lnRef>
+          <a:fillRef idx="0">
+            <a:schemeClr val="accent1"/>
+          </a:fillRef>
+          <a:effectRef idx="1">
+            <a:schemeClr val="accent1"/>
+          </a:effectRef>
+          <a:fontRef idx="minor">
+            <a:schemeClr val="tx1"/>
+          </a:fontRef>
+        </p:style>
+      </p:cxnSp>
+      <p:cxnSp>
+        <p:nvCxnSpPr>
+          <p:cNvPr id="20" name="Straight Connector 19"/>
+          <p:cNvCxnSpPr/>
+          <p:nvPr/>
+        </p:nvCxnSpPr>
+        <p:spPr>
+          <a:xfrm>
+            <a:off x="6962227" y="2133600"/>
+            <a:ext cx="0" cy="3966882"/>
+          </a:xfrm>
+          <a:prstGeom prst="line">
+            <a:avLst/>
+          </a:prstGeom>
+          <a:ln w="12700" cmpd="sng">
+            <a:solidFill>
+              <a:schemeClr val="bg2">
+                <a:lumMod val="40000"/>
+                <a:lumOff val="60000"/>
+                <a:alpha val="40000"/>
+              </a:schemeClr>
+            </a:solidFill>
+          </a:ln>
+        </p:spPr>
+        <p:style>
+          <a:lnRef idx="2">
+            <a:schemeClr val="accent1"/>
+          </a:lnRef>
+          <a:fillRef idx="0">
+            <a:schemeClr val="accent1"/>
+          </a:fillRef>
+          <a:effectRef idx="1">
+            <a:schemeClr val="accent1"/>
+          </a:effectRef>
+          <a:fontRef idx="minor">
+            <a:schemeClr val="tx1"/>
+          </a:fontRef>
+        </p:style>
+      </p:cxnSp>
+      <p:sp>
+        <p:nvSpPr>
+          <p:cNvPr id="7" name="Date Placeholder 3"/>
           <p:cNvSpPr>
             <a:spLocks noGrp="1"/>
           </p:cNvSpPr>
@@ -2892,7 +2874,7 @@
           <a:p>
             <a:fld id="{EA214324-8AD7-40FD-9D6E-8B26C6988FCC}" type="datetimeFigureOut">
               <a:rPr lang="en-US" smtClean="0"/>
-              <a:t>6/24/2019</a:t>
+              <a:t>6/25/2019</a:t>
             </a:fld>
             <a:endParaRPr lang="en-US"/>
           </a:p>
@@ -2900,7 +2882,7 @@
       </p:sp>
       <p:sp>
         <p:nvSpPr>
-          <p:cNvPr id="4" name="Footer Placeholder 3"/>
+          <p:cNvPr id="4" name="Footer Placeholder 4"/>
           <p:cNvSpPr>
             <a:spLocks noGrp="1"/>
           </p:cNvSpPr>
@@ -2919,7 +2901,7 @@
       </p:sp>
       <p:sp>
         <p:nvSpPr>
-          <p:cNvPr id="5" name="Slide Number Placeholder 4"/>
+          <p:cNvPr id="6" name="Slide Number Placeholder 5"/>
           <p:cNvSpPr>
             <a:spLocks noGrp="1"/>
           </p:cNvSpPr>
@@ -2943,7 +2925,7 @@
     </p:spTree>
     <p:extLst>
       <p:ext uri="{BB962C8B-B14F-4D97-AF65-F5344CB8AC3E}">
-        <p14:creationId xmlns:p14="http://schemas.microsoft.com/office/powerpoint/2010/main" val="947245977"/>
+        <p14:creationId xmlns:p14="http://schemas.microsoft.com/office/powerpoint/2010/main" val="3092181421"/>
       </p:ext>
     </p:extLst>
   </p:cSld>
@@ -3003,14 +2985,9 @@
             <p:ph type="body" orient="vert" idx="1"/>
           </p:nvPr>
         </p:nvSpPr>
-        <p:spPr>
-          <a:xfrm>
-            <a:off x="685800" y="2194559"/>
-            <a:ext cx="10820400" cy="4024125"/>
-          </a:xfrm>
-        </p:spPr>
-        <p:txBody>
-          <a:bodyPr vert="eaVert"/>
+        <p:spPr/>
+        <p:txBody>
+          <a:bodyPr vert="eaVert" anchor="t" anchorCtr="0"/>
           <a:lstStyle/>
           <a:p>
             <a:pPr lvl="0"/>
@@ -3067,7 +3044,7 @@
           <a:p>
             <a:fld id="{EA214324-8AD7-40FD-9D6E-8B26C6988FCC}" type="datetimeFigureOut">
               <a:rPr lang="en-US" smtClean="0"/>
-              <a:t>6/24/2019</a:t>
+              <a:t>6/25/2019</a:t>
             </a:fld>
             <a:endParaRPr lang="en-US"/>
           </a:p>
@@ -3118,7 +3095,7 @@
     </p:spTree>
     <p:extLst>
       <p:ext uri="{BB962C8B-B14F-4D97-AF65-F5344CB8AC3E}">
-        <p14:creationId xmlns:p14="http://schemas.microsoft.com/office/powerpoint/2010/main" val="2643999401"/>
+        <p14:creationId xmlns:p14="http://schemas.microsoft.com/office/powerpoint/2010/main" val="2552674036"/>
       </p:ext>
     </p:extLst>
   </p:cSld>
@@ -3129,7 +3106,7 @@
 </file>
 
 <file path=ppt/slideLayouts/slideLayout17.xml><?xml version="1.0" encoding="utf-8"?>
-<p:sldLayout xmlns:a="http://schemas.openxmlformats.org/drawingml/2006/main" xmlns:r="http://schemas.openxmlformats.org/officeDocument/2006/relationships" xmlns:p="http://schemas.openxmlformats.org/presentationml/2006/main" showMasterSp="0" type="vertTitleAndTx" preserve="1">
+<p:sldLayout xmlns:a="http://schemas.openxmlformats.org/drawingml/2006/main" xmlns:r="http://schemas.openxmlformats.org/officeDocument/2006/relationships" xmlns:p="http://schemas.openxmlformats.org/presentationml/2006/main" type="vertTitleAndTx" preserve="1">
   <p:cSld name="Vertical Title and Text">
     <p:spTree>
       <p:nvGrpSpPr>
@@ -3145,63 +3122,86 @@
           <a:chExt cx="0" cy="0"/>
         </a:xfrm>
       </p:grpSpPr>
-      <p:pic>
-        <p:nvPicPr>
-          <p:cNvPr id="8" name="Picture 7" descr="C0-HD-BTM.png"/>
-          <p:cNvPicPr>
-            <a:picLocks noChangeAspect="1"/>
-          </p:cNvPicPr>
-          <p:nvPr/>
-        </p:nvPicPr>
-        <p:blipFill>
-          <a:blip r:embed="rId2">
-            <a:extLst>
-              <a:ext uri="{28A0092B-C50C-407E-A947-70E740481C1C}">
-                <a14:useLocalDpi xmlns:a14="http://schemas.microsoft.com/office/drawing/2010/main" val="0"/>
-              </a:ext>
-            </a:extLst>
-          </a:blip>
-          <a:stretch>
-            <a:fillRect/>
-          </a:stretch>
-        </p:blipFill>
+      <p:sp>
+        <p:nvSpPr>
+          <p:cNvPr id="2" name="Vertical Title 1"/>
+          <p:cNvSpPr>
+            <a:spLocks noGrp="1"/>
+          </p:cNvSpPr>
+          <p:nvPr>
+            <p:ph type="title" orient="vert"/>
+          </p:nvPr>
+        </p:nvSpPr>
         <p:spPr>
           <a:xfrm>
-            <a:off x="0" y="4375150"/>
-            <a:ext cx="12192000" cy="2482850"/>
+            <a:off x="8304212" y="430213"/>
+            <a:ext cx="1752601" cy="5826125"/>
           </a:xfrm>
-          <a:prstGeom prst="rect">
-            <a:avLst/>
-          </a:prstGeom>
         </p:spPr>
-      </p:pic>
-      <p:sp>
-        <p:nvSpPr>
-          <p:cNvPr id="2" name="Vertical Title 1"/>
-          <p:cNvSpPr>
-            <a:spLocks noGrp="1"/>
-          </p:cNvSpPr>
-          <p:nvPr>
-            <p:ph type="title" orient="vert"/>
+        <p:txBody>
+          <a:bodyPr vert="eaVert" anchor="b" anchorCtr="0"/>
+          <a:lstStyle/>
+          <a:p>
+            <a:r>
+              <a:rPr lang="en-US"/>
+              <a:t>Click to edit Master title style</a:t>
+            </a:r>
+            <a:endParaRPr lang="en-US" dirty="0"/>
+          </a:p>
+        </p:txBody>
+      </p:sp>
+      <p:sp>
+        <p:nvSpPr>
+          <p:cNvPr id="3" name="Vertical Text Placeholder 2"/>
+          <p:cNvSpPr>
+            <a:spLocks noGrp="1"/>
+          </p:cNvSpPr>
+          <p:nvPr>
+            <p:ph type="body" orient="vert" idx="1"/>
           </p:nvPr>
         </p:nvSpPr>
         <p:spPr>
           <a:xfrm>
-            <a:off x="9448800" y="745066"/>
-            <a:ext cx="2057400" cy="3903133"/>
+            <a:off x="652463" y="887414"/>
+            <a:ext cx="7423149" cy="5368924"/>
           </a:xfrm>
         </p:spPr>
         <p:txBody>
           <a:bodyPr vert="eaVert"/>
-          <a:lstStyle>
-            <a:lvl1pPr algn="l">
-              <a:defRPr/>
-            </a:lvl1pPr>
-          </a:lstStyle>
-          <a:p>
-            <a:r>
-              <a:rPr lang="en-US"/>
-              <a:t>Click to edit Master title style</a:t>
+          <a:lstStyle/>
+          <a:p>
+            <a:pPr lvl="0"/>
+            <a:r>
+              <a:rPr lang="en-US"/>
+              <a:t>Edit Master text styles</a:t>
+            </a:r>
+          </a:p>
+          <a:p>
+            <a:pPr lvl="1"/>
+            <a:r>
+              <a:rPr lang="en-US"/>
+              <a:t>Second level</a:t>
+            </a:r>
+          </a:p>
+          <a:p>
+            <a:pPr lvl="2"/>
+            <a:r>
+              <a:rPr lang="en-US"/>
+              <a:t>Third level</a:t>
+            </a:r>
+          </a:p>
+          <a:p>
+            <a:pPr lvl="3"/>
+            <a:r>
+              <a:rPr lang="en-US"/>
+              <a:t>Fourth level</a:t>
+            </a:r>
+          </a:p>
+          <a:p>
+            <a:pPr lvl="4"/>
+            <a:r>
+              <a:rPr lang="en-US"/>
+              <a:t>Fifth level</a:t>
             </a:r>
             <a:endParaRPr lang="en-US" dirty="0"/>
           </a:p>
@@ -3209,88 +3209,22 @@
       </p:sp>
       <p:sp>
         <p:nvSpPr>
-          <p:cNvPr id="3" name="Vertical Text Placeholder 2"/>
-          <p:cNvSpPr>
-            <a:spLocks noGrp="1"/>
-          </p:cNvSpPr>
-          <p:nvPr>
-            <p:ph type="body" orient="vert" idx="1"/>
-          </p:nvPr>
-        </p:nvSpPr>
-        <p:spPr>
-          <a:xfrm>
-            <a:off x="1024466" y="745067"/>
-            <a:ext cx="8204201" cy="3903133"/>
-          </a:xfrm>
-        </p:spPr>
-        <p:txBody>
-          <a:bodyPr vert="eaVert"/>
+          <p:cNvPr id="4" name="Date Placeholder 3"/>
+          <p:cNvSpPr>
+            <a:spLocks noGrp="1"/>
+          </p:cNvSpPr>
+          <p:nvPr>
+            <p:ph type="dt" sz="half" idx="10"/>
+          </p:nvPr>
+        </p:nvSpPr>
+        <p:spPr/>
+        <p:txBody>
+          <a:bodyPr/>
           <a:lstStyle/>
-          <a:p>
-            <a:pPr lvl="0"/>
-            <a:r>
-              <a:rPr lang="en-US"/>
-              <a:t>Edit Master text styles</a:t>
-            </a:r>
-          </a:p>
-          <a:p>
-            <a:pPr lvl="1"/>
-            <a:r>
-              <a:rPr lang="en-US"/>
-              <a:t>Second level</a:t>
-            </a:r>
-          </a:p>
-          <a:p>
-            <a:pPr lvl="2"/>
-            <a:r>
-              <a:rPr lang="en-US"/>
-              <a:t>Third level</a:t>
-            </a:r>
-          </a:p>
-          <a:p>
-            <a:pPr lvl="3"/>
-            <a:r>
-              <a:rPr lang="en-US"/>
-              <a:t>Fourth level</a:t>
-            </a:r>
-          </a:p>
-          <a:p>
-            <a:pPr lvl="4"/>
-            <a:r>
-              <a:rPr lang="en-US"/>
-              <a:t>Fifth level</a:t>
-            </a:r>
-            <a:endParaRPr lang="en-US" dirty="0"/>
-          </a:p>
-        </p:txBody>
-      </p:sp>
-      <p:sp>
-        <p:nvSpPr>
-          <p:cNvPr id="4" name="Date Placeholder 3"/>
-          <p:cNvSpPr>
-            <a:spLocks noGrp="1"/>
-          </p:cNvSpPr>
-          <p:nvPr>
-            <p:ph type="dt" sz="half" idx="10"/>
-          </p:nvPr>
-        </p:nvSpPr>
-        <p:spPr>
-          <a:xfrm>
-            <a:off x="7814452" y="379941"/>
-            <a:ext cx="2910840" cy="365125"/>
-          </a:xfrm>
-        </p:spPr>
-        <p:txBody>
-          <a:bodyPr/>
-          <a:lstStyle>
-            <a:lvl1pPr algn="r">
-              <a:defRPr/>
-            </a:lvl1pPr>
-          </a:lstStyle>
           <a:p>
             <a:fld id="{EA214324-8AD7-40FD-9D6E-8B26C6988FCC}" type="datetimeFigureOut">
               <a:rPr lang="en-US" smtClean="0"/>
-              <a:t>6/24/2019</a:t>
+              <a:t>6/25/2019</a:t>
             </a:fld>
             <a:endParaRPr lang="en-US"/>
           </a:p>
@@ -3306,12 +3240,7 @@
             <p:ph type="ftr" sz="quarter" idx="11"/>
           </p:nvPr>
         </p:nvSpPr>
-        <p:spPr>
-          <a:xfrm>
-            <a:off x="685800" y="381000"/>
-            <a:ext cx="6991492" cy="365125"/>
-          </a:xfrm>
-        </p:spPr>
+        <p:spPr/>
         <p:txBody>
           <a:bodyPr/>
           <a:lstStyle/>
@@ -3330,12 +3259,7 @@
             <p:ph type="sldNum" sz="quarter" idx="12"/>
           </p:nvPr>
         </p:nvSpPr>
-        <p:spPr>
-          <a:xfrm>
-            <a:off x="10862452" y="381000"/>
-            <a:ext cx="643748" cy="365125"/>
-          </a:xfrm>
-        </p:spPr>
+        <p:spPr/>
         <p:txBody>
           <a:bodyPr/>
           <a:lstStyle/>
@@ -3351,7 +3275,7 @@
     </p:spTree>
     <p:extLst>
       <p:ext uri="{BB962C8B-B14F-4D97-AF65-F5344CB8AC3E}">
-        <p14:creationId xmlns:p14="http://schemas.microsoft.com/office/powerpoint/2010/main" val="3750124907"/>
+        <p14:creationId xmlns:p14="http://schemas.microsoft.com/office/powerpoint/2010/main" val="3982226580"/>
       </p:ext>
     </p:extLst>
   </p:cSld>
@@ -3460,7 +3384,7 @@
       </p:sp>
       <p:sp>
         <p:nvSpPr>
-          <p:cNvPr id="4" name="Date Placeholder 3"/>
+          <p:cNvPr id="7" name="Date Placeholder 3"/>
           <p:cNvSpPr>
             <a:spLocks noGrp="1"/>
           </p:cNvSpPr>
@@ -3475,7 +3399,7 @@
           <a:p>
             <a:fld id="{EA214324-8AD7-40FD-9D6E-8B26C6988FCC}" type="datetimeFigureOut">
               <a:rPr lang="en-US" smtClean="0"/>
-              <a:t>6/24/2019</a:t>
+              <a:t>6/25/2019</a:t>
             </a:fld>
             <a:endParaRPr lang="en-US"/>
           </a:p>
@@ -3526,7 +3450,7 @@
     </p:spTree>
     <p:extLst>
       <p:ext uri="{BB962C8B-B14F-4D97-AF65-F5344CB8AC3E}">
-        <p14:creationId xmlns:p14="http://schemas.microsoft.com/office/powerpoint/2010/main" val="2394088686"/>
+        <p14:creationId xmlns:p14="http://schemas.microsoft.com/office/powerpoint/2010/main" val="228207165"/>
       </p:ext>
     </p:extLst>
   </p:cSld>
@@ -3537,7 +3461,7 @@
 </file>
 
 <file path=ppt/slideLayouts/slideLayout3.xml><?xml version="1.0" encoding="utf-8"?>
-<p:sldLayout xmlns:a="http://schemas.openxmlformats.org/drawingml/2006/main" xmlns:r="http://schemas.openxmlformats.org/officeDocument/2006/relationships" xmlns:p="http://schemas.openxmlformats.org/presentationml/2006/main" showMasterSp="0" type="secHead" preserve="1">
+<p:sldLayout xmlns:a="http://schemas.openxmlformats.org/drawingml/2006/main" xmlns:r="http://schemas.openxmlformats.org/officeDocument/2006/relationships" xmlns:p="http://schemas.openxmlformats.org/presentationml/2006/main" type="secHead" preserve="1">
   <p:cSld name="Section Header">
     <p:spTree>
       <p:nvGrpSpPr>
@@ -3553,104 +3477,71 @@
           <a:chExt cx="0" cy="0"/>
         </a:xfrm>
       </p:grpSpPr>
-      <p:pic>
-        <p:nvPicPr>
-          <p:cNvPr id="9" name="Picture 8" descr="C0-HD-BTM.png"/>
-          <p:cNvPicPr>
-            <a:picLocks noChangeAspect="1"/>
-          </p:cNvPicPr>
-          <p:nvPr/>
-        </p:nvPicPr>
-        <p:blipFill>
-          <a:blip r:embed="rId2">
-            <a:extLst>
-              <a:ext uri="{28A0092B-C50C-407E-A947-70E740481C1C}">
-                <a14:useLocalDpi xmlns:a14="http://schemas.microsoft.com/office/drawing/2010/main" val="0"/>
-              </a:ext>
-            </a:extLst>
-          </a:blip>
-          <a:stretch>
-            <a:fillRect/>
-          </a:stretch>
-        </p:blipFill>
+      <p:sp>
+        <p:nvSpPr>
+          <p:cNvPr id="2" name="Title 1"/>
+          <p:cNvSpPr>
+            <a:spLocks noGrp="1"/>
+          </p:cNvSpPr>
+          <p:nvPr>
+            <p:ph type="title"/>
+          </p:nvPr>
+        </p:nvSpPr>
         <p:spPr>
           <a:xfrm>
-            <a:off x="0" y="4375150"/>
-            <a:ext cx="12192000" cy="2482850"/>
+            <a:off x="1154956" y="2861733"/>
+            <a:ext cx="8825657" cy="1915647"/>
           </a:xfrm>
-          <a:prstGeom prst="rect">
-            <a:avLst/>
-          </a:prstGeom>
         </p:spPr>
-      </p:pic>
-      <p:sp>
-        <p:nvSpPr>
-          <p:cNvPr id="2" name="Title 1"/>
-          <p:cNvSpPr>
-            <a:spLocks noGrp="1"/>
-          </p:cNvSpPr>
-          <p:nvPr>
-            <p:ph type="title"/>
+        <p:txBody>
+          <a:bodyPr anchor="b"/>
+          <a:lstStyle>
+            <a:lvl1pPr algn="l">
+              <a:defRPr sz="4000" b="0" cap="none"/>
+            </a:lvl1pPr>
+          </a:lstStyle>
+          <a:p>
+            <a:r>
+              <a:rPr lang="en-US"/>
+              <a:t>Click to edit Master title style</a:t>
+            </a:r>
+            <a:endParaRPr lang="en-US" dirty="0"/>
+          </a:p>
+        </p:txBody>
+      </p:sp>
+      <p:sp>
+        <p:nvSpPr>
+          <p:cNvPr id="3" name="Text Placeholder 2"/>
+          <p:cNvSpPr>
+            <a:spLocks noGrp="1"/>
+          </p:cNvSpPr>
+          <p:nvPr>
+            <p:ph type="body" idx="1"/>
           </p:nvPr>
         </p:nvSpPr>
         <p:spPr>
           <a:xfrm>
-            <a:off x="685800" y="753533"/>
-            <a:ext cx="10820399" cy="2801935"/>
+            <a:off x="1154955" y="4777381"/>
+            <a:ext cx="8825658" cy="860400"/>
           </a:xfrm>
         </p:spPr>
         <p:txBody>
-          <a:bodyPr anchor="b">
-            <a:normAutofit/>
-          </a:bodyPr>
+          <a:bodyPr anchor="t"/>
           <a:lstStyle>
-            <a:lvl1pPr algn="r">
-              <a:defRPr sz="4000"/>
-            </a:lvl1pPr>
-          </a:lstStyle>
-          <a:p>
-            <a:r>
-              <a:rPr lang="en-US"/>
-              <a:t>Click to edit Master title style</a:t>
-            </a:r>
-            <a:endParaRPr lang="en-US" dirty="0"/>
-          </a:p>
-        </p:txBody>
-      </p:sp>
-      <p:sp>
-        <p:nvSpPr>
-          <p:cNvPr id="3" name="Text Placeholder 2"/>
-          <p:cNvSpPr>
-            <a:spLocks noGrp="1"/>
-          </p:cNvSpPr>
-          <p:nvPr>
-            <p:ph type="body" idx="1"/>
-          </p:nvPr>
-        </p:nvSpPr>
-        <p:spPr>
-          <a:xfrm>
-            <a:off x="1024467" y="3641725"/>
-            <a:ext cx="10490200" cy="955675"/>
-          </a:xfrm>
-        </p:spPr>
-        <p:txBody>
-          <a:bodyPr>
-            <a:normAutofit/>
-          </a:bodyPr>
-          <a:lstStyle>
-            <a:lvl1pPr marL="0" indent="0" algn="r">
-              <a:buNone/>
-              <a:defRPr sz="2200">
+            <a:lvl1pPr marL="0" indent="0" algn="l">
+              <a:buNone/>
+              <a:defRPr sz="2000" cap="all">
                 <a:solidFill>
-                  <a:schemeClr val="tx1">
-                    <a:tint val="75000"/>
+                  <a:schemeClr val="bg2">
+                    <a:lumMod val="40000"/>
+                    <a:lumOff val="60000"/>
                   </a:schemeClr>
                 </a:solidFill>
               </a:defRPr>
             </a:lvl1pPr>
             <a:lvl2pPr marL="457200" indent="0">
               <a:buNone/>
-              <a:defRPr sz="2000">
+              <a:defRPr sz="1800">
                 <a:solidFill>
                   <a:schemeClr val="tx1">
                     <a:tint val="75000"/>
@@ -3660,7 +3551,7 @@
             </a:lvl2pPr>
             <a:lvl3pPr marL="914400" indent="0">
               <a:buNone/>
-              <a:defRPr sz="1800">
+              <a:defRPr sz="1600">
                 <a:solidFill>
                   <a:schemeClr val="tx1">
                     <a:tint val="75000"/>
@@ -3670,7 +3561,7 @@
             </a:lvl3pPr>
             <a:lvl4pPr marL="1371600" indent="0">
               <a:buNone/>
-              <a:defRPr sz="1600">
+              <a:defRPr sz="1400">
                 <a:solidFill>
                   <a:schemeClr val="tx1">
                     <a:tint val="75000"/>
@@ -3680,7 +3571,7 @@
             </a:lvl4pPr>
             <a:lvl5pPr marL="1828800" indent="0">
               <a:buNone/>
-              <a:defRPr sz="1600">
+              <a:defRPr sz="1400">
                 <a:solidFill>
                   <a:schemeClr val="tx1">
                     <a:tint val="75000"/>
@@ -3690,7 +3581,7 @@
             </a:lvl5pPr>
             <a:lvl6pPr marL="2286000" indent="0">
               <a:buNone/>
-              <a:defRPr sz="1600">
+              <a:defRPr sz="1400">
                 <a:solidFill>
                   <a:schemeClr val="tx1">
                     <a:tint val="75000"/>
@@ -3700,7 +3591,7 @@
             </a:lvl6pPr>
             <a:lvl7pPr marL="2743200" indent="0">
               <a:buNone/>
-              <a:defRPr sz="1600">
+              <a:defRPr sz="1400">
                 <a:solidFill>
                   <a:schemeClr val="tx1">
                     <a:tint val="75000"/>
@@ -3710,7 +3601,7 @@
             </a:lvl7pPr>
             <a:lvl8pPr marL="3200400" indent="0">
               <a:buNone/>
-              <a:defRPr sz="1600">
+              <a:defRPr sz="1400">
                 <a:solidFill>
                   <a:schemeClr val="tx1">
                     <a:tint val="75000"/>
@@ -3720,7 +3611,7 @@
             </a:lvl8pPr>
             <a:lvl9pPr marL="3657600" indent="0">
               <a:buNone/>
-              <a:defRPr sz="1600">
+              <a:defRPr sz="1400">
                 <a:solidFill>
                   <a:schemeClr val="tx1">
                     <a:tint val="75000"/>
@@ -3748,23 +3639,14 @@
             <p:ph type="dt" sz="half" idx="10"/>
           </p:nvPr>
         </p:nvSpPr>
-        <p:spPr>
-          <a:xfrm>
-            <a:off x="7814452" y="381000"/>
-            <a:ext cx="2910840" cy="365125"/>
-          </a:xfrm>
-        </p:spPr>
+        <p:spPr/>
         <p:txBody>
           <a:bodyPr/>
-          <a:lstStyle>
-            <a:lvl1pPr algn="r">
-              <a:defRPr/>
-            </a:lvl1pPr>
-          </a:lstStyle>
+          <a:lstStyle/>
           <a:p>
             <a:fld id="{EA214324-8AD7-40FD-9D6E-8B26C6988FCC}" type="datetimeFigureOut">
               <a:rPr lang="en-US" smtClean="0"/>
-              <a:t>6/24/2019</a:t>
+              <a:t>6/25/2019</a:t>
             </a:fld>
             <a:endParaRPr lang="en-US"/>
           </a:p>
@@ -3780,12 +3662,7 @@
             <p:ph type="ftr" sz="quarter" idx="11"/>
           </p:nvPr>
         </p:nvSpPr>
-        <p:spPr>
-          <a:xfrm>
-            <a:off x="685800" y="381001"/>
-            <a:ext cx="6991492" cy="364065"/>
-          </a:xfrm>
-        </p:spPr>
+        <p:spPr/>
         <p:txBody>
           <a:bodyPr/>
           <a:lstStyle/>
@@ -3804,12 +3681,7 @@
             <p:ph type="sldNum" sz="quarter" idx="12"/>
           </p:nvPr>
         </p:nvSpPr>
-        <p:spPr>
-          <a:xfrm>
-            <a:off x="10862452" y="381000"/>
-            <a:ext cx="643748" cy="365125"/>
-          </a:xfrm>
-        </p:spPr>
+        <p:spPr/>
         <p:txBody>
           <a:bodyPr/>
           <a:lstStyle/>
@@ -3825,7 +3697,7 @@
     </p:spTree>
     <p:extLst>
       <p:ext uri="{BB962C8B-B14F-4D97-AF65-F5344CB8AC3E}">
-        <p14:creationId xmlns:p14="http://schemas.microsoft.com/office/powerpoint/2010/main" val="1743034910"/>
+        <p14:creationId xmlns:p14="http://schemas.microsoft.com/office/powerpoint/2010/main" val="2595679705"/>
       </p:ext>
     </p:extLst>
   </p:cSld>
@@ -3892,126 +3764,186 @@
         </p:nvSpPr>
         <p:spPr>
           <a:xfrm>
-            <a:off x="685800" y="2194559"/>
-            <a:ext cx="5334000" cy="4024125"/>
+            <a:off x="1103312" y="2060575"/>
+            <a:ext cx="4396339" cy="4195763"/>
           </a:xfrm>
         </p:spPr>
         <p:txBody>
+          <a:bodyPr>
+            <a:normAutofit/>
+          </a:bodyPr>
+          <a:lstStyle>
+            <a:lvl1pPr>
+              <a:defRPr sz="1800"/>
+            </a:lvl1pPr>
+            <a:lvl2pPr>
+              <a:defRPr sz="1600"/>
+            </a:lvl2pPr>
+            <a:lvl3pPr>
+              <a:defRPr sz="1400"/>
+            </a:lvl3pPr>
+            <a:lvl4pPr>
+              <a:defRPr sz="1200"/>
+            </a:lvl4pPr>
+            <a:lvl5pPr>
+              <a:defRPr sz="1200"/>
+            </a:lvl5pPr>
+            <a:lvl6pPr>
+              <a:defRPr sz="1200"/>
+            </a:lvl6pPr>
+            <a:lvl7pPr>
+              <a:defRPr sz="1200"/>
+            </a:lvl7pPr>
+            <a:lvl8pPr>
+              <a:defRPr sz="1200"/>
+            </a:lvl8pPr>
+            <a:lvl9pPr>
+              <a:defRPr sz="1200"/>
+            </a:lvl9pPr>
+          </a:lstStyle>
+          <a:p>
+            <a:pPr lvl="0"/>
+            <a:r>
+              <a:rPr lang="en-US"/>
+              <a:t>Edit Master text styles</a:t>
+            </a:r>
+          </a:p>
+          <a:p>
+            <a:pPr lvl="1"/>
+            <a:r>
+              <a:rPr lang="en-US"/>
+              <a:t>Second level</a:t>
+            </a:r>
+          </a:p>
+          <a:p>
+            <a:pPr lvl="2"/>
+            <a:r>
+              <a:rPr lang="en-US"/>
+              <a:t>Third level</a:t>
+            </a:r>
+          </a:p>
+          <a:p>
+            <a:pPr lvl="3"/>
+            <a:r>
+              <a:rPr lang="en-US"/>
+              <a:t>Fourth level</a:t>
+            </a:r>
+          </a:p>
+          <a:p>
+            <a:pPr lvl="4"/>
+            <a:r>
+              <a:rPr lang="en-US"/>
+              <a:t>Fifth level</a:t>
+            </a:r>
+            <a:endParaRPr lang="en-US" dirty="0"/>
+          </a:p>
+        </p:txBody>
+      </p:sp>
+      <p:sp>
+        <p:nvSpPr>
+          <p:cNvPr id="4" name="Content Placeholder 3"/>
+          <p:cNvSpPr>
+            <a:spLocks noGrp="1"/>
+          </p:cNvSpPr>
+          <p:nvPr>
+            <p:ph sz="half" idx="2"/>
+          </p:nvPr>
+        </p:nvSpPr>
+        <p:spPr>
+          <a:xfrm>
+            <a:off x="5654493" y="2056092"/>
+            <a:ext cx="4396341" cy="4200245"/>
+          </a:xfrm>
+        </p:spPr>
+        <p:txBody>
+          <a:bodyPr>
+            <a:normAutofit/>
+          </a:bodyPr>
+          <a:lstStyle>
+            <a:lvl1pPr>
+              <a:defRPr sz="1800"/>
+            </a:lvl1pPr>
+            <a:lvl2pPr>
+              <a:defRPr sz="1600"/>
+            </a:lvl2pPr>
+            <a:lvl3pPr>
+              <a:defRPr sz="1400"/>
+            </a:lvl3pPr>
+            <a:lvl4pPr>
+              <a:defRPr sz="1200"/>
+            </a:lvl4pPr>
+            <a:lvl5pPr>
+              <a:defRPr sz="1200"/>
+            </a:lvl5pPr>
+            <a:lvl6pPr>
+              <a:defRPr sz="1200"/>
+            </a:lvl6pPr>
+            <a:lvl7pPr>
+              <a:defRPr sz="1200"/>
+            </a:lvl7pPr>
+            <a:lvl8pPr>
+              <a:defRPr sz="1200"/>
+            </a:lvl8pPr>
+            <a:lvl9pPr>
+              <a:defRPr sz="1200"/>
+            </a:lvl9pPr>
+          </a:lstStyle>
+          <a:p>
+            <a:pPr lvl="0"/>
+            <a:r>
+              <a:rPr lang="en-US"/>
+              <a:t>Edit Master text styles</a:t>
+            </a:r>
+          </a:p>
+          <a:p>
+            <a:pPr lvl="1"/>
+            <a:r>
+              <a:rPr lang="en-US"/>
+              <a:t>Second level</a:t>
+            </a:r>
+          </a:p>
+          <a:p>
+            <a:pPr lvl="2"/>
+            <a:r>
+              <a:rPr lang="en-US"/>
+              <a:t>Third level</a:t>
+            </a:r>
+          </a:p>
+          <a:p>
+            <a:pPr lvl="3"/>
+            <a:r>
+              <a:rPr lang="en-US"/>
+              <a:t>Fourth level</a:t>
+            </a:r>
+          </a:p>
+          <a:p>
+            <a:pPr lvl="4"/>
+            <a:r>
+              <a:rPr lang="en-US"/>
+              <a:t>Fifth level</a:t>
+            </a:r>
+            <a:endParaRPr lang="en-US" dirty="0"/>
+          </a:p>
+        </p:txBody>
+      </p:sp>
+      <p:sp>
+        <p:nvSpPr>
+          <p:cNvPr id="5" name="Date Placeholder 4"/>
+          <p:cNvSpPr>
+            <a:spLocks noGrp="1"/>
+          </p:cNvSpPr>
+          <p:nvPr>
+            <p:ph type="dt" sz="half" idx="10"/>
+          </p:nvPr>
+        </p:nvSpPr>
+        <p:spPr/>
+        <p:txBody>
           <a:bodyPr/>
           <a:lstStyle/>
           <a:p>
-            <a:pPr lvl="0"/>
-            <a:r>
-              <a:rPr lang="en-US"/>
-              <a:t>Edit Master text styles</a:t>
-            </a:r>
-          </a:p>
-          <a:p>
-            <a:pPr lvl="1"/>
-            <a:r>
-              <a:rPr lang="en-US"/>
-              <a:t>Second level</a:t>
-            </a:r>
-          </a:p>
-          <a:p>
-            <a:pPr lvl="2"/>
-            <a:r>
-              <a:rPr lang="en-US"/>
-              <a:t>Third level</a:t>
-            </a:r>
-          </a:p>
-          <a:p>
-            <a:pPr lvl="3"/>
-            <a:r>
-              <a:rPr lang="en-US"/>
-              <a:t>Fourth level</a:t>
-            </a:r>
-          </a:p>
-          <a:p>
-            <a:pPr lvl="4"/>
-            <a:r>
-              <a:rPr lang="en-US"/>
-              <a:t>Fifth level</a:t>
-            </a:r>
-            <a:endParaRPr lang="en-US" dirty="0"/>
-          </a:p>
-        </p:txBody>
-      </p:sp>
-      <p:sp>
-        <p:nvSpPr>
-          <p:cNvPr id="4" name="Content Placeholder 3"/>
-          <p:cNvSpPr>
-            <a:spLocks noGrp="1"/>
-          </p:cNvSpPr>
-          <p:nvPr>
-            <p:ph sz="half" idx="2"/>
-          </p:nvPr>
-        </p:nvSpPr>
-        <p:spPr>
-          <a:xfrm>
-            <a:off x="6172200" y="2194559"/>
-            <a:ext cx="5334000" cy="4024125"/>
-          </a:xfrm>
-        </p:spPr>
-        <p:txBody>
-          <a:bodyPr/>
-          <a:lstStyle/>
-          <a:p>
-            <a:pPr lvl="0"/>
-            <a:r>
-              <a:rPr lang="en-US"/>
-              <a:t>Edit Master text styles</a:t>
-            </a:r>
-          </a:p>
-          <a:p>
-            <a:pPr lvl="1"/>
-            <a:r>
-              <a:rPr lang="en-US"/>
-              <a:t>Second level</a:t>
-            </a:r>
-          </a:p>
-          <a:p>
-            <a:pPr lvl="2"/>
-            <a:r>
-              <a:rPr lang="en-US"/>
-              <a:t>Third level</a:t>
-            </a:r>
-          </a:p>
-          <a:p>
-            <a:pPr lvl="3"/>
-            <a:r>
-              <a:rPr lang="en-US"/>
-              <a:t>Fourth level</a:t>
-            </a:r>
-          </a:p>
-          <a:p>
-            <a:pPr lvl="4"/>
-            <a:r>
-              <a:rPr lang="en-US"/>
-              <a:t>Fifth level</a:t>
-            </a:r>
-            <a:endParaRPr lang="en-US" dirty="0"/>
-          </a:p>
-        </p:txBody>
-      </p:sp>
-      <p:sp>
-        <p:nvSpPr>
-          <p:cNvPr id="5" name="Date Placeholder 4"/>
-          <p:cNvSpPr>
-            <a:spLocks noGrp="1"/>
-          </p:cNvSpPr>
-          <p:nvPr>
-            <p:ph type="dt" sz="half" idx="10"/>
-          </p:nvPr>
-        </p:nvSpPr>
-        <p:spPr/>
-        <p:txBody>
-          <a:bodyPr/>
-          <a:lstStyle/>
-          <a:p>
             <a:fld id="{EA214324-8AD7-40FD-9D6E-8B26C6988FCC}" type="datetimeFigureOut">
               <a:rPr lang="en-US" smtClean="0"/>
-              <a:t>6/24/2019</a:t>
+              <a:t>6/25/2019</a:t>
             </a:fld>
             <a:endParaRPr lang="en-US"/>
           </a:p>
@@ -4062,7 +3994,7 @@
     </p:spTree>
     <p:extLst>
       <p:ext uri="{BB962C8B-B14F-4D97-AF65-F5344CB8AC3E}">
-        <p14:creationId xmlns:p14="http://schemas.microsoft.com/office/powerpoint/2010/main" val="3499637027"/>
+        <p14:creationId xmlns:p14="http://schemas.microsoft.com/office/powerpoint/2010/main" val="444208656"/>
       </p:ext>
     </p:extLst>
   </p:cSld>
@@ -4099,50 +4031,52 @@
             <p:ph type="title"/>
           </p:nvPr>
         </p:nvSpPr>
+        <p:spPr/>
+        <p:txBody>
+          <a:bodyPr/>
+          <a:lstStyle>
+            <a:lvl1pPr>
+              <a:defRPr/>
+            </a:lvl1pPr>
+          </a:lstStyle>
+          <a:p>
+            <a:r>
+              <a:rPr lang="en-US"/>
+              <a:t>Click to edit Master title style</a:t>
+            </a:r>
+            <a:endParaRPr lang="en-US" dirty="0"/>
+          </a:p>
+        </p:txBody>
+      </p:sp>
+      <p:sp>
+        <p:nvSpPr>
+          <p:cNvPr id="3" name="Text Placeholder 2"/>
+          <p:cNvSpPr>
+            <a:spLocks noGrp="1"/>
+          </p:cNvSpPr>
+          <p:nvPr>
+            <p:ph type="body" idx="1"/>
+          </p:nvPr>
+        </p:nvSpPr>
         <p:spPr>
           <a:xfrm>
-            <a:off x="2895600" y="762000"/>
-            <a:ext cx="8610600" cy="1295400"/>
+            <a:off x="1103313" y="1905000"/>
+            <a:ext cx="4396338" cy="576262"/>
           </a:xfrm>
         </p:spPr>
         <p:txBody>
-          <a:bodyPr/>
-          <a:lstStyle/>
-          <a:p>
-            <a:r>
-              <a:rPr lang="en-US"/>
-              <a:t>Click to edit Master title style</a:t>
-            </a:r>
-            <a:endParaRPr lang="en-US" dirty="0"/>
-          </a:p>
-        </p:txBody>
-      </p:sp>
-      <p:sp>
-        <p:nvSpPr>
-          <p:cNvPr id="3" name="Text Placeholder 2"/>
-          <p:cNvSpPr>
-            <a:spLocks noGrp="1"/>
-          </p:cNvSpPr>
-          <p:nvPr>
-            <p:ph type="body" idx="1"/>
-          </p:nvPr>
-        </p:nvSpPr>
-        <p:spPr>
-          <a:xfrm>
-            <a:off x="914409" y="2183802"/>
-            <a:ext cx="5079991" cy="823912"/>
-          </a:xfrm>
-        </p:spPr>
-        <p:txBody>
           <a:bodyPr anchor="b">
-            <a:normAutofit/>
+            <a:noAutofit/>
           </a:bodyPr>
           <a:lstStyle>
             <a:lvl1pPr marL="0" indent="0">
               <a:buNone/>
-              <a:defRPr sz="2800" b="0">
+              <a:defRPr sz="2400" b="0">
                 <a:solidFill>
-                  <a:schemeClr val="tx1"/>
+                  <a:schemeClr val="bg2">
+                    <a:lumMod val="40000"/>
+                    <a:lumOff val="60000"/>
+                  </a:schemeClr>
                 </a:solidFill>
               </a:defRPr>
             </a:lvl1pPr>
@@ -4200,77 +4134,110 @@
         </p:nvSpPr>
         <p:spPr>
           <a:xfrm>
-            <a:off x="685800" y="3132666"/>
-            <a:ext cx="5311775" cy="3086019"/>
+            <a:off x="1103312" y="2514600"/>
+            <a:ext cx="4396339" cy="3741738"/>
           </a:xfrm>
         </p:spPr>
         <p:txBody>
-          <a:bodyPr/>
-          <a:lstStyle/>
-          <a:p>
-            <a:pPr lvl="0"/>
-            <a:r>
-              <a:rPr lang="en-US"/>
-              <a:t>Edit Master text styles</a:t>
-            </a:r>
-          </a:p>
-          <a:p>
-            <a:pPr lvl="1"/>
-            <a:r>
-              <a:rPr lang="en-US"/>
-              <a:t>Second level</a:t>
-            </a:r>
-          </a:p>
-          <a:p>
-            <a:pPr lvl="2"/>
-            <a:r>
-              <a:rPr lang="en-US"/>
-              <a:t>Third level</a:t>
-            </a:r>
-          </a:p>
-          <a:p>
-            <a:pPr lvl="3"/>
-            <a:r>
-              <a:rPr lang="en-US"/>
-              <a:t>Fourth level</a:t>
-            </a:r>
-          </a:p>
-          <a:p>
-            <a:pPr lvl="4"/>
-            <a:r>
-              <a:rPr lang="en-US"/>
-              <a:t>Fifth level</a:t>
-            </a:r>
-            <a:endParaRPr lang="en-US" dirty="0"/>
-          </a:p>
-        </p:txBody>
-      </p:sp>
-      <p:sp>
-        <p:nvSpPr>
-          <p:cNvPr id="5" name="Text Placeholder 4"/>
-          <p:cNvSpPr>
-            <a:spLocks noGrp="1"/>
-          </p:cNvSpPr>
-          <p:nvPr>
-            <p:ph type="body" sz="quarter" idx="3"/>
-          </p:nvPr>
-        </p:nvSpPr>
-        <p:spPr>
-          <a:xfrm>
-            <a:off x="6400800" y="2183802"/>
-            <a:ext cx="5105400" cy="823912"/>
-          </a:xfrm>
-        </p:spPr>
-        <p:txBody>
-          <a:bodyPr anchor="b">
+          <a:bodyPr>
             <a:normAutofit/>
           </a:bodyPr>
           <a:lstStyle>
+            <a:lvl1pPr>
+              <a:defRPr sz="1800"/>
+            </a:lvl1pPr>
+            <a:lvl2pPr>
+              <a:defRPr sz="1600"/>
+            </a:lvl2pPr>
+            <a:lvl3pPr>
+              <a:defRPr sz="1400"/>
+            </a:lvl3pPr>
+            <a:lvl4pPr>
+              <a:defRPr sz="1200"/>
+            </a:lvl4pPr>
+            <a:lvl5pPr>
+              <a:defRPr sz="1200"/>
+            </a:lvl5pPr>
+            <a:lvl6pPr>
+              <a:defRPr sz="1200"/>
+            </a:lvl6pPr>
+            <a:lvl7pPr>
+              <a:defRPr sz="1200"/>
+            </a:lvl7pPr>
+            <a:lvl8pPr>
+              <a:defRPr sz="1200"/>
+            </a:lvl8pPr>
+            <a:lvl9pPr>
+              <a:defRPr sz="1200"/>
+            </a:lvl9pPr>
+          </a:lstStyle>
+          <a:p>
+            <a:pPr lvl="0"/>
+            <a:r>
+              <a:rPr lang="en-US"/>
+              <a:t>Edit Master text styles</a:t>
+            </a:r>
+          </a:p>
+          <a:p>
+            <a:pPr lvl="1"/>
+            <a:r>
+              <a:rPr lang="en-US"/>
+              <a:t>Second level</a:t>
+            </a:r>
+          </a:p>
+          <a:p>
+            <a:pPr lvl="2"/>
+            <a:r>
+              <a:rPr lang="en-US"/>
+              <a:t>Third level</a:t>
+            </a:r>
+          </a:p>
+          <a:p>
+            <a:pPr lvl="3"/>
+            <a:r>
+              <a:rPr lang="en-US"/>
+              <a:t>Fourth level</a:t>
+            </a:r>
+          </a:p>
+          <a:p>
+            <a:pPr lvl="4"/>
+            <a:r>
+              <a:rPr lang="en-US"/>
+              <a:t>Fifth level</a:t>
+            </a:r>
+            <a:endParaRPr lang="en-US" dirty="0"/>
+          </a:p>
+        </p:txBody>
+      </p:sp>
+      <p:sp>
+        <p:nvSpPr>
+          <p:cNvPr id="5" name="Text Placeholder 4"/>
+          <p:cNvSpPr>
+            <a:spLocks noGrp="1"/>
+          </p:cNvSpPr>
+          <p:nvPr>
+            <p:ph type="body" sz="quarter" idx="3"/>
+          </p:nvPr>
+        </p:nvSpPr>
+        <p:spPr>
+          <a:xfrm>
+            <a:off x="5654495" y="1905000"/>
+            <a:ext cx="4396339" cy="576262"/>
+          </a:xfrm>
+        </p:spPr>
+        <p:txBody>
+          <a:bodyPr anchor="b">
+            <a:noAutofit/>
+          </a:bodyPr>
+          <a:lstStyle>
             <a:lvl1pPr marL="0" indent="0">
               <a:buNone/>
-              <a:defRPr sz="2800" b="0">
+              <a:defRPr sz="2400" b="0">
                 <a:solidFill>
-                  <a:schemeClr val="tx1"/>
+                  <a:schemeClr val="bg2">
+                    <a:lumMod val="40000"/>
+                    <a:lumOff val="60000"/>
+                  </a:schemeClr>
                 </a:solidFill>
               </a:defRPr>
             </a:lvl1pPr>
@@ -4328,69 +4295,99 @@
         </p:nvSpPr>
         <p:spPr>
           <a:xfrm>
-            <a:off x="6172200" y="3132666"/>
-            <a:ext cx="5334000" cy="3086019"/>
+            <a:off x="5654495" y="2514600"/>
+            <a:ext cx="4396339" cy="3741738"/>
           </a:xfrm>
         </p:spPr>
         <p:txBody>
+          <a:bodyPr>
+            <a:normAutofit/>
+          </a:bodyPr>
+          <a:lstStyle>
+            <a:lvl1pPr>
+              <a:defRPr sz="1800"/>
+            </a:lvl1pPr>
+            <a:lvl2pPr>
+              <a:defRPr sz="1600"/>
+            </a:lvl2pPr>
+            <a:lvl3pPr>
+              <a:defRPr sz="1400"/>
+            </a:lvl3pPr>
+            <a:lvl4pPr>
+              <a:defRPr sz="1200"/>
+            </a:lvl4pPr>
+            <a:lvl5pPr>
+              <a:defRPr sz="1200"/>
+            </a:lvl5pPr>
+            <a:lvl6pPr>
+              <a:defRPr sz="1200"/>
+            </a:lvl6pPr>
+            <a:lvl7pPr>
+              <a:defRPr sz="1200"/>
+            </a:lvl7pPr>
+            <a:lvl8pPr>
+              <a:defRPr sz="1200"/>
+            </a:lvl8pPr>
+            <a:lvl9pPr>
+              <a:defRPr sz="1200"/>
+            </a:lvl9pPr>
+          </a:lstStyle>
+          <a:p>
+            <a:pPr lvl="0"/>
+            <a:r>
+              <a:rPr lang="en-US"/>
+              <a:t>Edit Master text styles</a:t>
+            </a:r>
+          </a:p>
+          <a:p>
+            <a:pPr lvl="1"/>
+            <a:r>
+              <a:rPr lang="en-US"/>
+              <a:t>Second level</a:t>
+            </a:r>
+          </a:p>
+          <a:p>
+            <a:pPr lvl="2"/>
+            <a:r>
+              <a:rPr lang="en-US"/>
+              <a:t>Third level</a:t>
+            </a:r>
+          </a:p>
+          <a:p>
+            <a:pPr lvl="3"/>
+            <a:r>
+              <a:rPr lang="en-US"/>
+              <a:t>Fourth level</a:t>
+            </a:r>
+          </a:p>
+          <a:p>
+            <a:pPr lvl="4"/>
+            <a:r>
+              <a:rPr lang="en-US"/>
+              <a:t>Fifth level</a:t>
+            </a:r>
+            <a:endParaRPr lang="en-US" dirty="0"/>
+          </a:p>
+        </p:txBody>
+      </p:sp>
+      <p:sp>
+        <p:nvSpPr>
+          <p:cNvPr id="7" name="Date Placeholder 6"/>
+          <p:cNvSpPr>
+            <a:spLocks noGrp="1"/>
+          </p:cNvSpPr>
+          <p:nvPr>
+            <p:ph type="dt" sz="half" idx="10"/>
+          </p:nvPr>
+        </p:nvSpPr>
+        <p:spPr/>
+        <p:txBody>
           <a:bodyPr/>
           <a:lstStyle/>
           <a:p>
-            <a:pPr lvl="0"/>
-            <a:r>
-              <a:rPr lang="en-US"/>
-              <a:t>Edit Master text styles</a:t>
-            </a:r>
-          </a:p>
-          <a:p>
-            <a:pPr lvl="1"/>
-            <a:r>
-              <a:rPr lang="en-US"/>
-              <a:t>Second level</a:t>
-            </a:r>
-          </a:p>
-          <a:p>
-            <a:pPr lvl="2"/>
-            <a:r>
-              <a:rPr lang="en-US"/>
-              <a:t>Third level</a:t>
-            </a:r>
-          </a:p>
-          <a:p>
-            <a:pPr lvl="3"/>
-            <a:r>
-              <a:rPr lang="en-US"/>
-              <a:t>Fourth level</a:t>
-            </a:r>
-          </a:p>
-          <a:p>
-            <a:pPr lvl="4"/>
-            <a:r>
-              <a:rPr lang="en-US"/>
-              <a:t>Fifth level</a:t>
-            </a:r>
-            <a:endParaRPr lang="en-US" dirty="0"/>
-          </a:p>
-        </p:txBody>
-      </p:sp>
-      <p:sp>
-        <p:nvSpPr>
-          <p:cNvPr id="7" name="Date Placeholder 6"/>
-          <p:cNvSpPr>
-            <a:spLocks noGrp="1"/>
-          </p:cNvSpPr>
-          <p:nvPr>
-            <p:ph type="dt" sz="half" idx="10"/>
-          </p:nvPr>
-        </p:nvSpPr>
-        <p:spPr/>
-        <p:txBody>
-          <a:bodyPr/>
-          <a:lstStyle/>
-          <a:p>
             <a:fld id="{EA214324-8AD7-40FD-9D6E-8B26C6988FCC}" type="datetimeFigureOut">
               <a:rPr lang="en-US" smtClean="0"/>
-              <a:t>6/24/2019</a:t>
+              <a:t>6/25/2019</a:t>
             </a:fld>
             <a:endParaRPr lang="en-US"/>
           </a:p>
@@ -4441,7 +4438,7 @@
     </p:spTree>
     <p:extLst>
       <p:ext uri="{BB962C8B-B14F-4D97-AF65-F5344CB8AC3E}">
-        <p14:creationId xmlns:p14="http://schemas.microsoft.com/office/powerpoint/2010/main" val="710589720"/>
+        <p14:creationId xmlns:p14="http://schemas.microsoft.com/office/powerpoint/2010/main" val="3424418578"/>
       </p:ext>
     </p:extLst>
   </p:cSld>
@@ -4493,7 +4490,7 @@
       </p:sp>
       <p:sp>
         <p:nvSpPr>
-          <p:cNvPr id="3" name="Date Placeholder 2"/>
+          <p:cNvPr id="7" name="Date Placeholder 2"/>
           <p:cNvSpPr>
             <a:spLocks noGrp="1"/>
           </p:cNvSpPr>
@@ -4508,7 +4505,7 @@
           <a:p>
             <a:fld id="{EA214324-8AD7-40FD-9D6E-8B26C6988FCC}" type="datetimeFigureOut">
               <a:rPr lang="en-US" smtClean="0"/>
-              <a:t>6/24/2019</a:t>
+              <a:t>6/25/2019</a:t>
             </a:fld>
             <a:endParaRPr lang="en-US"/>
           </a:p>
@@ -4516,7 +4513,7 @@
       </p:sp>
       <p:sp>
         <p:nvSpPr>
-          <p:cNvPr id="4" name="Footer Placeholder 3"/>
+          <p:cNvPr id="5" name="Footer Placeholder 3"/>
           <p:cNvSpPr>
             <a:spLocks noGrp="1"/>
           </p:cNvSpPr>
@@ -4535,7 +4532,7 @@
       </p:sp>
       <p:sp>
         <p:nvSpPr>
-          <p:cNvPr id="5" name="Slide Number Placeholder 4"/>
+          <p:cNvPr id="6" name="Slide Number Placeholder 4"/>
           <p:cNvSpPr>
             <a:spLocks noGrp="1"/>
           </p:cNvSpPr>
@@ -4559,7 +4556,7 @@
     </p:spTree>
     <p:extLst>
       <p:ext uri="{BB962C8B-B14F-4D97-AF65-F5344CB8AC3E}">
-        <p14:creationId xmlns:p14="http://schemas.microsoft.com/office/powerpoint/2010/main" val="1413705442"/>
+        <p14:creationId xmlns:p14="http://schemas.microsoft.com/office/powerpoint/2010/main" val="2459382312"/>
       </p:ext>
     </p:extLst>
   </p:cSld>
@@ -4588,7 +4585,7 @@
       </p:grpSpPr>
       <p:sp>
         <p:nvSpPr>
-          <p:cNvPr id="2" name="Date Placeholder 1"/>
+          <p:cNvPr id="7" name="Date Placeholder 1"/>
           <p:cNvSpPr>
             <a:spLocks noGrp="1"/>
           </p:cNvSpPr>
@@ -4603,7 +4600,7 @@
           <a:p>
             <a:fld id="{EA214324-8AD7-40FD-9D6E-8B26C6988FCC}" type="datetimeFigureOut">
               <a:rPr lang="en-US" smtClean="0"/>
-              <a:t>6/24/2019</a:t>
+              <a:t>6/25/2019</a:t>
             </a:fld>
             <a:endParaRPr lang="en-US"/>
           </a:p>
@@ -4611,7 +4608,7 @@
       </p:sp>
       <p:sp>
         <p:nvSpPr>
-          <p:cNvPr id="3" name="Footer Placeholder 2"/>
+          <p:cNvPr id="5" name="Footer Placeholder 2"/>
           <p:cNvSpPr>
             <a:spLocks noGrp="1"/>
           </p:cNvSpPr>
@@ -4630,7 +4627,7 @@
       </p:sp>
       <p:sp>
         <p:nvSpPr>
-          <p:cNvPr id="4" name="Slide Number Placeholder 3"/>
+          <p:cNvPr id="6" name="Slide Number Placeholder 3"/>
           <p:cNvSpPr>
             <a:spLocks noGrp="1"/>
           </p:cNvSpPr>
@@ -4654,7 +4651,7 @@
     </p:spTree>
     <p:extLst>
       <p:ext uri="{BB962C8B-B14F-4D97-AF65-F5344CB8AC3E}">
-        <p14:creationId xmlns:p14="http://schemas.microsoft.com/office/powerpoint/2010/main" val="430030479"/>
+        <p14:creationId xmlns:p14="http://schemas.microsoft.com/office/powerpoint/2010/main" val="3001239224"/>
       </p:ext>
     </p:extLst>
   </p:cSld>
@@ -4693,15 +4690,15 @@
         </p:nvSpPr>
         <p:spPr>
           <a:xfrm>
-            <a:off x="685800" y="1524000"/>
-            <a:ext cx="4114800" cy="1600200"/>
+            <a:off x="1154953" y="1447800"/>
+            <a:ext cx="3401064" cy="1447800"/>
           </a:xfrm>
         </p:spPr>
         <p:txBody>
           <a:bodyPr anchor="b"/>
           <a:lstStyle>
             <a:lvl1pPr algn="l">
-              <a:defRPr sz="3200"/>
+              <a:defRPr sz="2400" b="0"/>
             </a:lvl1pPr>
           </a:lstStyle>
           <a:p>
@@ -4725,13 +4722,43 @@
         </p:nvSpPr>
         <p:spPr>
           <a:xfrm>
-            <a:off x="4995582" y="746759"/>
-            <a:ext cx="6510618" cy="5471925"/>
+            <a:off x="4784616" y="1447800"/>
+            <a:ext cx="5195997" cy="4572000"/>
           </a:xfrm>
         </p:spPr>
         <p:txBody>
-          <a:bodyPr anchor="ctr"/>
-          <a:lstStyle/>
+          <a:bodyPr anchor="ctr">
+            <a:normAutofit/>
+          </a:bodyPr>
+          <a:lstStyle>
+            <a:lvl1pPr>
+              <a:defRPr sz="2000"/>
+            </a:lvl1pPr>
+            <a:lvl2pPr>
+              <a:defRPr sz="1800"/>
+            </a:lvl2pPr>
+            <a:lvl3pPr>
+              <a:defRPr sz="1600"/>
+            </a:lvl3pPr>
+            <a:lvl4pPr>
+              <a:defRPr sz="1400"/>
+            </a:lvl4pPr>
+            <a:lvl5pPr>
+              <a:defRPr sz="1400"/>
+            </a:lvl5pPr>
+            <a:lvl6pPr>
+              <a:defRPr sz="1400"/>
+            </a:lvl6pPr>
+            <a:lvl7pPr>
+              <a:defRPr sz="1400"/>
+            </a:lvl7pPr>
+            <a:lvl8pPr>
+              <a:defRPr sz="1400"/>
+            </a:lvl8pPr>
+            <a:lvl9pPr>
+              <a:defRPr sz="1400"/>
+            </a:lvl9pPr>
+          </a:lstStyle>
           <a:p>
             <a:pPr lvl="0"/>
             <a:r>
@@ -4782,8 +4809,8 @@
         </p:nvSpPr>
         <p:spPr>
           <a:xfrm>
-            <a:off x="685800" y="3124199"/>
-            <a:ext cx="4114800" cy="3094485"/>
+            <a:off x="1154953" y="3129280"/>
+            <a:ext cx="3401063" cy="2895599"/>
           </a:xfrm>
         </p:spPr>
         <p:txBody>
@@ -4791,39 +4818,39 @@
           <a:lstStyle>
             <a:lvl1pPr marL="0" indent="0">
               <a:buNone/>
-              <a:defRPr sz="1600"/>
+              <a:defRPr sz="1400"/>
             </a:lvl1pPr>
             <a:lvl2pPr marL="457200" indent="0">
               <a:buNone/>
-              <a:defRPr sz="1400"/>
+              <a:defRPr sz="1200"/>
             </a:lvl2pPr>
             <a:lvl3pPr marL="914400" indent="0">
               <a:buNone/>
-              <a:defRPr sz="1200"/>
+              <a:defRPr sz="1000"/>
             </a:lvl3pPr>
             <a:lvl4pPr marL="1371600" indent="0">
               <a:buNone/>
-              <a:defRPr sz="1000"/>
+              <a:defRPr sz="900"/>
             </a:lvl4pPr>
             <a:lvl5pPr marL="1828800" indent="0">
               <a:buNone/>
-              <a:defRPr sz="1000"/>
+              <a:defRPr sz="900"/>
             </a:lvl5pPr>
             <a:lvl6pPr marL="2286000" indent="0">
               <a:buNone/>
-              <a:defRPr sz="1000"/>
+              <a:defRPr sz="900"/>
             </a:lvl6pPr>
             <a:lvl7pPr marL="2743200" indent="0">
               <a:buNone/>
-              <a:defRPr sz="1000"/>
+              <a:defRPr sz="900"/>
             </a:lvl7pPr>
             <a:lvl8pPr marL="3200400" indent="0">
               <a:buNone/>
-              <a:defRPr sz="1000"/>
+              <a:defRPr sz="900"/>
             </a:lvl8pPr>
             <a:lvl9pPr marL="3657600" indent="0">
               <a:buNone/>
-              <a:defRPr sz="1000"/>
+              <a:defRPr sz="900"/>
             </a:lvl9pPr>
           </a:lstStyle>
           <a:p>
@@ -4837,7 +4864,7 @@
       </p:sp>
       <p:sp>
         <p:nvSpPr>
-          <p:cNvPr id="5" name="Date Placeholder 4"/>
+          <p:cNvPr id="7" name="Date Placeholder 4"/>
           <p:cNvSpPr>
             <a:spLocks noGrp="1"/>
           </p:cNvSpPr>
@@ -4852,7 +4879,7 @@
           <a:p>
             <a:fld id="{EA214324-8AD7-40FD-9D6E-8B26C6988FCC}" type="datetimeFigureOut">
               <a:rPr lang="en-US" smtClean="0"/>
-              <a:t>6/24/2019</a:t>
+              <a:t>6/25/2019</a:t>
             </a:fld>
             <a:endParaRPr lang="en-US"/>
           </a:p>
@@ -4860,7 +4887,7 @@
       </p:sp>
       <p:sp>
         <p:nvSpPr>
-          <p:cNvPr id="6" name="Footer Placeholder 5"/>
+          <p:cNvPr id="5" name="Footer Placeholder 5"/>
           <p:cNvSpPr>
             <a:spLocks noGrp="1"/>
           </p:cNvSpPr>
@@ -4879,7 +4906,7 @@
       </p:sp>
       <p:sp>
         <p:nvSpPr>
-          <p:cNvPr id="7" name="Slide Number Placeholder 6"/>
+          <p:cNvPr id="6" name="Slide Number Placeholder 6"/>
           <p:cNvSpPr>
             <a:spLocks noGrp="1"/>
           </p:cNvSpPr>
@@ -4903,7 +4930,7 @@
     </p:spTree>
     <p:extLst>
       <p:ext uri="{BB962C8B-B14F-4D97-AF65-F5344CB8AC3E}">
-        <p14:creationId xmlns:p14="http://schemas.microsoft.com/office/powerpoint/2010/main" val="3566824971"/>
+        <p14:creationId xmlns:p14="http://schemas.microsoft.com/office/powerpoint/2010/main" val="1657093870"/>
       </p:ext>
     </p:extLst>
   </p:cSld>
@@ -4942,15 +4969,17 @@
         </p:nvSpPr>
         <p:spPr>
           <a:xfrm>
-            <a:off x="685800" y="1524000"/>
-            <a:ext cx="6873240" cy="1600200"/>
+            <a:off x="1153907" y="1854192"/>
+            <a:ext cx="5092906" cy="1574808"/>
           </a:xfrm>
         </p:spPr>
         <p:txBody>
-          <a:bodyPr anchor="b"/>
+          <a:bodyPr anchor="b">
+            <a:normAutofit/>
+          </a:bodyPr>
           <a:lstStyle>
             <a:lvl1pPr algn="l">
-              <a:defRPr sz="3200"/>
+              <a:defRPr sz="3600" b="0"/>
             </a:lvl1pPr>
           </a:lstStyle>
           <a:p>
@@ -4974,116 +5003,132 @@
         </p:nvSpPr>
         <p:spPr>
           <a:xfrm>
-            <a:off x="7861238" y="751241"/>
-            <a:ext cx="3644962" cy="5467443"/>
+            <a:off x="6949546" y="1143000"/>
+            <a:ext cx="3200400" cy="4572000"/>
           </a:xfrm>
+          <a:prstGeom prst="roundRect">
+            <a:avLst>
+              <a:gd name="adj" fmla="val 1858"/>
+            </a:avLst>
+          </a:prstGeom>
+          <a:effectLst>
+            <a:outerShdw blurRad="50800" dist="50800" dir="5400000" algn="tl" rotWithShape="0">
+              <a:srgbClr val="000000">
+                <a:alpha val="43000"/>
+              </a:srgbClr>
+            </a:outerShdw>
+          </a:effectLst>
         </p:spPr>
         <p:txBody>
-          <a:bodyPr anchor="t"/>
+          <a:bodyPr anchor="t">
+            <a:normAutofit/>
+          </a:bodyPr>
           <a:lstStyle>
-            <a:lvl1pPr marL="0" indent="0">
-              <a:buNone/>
-              <a:defRPr sz="3200"/>
-            </a:lvl1pPr>
-            <a:lvl2pPr marL="457200" indent="0">
-              <a:buNone/>
-              <a:defRPr sz="2800"/>
-            </a:lvl2pPr>
-            <a:lvl3pPr marL="914400" indent="0">
-              <a:buNone/>
-              <a:defRPr sz="2400"/>
-            </a:lvl3pPr>
-            <a:lvl4pPr marL="1371600" indent="0">
-              <a:buNone/>
-              <a:defRPr sz="2000"/>
-            </a:lvl4pPr>
-            <a:lvl5pPr marL="1828800" indent="0">
-              <a:buNone/>
-              <a:defRPr sz="2000"/>
-            </a:lvl5pPr>
-            <a:lvl6pPr marL="2286000" indent="0">
-              <a:buNone/>
-              <a:defRPr sz="2000"/>
-            </a:lvl6pPr>
-            <a:lvl7pPr marL="2743200" indent="0">
-              <a:buNone/>
-              <a:defRPr sz="2000"/>
-            </a:lvl7pPr>
-            <a:lvl8pPr marL="3200400" indent="0">
-              <a:buNone/>
-              <a:defRPr sz="2000"/>
-            </a:lvl8pPr>
-            <a:lvl9pPr marL="3657600" indent="0">
-              <a:buNone/>
-              <a:defRPr sz="2000"/>
-            </a:lvl9pPr>
-          </a:lstStyle>
-          <a:p>
-            <a:r>
-              <a:rPr lang="en-US"/>
-              <a:t>Click icon to add picture</a:t>
-            </a:r>
-            <a:endParaRPr lang="en-US" dirty="0"/>
-          </a:p>
-        </p:txBody>
-      </p:sp>
-      <p:sp>
-        <p:nvSpPr>
-          <p:cNvPr id="4" name="Text Placeholder 3"/>
-          <p:cNvSpPr>
-            <a:spLocks noGrp="1"/>
-          </p:cNvSpPr>
-          <p:nvPr>
-            <p:ph type="body" sz="half" idx="2"/>
-          </p:nvPr>
-        </p:nvSpPr>
-        <p:spPr>
-          <a:xfrm>
-            <a:off x="685800" y="3124199"/>
-            <a:ext cx="6873240" cy="3094485"/>
-          </a:xfrm>
-        </p:spPr>
-        <p:txBody>
-          <a:bodyPr/>
-          <a:lstStyle>
-            <a:lvl1pPr marL="0" indent="0">
+            <a:lvl1pPr marL="0" indent="0" algn="ctr">
               <a:buNone/>
               <a:defRPr sz="1600"/>
             </a:lvl1pPr>
             <a:lvl2pPr marL="457200" indent="0">
               <a:buNone/>
-              <a:defRPr sz="1400"/>
+              <a:defRPr sz="1600"/>
             </a:lvl2pPr>
             <a:lvl3pPr marL="914400" indent="0">
               <a:buNone/>
-              <a:defRPr sz="1200"/>
+              <a:defRPr sz="1600"/>
             </a:lvl3pPr>
             <a:lvl4pPr marL="1371600" indent="0">
               <a:buNone/>
-              <a:defRPr sz="1000"/>
+              <a:defRPr sz="1600"/>
             </a:lvl4pPr>
             <a:lvl5pPr marL="1828800" indent="0">
               <a:buNone/>
-              <a:defRPr sz="1000"/>
+              <a:defRPr sz="1600"/>
             </a:lvl5pPr>
             <a:lvl6pPr marL="2286000" indent="0">
               <a:buNone/>
-              <a:defRPr sz="1000"/>
+              <a:defRPr sz="1600"/>
             </a:lvl6pPr>
             <a:lvl7pPr marL="2743200" indent="0">
               <a:buNone/>
-              <a:defRPr sz="1000"/>
+              <a:defRPr sz="1600"/>
             </a:lvl7pPr>
             <a:lvl8pPr marL="3200400" indent="0">
               <a:buNone/>
-              <a:defRPr sz="1000"/>
+              <a:defRPr sz="1600"/>
             </a:lvl8pPr>
             <a:lvl9pPr marL="3657600" indent="0">
               <a:buNone/>
-              <a:defRPr sz="1000"/>
+              <a:defRPr sz="1600"/>
             </a:lvl9pPr>
           </a:lstStyle>
           <a:p>
+            <a:r>
+              <a:rPr lang="en-US"/>
+              <a:t>Click icon to add picture</a:t>
+            </a:r>
+            <a:endParaRPr lang="en-US" dirty="0"/>
+          </a:p>
+        </p:txBody>
+      </p:sp>
+      <p:sp>
+        <p:nvSpPr>
+          <p:cNvPr id="4" name="Text Placeholder 3"/>
+          <p:cNvSpPr>
+            <a:spLocks noGrp="1"/>
+          </p:cNvSpPr>
+          <p:nvPr>
+            <p:ph type="body" sz="half" idx="2"/>
+          </p:nvPr>
+        </p:nvSpPr>
+        <p:spPr>
+          <a:xfrm>
+            <a:off x="1154954" y="3657600"/>
+            <a:ext cx="5084979" cy="1371600"/>
+          </a:xfrm>
+        </p:spPr>
+        <p:txBody>
+          <a:bodyPr>
+            <a:normAutofit/>
+          </a:bodyPr>
+          <a:lstStyle>
+            <a:lvl1pPr marL="0" indent="0">
+              <a:buNone/>
+              <a:defRPr sz="1400"/>
+            </a:lvl1pPr>
+            <a:lvl2pPr marL="457200" indent="0">
+              <a:buNone/>
+              <a:defRPr sz="1200"/>
+            </a:lvl2pPr>
+            <a:lvl3pPr marL="914400" indent="0">
+              <a:buNone/>
+              <a:defRPr sz="1000"/>
+            </a:lvl3pPr>
+            <a:lvl4pPr marL="1371600" indent="0">
+              <a:buNone/>
+              <a:defRPr sz="900"/>
+            </a:lvl4pPr>
+            <a:lvl5pPr marL="1828800" indent="0">
+              <a:buNone/>
+              <a:defRPr sz="900"/>
+            </a:lvl5pPr>
+            <a:lvl6pPr marL="2286000" indent="0">
+              <a:buNone/>
+              <a:defRPr sz="900"/>
+            </a:lvl6pPr>
+            <a:lvl7pPr marL="2743200" indent="0">
+              <a:buNone/>
+              <a:defRPr sz="900"/>
+            </a:lvl7pPr>
+            <a:lvl8pPr marL="3200400" indent="0">
+              <a:buNone/>
+              <a:defRPr sz="900"/>
+            </a:lvl8pPr>
+            <a:lvl9pPr marL="3657600" indent="0">
+              <a:buNone/>
+              <a:defRPr sz="900"/>
+            </a:lvl9pPr>
+          </a:lstStyle>
+          <a:p>
             <a:pPr lvl="0"/>
             <a:r>
               <a:rPr lang="en-US"/>
@@ -5109,7 +5154,7 @@
           <a:p>
             <a:fld id="{EA214324-8AD7-40FD-9D6E-8B26C6988FCC}" type="datetimeFigureOut">
               <a:rPr lang="en-US" smtClean="0"/>
-              <a:t>6/24/2019</a:t>
+              <a:t>6/25/2019</a:t>
             </a:fld>
             <a:endParaRPr lang="en-US"/>
           </a:p>
@@ -5160,7 +5205,7 @@
     </p:spTree>
     <p:extLst>
       <p:ext uri="{BB962C8B-B14F-4D97-AF65-F5344CB8AC3E}">
-        <p14:creationId xmlns:p14="http://schemas.microsoft.com/office/powerpoint/2010/main" val="3370485845"/>
+        <p14:creationId xmlns:p14="http://schemas.microsoft.com/office/powerpoint/2010/main" val="2897733662"/>
       </p:ext>
     </p:extLst>
   </p:cSld>
@@ -5174,8 +5219,8 @@
 <p:sldMaster xmlns:a="http://schemas.openxmlformats.org/drawingml/2006/main" xmlns:r="http://schemas.openxmlformats.org/officeDocument/2006/relationships" xmlns:p="http://schemas.openxmlformats.org/presentationml/2006/main">
   <p:cSld>
     <p:bg>
-      <p:bgRef idx="1001">
-        <a:schemeClr val="bg1"/>
+      <p:bgRef idx="1003">
+        <a:schemeClr val="bg2"/>
       </p:bgRef>
     </p:bg>
     <p:spTree>
@@ -5194,13 +5239,13 @@
       </p:grpSpPr>
       <p:pic>
         <p:nvPicPr>
-          <p:cNvPr id="7" name="Picture 6" descr="C0-HD-TOP.png"/>
+          <p:cNvPr id="8" name="Picture 7"/>
           <p:cNvPicPr>
             <a:picLocks noChangeAspect="1"/>
           </p:cNvPicPr>
           <p:nvPr/>
         </p:nvPicPr>
-        <p:blipFill>
+        <p:blipFill rotWithShape="1">
           <a:blip r:embed="rId19">
             <a:extLst>
               <a:ext uri="{28A0092B-C50C-407E-A947-70E740481C1C}">
@@ -5208,139 +5253,404 @@
               </a:ext>
             </a:extLst>
           </a:blip>
-          <a:stretch>
-            <a:fillRect/>
-          </a:stretch>
+          <a:srcRect l="3613"/>
+          <a:stretch/>
         </p:blipFill>
         <p:spPr>
           <a:xfrm>
-            <a:off x="0" y="0"/>
-            <a:ext cx="12192000" cy="1441450"/>
+            <a:off x="0" y="2669685"/>
+            <a:ext cx="4037012" cy="4188315"/>
           </a:xfrm>
           <a:prstGeom prst="rect">
             <a:avLst/>
           </a:prstGeom>
         </p:spPr>
       </p:pic>
-      <p:sp>
-        <p:nvSpPr>
-          <p:cNvPr id="2" name="Title Placeholder 1"/>
-          <p:cNvSpPr>
-            <a:spLocks noGrp="1"/>
-          </p:cNvSpPr>
-          <p:nvPr>
-            <p:ph type="title"/>
-          </p:nvPr>
-        </p:nvSpPr>
+      <p:pic>
+        <p:nvPicPr>
+          <p:cNvPr id="7" name="Picture 6"/>
+          <p:cNvPicPr>
+            <a:picLocks noChangeAspect="1"/>
+          </p:cNvPicPr>
+          <p:nvPr/>
+        </p:nvPicPr>
+        <p:blipFill rotWithShape="1">
+          <a:blip r:embed="rId20">
+            <a:extLst>
+              <a:ext uri="{28A0092B-C50C-407E-A947-70E740481C1C}">
+                <a14:useLocalDpi xmlns:a14="http://schemas.microsoft.com/office/drawing/2010/main" val="0"/>
+              </a:ext>
+            </a:extLst>
+          </a:blip>
+          <a:srcRect l="35640"/>
+          <a:stretch/>
+        </p:blipFill>
         <p:spPr>
           <a:xfrm>
-            <a:off x="2895600" y="764373"/>
-            <a:ext cx="8610600" cy="1293028"/>
+            <a:off x="0" y="2892347"/>
+            <a:ext cx="1522412" cy="2365453"/>
           </a:xfrm>
           <a:prstGeom prst="rect">
             <a:avLst/>
           </a:prstGeom>
         </p:spPr>
-        <p:txBody>
-          <a:bodyPr vert="horz" lIns="91440" tIns="45720" rIns="91440" bIns="45720" rtlCol="0" anchor="ctr">
-            <a:normAutofit/>
-          </a:bodyPr>
-          <a:lstStyle/>
-          <a:p>
-            <a:r>
-              <a:rPr lang="en-US"/>
-              <a:t>Click to edit Master title style</a:t>
-            </a:r>
-            <a:endParaRPr lang="en-US" dirty="0"/>
-          </a:p>
-        </p:txBody>
-      </p:sp>
-      <p:sp>
-        <p:nvSpPr>
-          <p:cNvPr id="3" name="Text Placeholder 2"/>
-          <p:cNvSpPr>
-            <a:spLocks noGrp="1"/>
-          </p:cNvSpPr>
-          <p:nvPr>
-            <p:ph type="body" idx="1"/>
-          </p:nvPr>
+      </p:pic>
+      <p:sp>
+        <p:nvSpPr>
+          <p:cNvPr id="16" name="Oval 15"/>
+          <p:cNvSpPr/>
+          <p:nvPr/>
         </p:nvSpPr>
         <p:spPr>
           <a:xfrm>
-            <a:off x="685800" y="2194560"/>
-            <a:ext cx="10820400" cy="4024125"/>
+            <a:off x="8609012" y="1676400"/>
+            <a:ext cx="2819400" cy="2819400"/>
+          </a:xfrm>
+          <a:prstGeom prst="ellipse">
+            <a:avLst/>
+          </a:prstGeom>
+          <a:gradFill flip="none" rotWithShape="1">
+            <a:gsLst>
+              <a:gs pos="0">
+                <a:schemeClr val="bg2">
+                  <a:lumMod val="60000"/>
+                  <a:lumOff val="40000"/>
+                  <a:alpha val="7000"/>
+                </a:schemeClr>
+              </a:gs>
+              <a:gs pos="69000">
+                <a:schemeClr val="bg2">
+                  <a:lumMod val="60000"/>
+                  <a:lumOff val="40000"/>
+                  <a:alpha val="0"/>
+                </a:schemeClr>
+              </a:gs>
+              <a:gs pos="36000">
+                <a:schemeClr val="bg2">
+                  <a:lumMod val="60000"/>
+                  <a:lumOff val="40000"/>
+                  <a:alpha val="6000"/>
+                </a:schemeClr>
+              </a:gs>
+            </a:gsLst>
+            <a:path path="circle">
+              <a:fillToRect l="50000" t="50000" r="50000" b="50000"/>
+            </a:path>
+            <a:tileRect/>
+          </a:gradFill>
+          <a:ln>
+            <a:noFill/>
+          </a:ln>
+          <a:effectLst/>
+        </p:spPr>
+        <p:style>
+          <a:lnRef idx="1">
+            <a:schemeClr val="accent1"/>
+          </a:lnRef>
+          <a:fillRef idx="3">
+            <a:schemeClr val="accent1"/>
+          </a:fillRef>
+          <a:effectRef idx="2">
+            <a:schemeClr val="accent1"/>
+          </a:effectRef>
+          <a:fontRef idx="minor">
+            <a:schemeClr val="lt1"/>
+          </a:fontRef>
+        </p:style>
+      </p:sp>
+      <p:pic>
+        <p:nvPicPr>
+          <p:cNvPr id="9" name="Picture 8"/>
+          <p:cNvPicPr>
+            <a:picLocks noChangeAspect="1"/>
+          </p:cNvPicPr>
+          <p:nvPr/>
+        </p:nvPicPr>
+        <p:blipFill rotWithShape="1">
+          <a:blip r:embed="rId21">
+            <a:extLst>
+              <a:ext uri="{28A0092B-C50C-407E-A947-70E740481C1C}">
+                <a14:useLocalDpi xmlns:a14="http://schemas.microsoft.com/office/drawing/2010/main" val="0"/>
+              </a:ext>
+            </a:extLst>
+          </a:blip>
+          <a:srcRect t="28813"/>
+          <a:stretch/>
+        </p:blipFill>
+        <p:spPr>
+          <a:xfrm>
+            <a:off x="7999412" y="0"/>
+            <a:ext cx="1603387" cy="1141407"/>
           </a:xfrm>
           <a:prstGeom prst="rect">
             <a:avLst/>
           </a:prstGeom>
         </p:spPr>
-        <p:txBody>
-          <a:bodyPr vert="horz" lIns="91440" tIns="45720" rIns="91440" bIns="45720" rtlCol="0">
-            <a:normAutofit/>
-          </a:bodyPr>
-          <a:lstStyle/>
-          <a:p>
-            <a:pPr lvl="0"/>
-            <a:r>
-              <a:rPr lang="en-US"/>
-              <a:t>Edit Master text styles</a:t>
-            </a:r>
-          </a:p>
-          <a:p>
-            <a:pPr lvl="1"/>
-            <a:r>
-              <a:rPr lang="en-US"/>
-              <a:t>Second level</a:t>
-            </a:r>
-          </a:p>
-          <a:p>
-            <a:pPr lvl="2"/>
-            <a:r>
-              <a:rPr lang="en-US"/>
-              <a:t>Third level</a:t>
-            </a:r>
-          </a:p>
-          <a:p>
-            <a:pPr lvl="3"/>
-            <a:r>
-              <a:rPr lang="en-US"/>
-              <a:t>Fourth level</a:t>
-            </a:r>
-          </a:p>
-          <a:p>
-            <a:pPr lvl="4"/>
-            <a:r>
-              <a:rPr lang="en-US"/>
-              <a:t>Fifth level</a:t>
-            </a:r>
-            <a:endParaRPr lang="en-US" dirty="0"/>
-          </a:p>
-        </p:txBody>
-      </p:sp>
-      <p:sp>
-        <p:nvSpPr>
-          <p:cNvPr id="4" name="Date Placeholder 3"/>
-          <p:cNvSpPr>
-            <a:spLocks noGrp="1"/>
-          </p:cNvSpPr>
-          <p:nvPr>
-            <p:ph type="dt" sz="half" idx="2"/>
-          </p:nvPr>
-        </p:nvSpPr>
+      </p:pic>
+      <p:pic>
+        <p:nvPicPr>
+          <p:cNvPr id="10" name="Picture 9"/>
+          <p:cNvPicPr>
+            <a:picLocks noChangeAspect="1"/>
+          </p:cNvPicPr>
+          <p:nvPr/>
+        </p:nvPicPr>
+        <p:blipFill rotWithShape="1">
+          <a:blip r:embed="rId22">
+            <a:extLst>
+              <a:ext uri="{28A0092B-C50C-407E-A947-70E740481C1C}">
+                <a14:useLocalDpi xmlns:a14="http://schemas.microsoft.com/office/drawing/2010/main" val="0"/>
+              </a:ext>
+            </a:extLst>
+          </a:blip>
+          <a:srcRect b="23320"/>
+          <a:stretch/>
+        </p:blipFill>
         <p:spPr>
           <a:xfrm>
-            <a:off x="8595360" y="6356350"/>
-            <a:ext cx="2910840" cy="365125"/>
+            <a:off x="8605878" y="6096000"/>
+            <a:ext cx="993734" cy="762000"/>
           </a:xfrm>
           <a:prstGeom prst="rect">
             <a:avLst/>
           </a:prstGeom>
         </p:spPr>
-        <p:txBody>
-          <a:bodyPr vert="horz" lIns="91440" tIns="45720" rIns="91440" bIns="45720" rtlCol="0" anchor="ctr"/>
+      </p:pic>
+      <p:sp>
+        <p:nvSpPr>
+          <p:cNvPr id="14" name="Rectangle 13"/>
+          <p:cNvSpPr/>
+          <p:nvPr/>
+        </p:nvSpPr>
+        <p:spPr>
+          <a:xfrm>
+            <a:off x="10437812" y="0"/>
+            <a:ext cx="685800" cy="1143000"/>
+          </a:xfrm>
+          <a:prstGeom prst="rect">
+            <a:avLst/>
+          </a:prstGeom>
+          <a:solidFill>
+            <a:schemeClr val="accent1"/>
+          </a:solidFill>
+          <a:ln>
+            <a:noFill/>
+          </a:ln>
+        </p:spPr>
+        <p:style>
+          <a:lnRef idx="1">
+            <a:schemeClr val="accent1"/>
+          </a:lnRef>
+          <a:fillRef idx="3">
+            <a:schemeClr val="accent1"/>
+          </a:fillRef>
+          <a:effectRef idx="2">
+            <a:schemeClr val="accent1"/>
+          </a:effectRef>
+          <a:fontRef idx="minor">
+            <a:schemeClr val="lt1"/>
+          </a:fontRef>
+        </p:style>
+      </p:sp>
+      <p:sp>
+        <p:nvSpPr>
+          <p:cNvPr id="2" name="Title Placeholder 1"/>
+          <p:cNvSpPr>
+            <a:spLocks noGrp="1"/>
+          </p:cNvSpPr>
+          <p:nvPr>
+            <p:ph type="title"/>
+          </p:nvPr>
+        </p:nvSpPr>
+        <p:spPr>
+          <a:xfrm>
+            <a:off x="646111" y="452718"/>
+            <a:ext cx="9404723" cy="1400530"/>
+          </a:xfrm>
+          <a:prstGeom prst="rect">
+            <a:avLst/>
+          </a:prstGeom>
+        </p:spPr>
+        <p:txBody>
+          <a:bodyPr vert="horz" lIns="91440" tIns="45720" rIns="91440" bIns="45720" rtlCol="0" anchor="t">
+            <a:noAutofit/>
+          </a:bodyPr>
+          <a:lstStyle/>
+          <a:p>
+            <a:r>
+              <a:rPr lang="en-US"/>
+              <a:t>Click to edit Master title style</a:t>
+            </a:r>
+            <a:endParaRPr lang="en-US" dirty="0"/>
+          </a:p>
+        </p:txBody>
+      </p:sp>
+      <p:sp>
+        <p:nvSpPr>
+          <p:cNvPr id="3" name="Text Placeholder 2"/>
+          <p:cNvSpPr>
+            <a:spLocks noGrp="1"/>
+          </p:cNvSpPr>
+          <p:nvPr>
+            <p:ph type="body" idx="1"/>
+          </p:nvPr>
+        </p:nvSpPr>
+        <p:spPr>
+          <a:xfrm>
+            <a:off x="1103312" y="2052918"/>
+            <a:ext cx="8946541" cy="4195481"/>
+          </a:xfrm>
+          <a:prstGeom prst="rect">
+            <a:avLst/>
+          </a:prstGeom>
+        </p:spPr>
+        <p:txBody>
+          <a:bodyPr vert="horz" lIns="91440" tIns="45720" rIns="91440" bIns="45720" rtlCol="0">
+            <a:normAutofit/>
+          </a:bodyPr>
+          <a:lstStyle/>
+          <a:p>
+            <a:pPr lvl="0"/>
+            <a:r>
+              <a:rPr lang="en-US"/>
+              <a:t>Edit Master text styles</a:t>
+            </a:r>
+          </a:p>
+          <a:p>
+            <a:pPr lvl="1"/>
+            <a:r>
+              <a:rPr lang="en-US"/>
+              <a:t>Second level</a:t>
+            </a:r>
+          </a:p>
+          <a:p>
+            <a:pPr lvl="2"/>
+            <a:r>
+              <a:rPr lang="en-US"/>
+              <a:t>Third level</a:t>
+            </a:r>
+          </a:p>
+          <a:p>
+            <a:pPr lvl="3"/>
+            <a:r>
+              <a:rPr lang="en-US"/>
+              <a:t>Fourth level</a:t>
+            </a:r>
+          </a:p>
+          <a:p>
+            <a:pPr lvl="4"/>
+            <a:r>
+              <a:rPr lang="en-US"/>
+              <a:t>Fifth level</a:t>
+            </a:r>
+            <a:endParaRPr lang="en-US" dirty="0"/>
+          </a:p>
+        </p:txBody>
+      </p:sp>
+      <p:sp>
+        <p:nvSpPr>
+          <p:cNvPr id="4" name="Date Placeholder 3"/>
+          <p:cNvSpPr>
+            <a:spLocks noGrp="1"/>
+          </p:cNvSpPr>
+          <p:nvPr>
+            <p:ph type="dt" sz="half" idx="2"/>
+          </p:nvPr>
+        </p:nvSpPr>
+        <p:spPr>
+          <a:xfrm rot="5400000">
+            <a:off x="10155639" y="1790701"/>
+            <a:ext cx="990599" cy="304799"/>
+          </a:xfrm>
+          <a:prstGeom prst="rect">
+            <a:avLst/>
+          </a:prstGeom>
+        </p:spPr>
+        <p:txBody>
+          <a:bodyPr vert="horz" lIns="91440" tIns="45720" rIns="91440" bIns="45720" rtlCol="0" anchor="t"/>
           <a:lstStyle>
-            <a:lvl1pPr algn="r">
-              <a:defRPr sz="1050">
+            <a:lvl1pPr algn="l">
+              <a:defRPr sz="1100" b="0" i="0">
+                <a:solidFill>
+                  <a:schemeClr val="tx1">
+                    <a:tint val="75000"/>
+                    <a:alpha val="60000"/>
+                  </a:schemeClr>
+                </a:solidFill>
+              </a:defRPr>
+            </a:lvl1pPr>
+          </a:lstStyle>
+          <a:p>
+            <a:fld id="{EA214324-8AD7-40FD-9D6E-8B26C6988FCC}" type="datetimeFigureOut">
+              <a:rPr lang="en-US" smtClean="0"/>
+              <a:t>6/25/2019</a:t>
+            </a:fld>
+            <a:endParaRPr lang="en-US"/>
+          </a:p>
+        </p:txBody>
+      </p:sp>
+      <p:sp>
+        <p:nvSpPr>
+          <p:cNvPr id="5" name="Footer Placeholder 4"/>
+          <p:cNvSpPr>
+            <a:spLocks noGrp="1"/>
+          </p:cNvSpPr>
+          <p:nvPr>
+            <p:ph type="ftr" sz="quarter" idx="3"/>
+          </p:nvPr>
+        </p:nvSpPr>
+        <p:spPr>
+          <a:xfrm rot="5400000">
+            <a:off x="8951573" y="3225297"/>
+            <a:ext cx="3859795" cy="304801"/>
+          </a:xfrm>
+          <a:prstGeom prst="rect">
+            <a:avLst/>
+          </a:prstGeom>
+        </p:spPr>
+        <p:txBody>
+          <a:bodyPr vert="horz" lIns="91440" tIns="45720" rIns="91440" bIns="45720" rtlCol="0" anchor="b"/>
+          <a:lstStyle>
+            <a:lvl1pPr algn="l">
+              <a:defRPr sz="1100" b="0" i="0">
+                <a:solidFill>
+                  <a:schemeClr val="tx1">
+                    <a:tint val="75000"/>
+                    <a:alpha val="60000"/>
+                  </a:schemeClr>
+                </a:solidFill>
+              </a:defRPr>
+            </a:lvl1pPr>
+          </a:lstStyle>
+          <a:p>
+            <a:endParaRPr lang="en-US"/>
+          </a:p>
+        </p:txBody>
+      </p:sp>
+      <p:sp>
+        <p:nvSpPr>
+          <p:cNvPr id="6" name="Slide Number Placeholder 5"/>
+          <p:cNvSpPr>
+            <a:spLocks noGrp="1"/>
+          </p:cNvSpPr>
+          <p:nvPr>
+            <p:ph type="sldNum" sz="quarter" idx="4"/>
+          </p:nvPr>
+        </p:nvSpPr>
+        <p:spPr bwMode="gray">
+          <a:xfrm>
+            <a:off x="10352540" y="295729"/>
+            <a:ext cx="838199" cy="767687"/>
+          </a:xfrm>
+          <a:prstGeom prst="rect">
+            <a:avLst/>
+          </a:prstGeom>
+        </p:spPr>
+        <p:txBody>
+          <a:bodyPr vert="horz" lIns="91440" tIns="45720" rIns="91440" bIns="45720" rtlCol="0" anchor="b"/>
+          <a:lstStyle>
+            <a:lvl1pPr algn="ctr">
+              <a:defRPr sz="2800" b="0" i="0">
                 <a:solidFill>
                   <a:schemeClr val="tx1">
                     <a:tint val="75000"/>
@@ -5350,84 +5660,6 @@
             </a:lvl1pPr>
           </a:lstStyle>
           <a:p>
-            <a:fld id="{EA214324-8AD7-40FD-9D6E-8B26C6988FCC}" type="datetimeFigureOut">
-              <a:rPr lang="en-US" smtClean="0"/>
-              <a:t>6/24/2019</a:t>
-            </a:fld>
-            <a:endParaRPr lang="en-US"/>
-          </a:p>
-        </p:txBody>
-      </p:sp>
-      <p:sp>
-        <p:nvSpPr>
-          <p:cNvPr id="5" name="Footer Placeholder 4"/>
-          <p:cNvSpPr>
-            <a:spLocks noGrp="1"/>
-          </p:cNvSpPr>
-          <p:nvPr>
-            <p:ph type="ftr" sz="quarter" idx="3"/>
-          </p:nvPr>
-        </p:nvSpPr>
-        <p:spPr>
-          <a:xfrm>
-            <a:off x="685800" y="6355845"/>
-            <a:ext cx="7772400" cy="365125"/>
-          </a:xfrm>
-          <a:prstGeom prst="rect">
-            <a:avLst/>
-          </a:prstGeom>
-        </p:spPr>
-        <p:txBody>
-          <a:bodyPr vert="horz" lIns="91440" tIns="45720" rIns="91440" bIns="45720" rtlCol="0" anchor="ctr"/>
-          <a:lstStyle>
-            <a:lvl1pPr algn="l">
-              <a:defRPr sz="1050">
-                <a:solidFill>
-                  <a:schemeClr val="tx1">
-                    <a:tint val="75000"/>
-                  </a:schemeClr>
-                </a:solidFill>
-              </a:defRPr>
-            </a:lvl1pPr>
-          </a:lstStyle>
-          <a:p>
-            <a:endParaRPr lang="en-US"/>
-          </a:p>
-        </p:txBody>
-      </p:sp>
-      <p:sp>
-        <p:nvSpPr>
-          <p:cNvPr id="6" name="Slide Number Placeholder 5"/>
-          <p:cNvSpPr>
-            <a:spLocks noGrp="1"/>
-          </p:cNvSpPr>
-          <p:nvPr>
-            <p:ph type="sldNum" sz="quarter" idx="4"/>
-          </p:nvPr>
-        </p:nvSpPr>
-        <p:spPr>
-          <a:xfrm>
-            <a:off x="8763000" y="381000"/>
-            <a:ext cx="2743200" cy="365125"/>
-          </a:xfrm>
-          <a:prstGeom prst="rect">
-            <a:avLst/>
-          </a:prstGeom>
-        </p:spPr>
-        <p:txBody>
-          <a:bodyPr vert="horz" lIns="91440" tIns="45720" rIns="91440" bIns="45720" rtlCol="0" anchor="ctr"/>
-          <a:lstStyle>
-            <a:lvl1pPr algn="r">
-              <a:defRPr sz="1050">
-                <a:solidFill>
-                  <a:schemeClr val="tx1">
-                    <a:tint val="75000"/>
-                  </a:schemeClr>
-                </a:solidFill>
-              </a:defRPr>
-            </a:lvl1pPr>
-          </a:lstStyle>
-          <a:p>
             <a:fld id="{232C09A8-5199-421E-9880-FA52B63821A2}" type="slidenum">
               <a:rPr lang="en-US" smtClean="0"/>
               <a:t>‹#›</a:t>
@@ -5439,41 +5671,121 @@
     </p:spTree>
     <p:extLst>
       <p:ext uri="{BB962C8B-B14F-4D97-AF65-F5344CB8AC3E}">
-        <p14:creationId xmlns:p14="http://schemas.microsoft.com/office/powerpoint/2010/main" val="3680581772"/>
+        <p14:creationId xmlns:p14="http://schemas.microsoft.com/office/powerpoint/2010/main" val="3958977279"/>
       </p:ext>
     </p:extLst>
   </p:cSld>
   <p:clrMap bg1="dk1" tx1="lt1" bg2="dk2" tx2="lt2" accent1="accent1" accent2="accent2" accent3="accent3" accent4="accent4" accent5="accent5" accent6="accent6" hlink="hlink" folHlink="folHlink"/>
   <p:sldLayoutIdLst>
-    <p:sldLayoutId id="2147483691" r:id="rId1"/>
-    <p:sldLayoutId id="2147483692" r:id="rId2"/>
-    <p:sldLayoutId id="2147483693" r:id="rId3"/>
-    <p:sldLayoutId id="2147483694" r:id="rId4"/>
-    <p:sldLayoutId id="2147483695" r:id="rId5"/>
-    <p:sldLayoutId id="2147483696" r:id="rId6"/>
-    <p:sldLayoutId id="2147483697" r:id="rId7"/>
-    <p:sldLayoutId id="2147483698" r:id="rId8"/>
-    <p:sldLayoutId id="2147483699" r:id="rId9"/>
-    <p:sldLayoutId id="2147483700" r:id="rId10"/>
-    <p:sldLayoutId id="2147483701" r:id="rId11"/>
-    <p:sldLayoutId id="2147483702" r:id="rId12"/>
-    <p:sldLayoutId id="2147483703" r:id="rId13"/>
-    <p:sldLayoutId id="2147483704" r:id="rId14"/>
-    <p:sldLayoutId id="2147483705" r:id="rId15"/>
-    <p:sldLayoutId id="2147483706" r:id="rId16"/>
-    <p:sldLayoutId id="2147483707" r:id="rId17"/>
+    <p:sldLayoutId id="2147483798" r:id="rId1"/>
+    <p:sldLayoutId id="2147483799" r:id="rId2"/>
+    <p:sldLayoutId id="2147483800" r:id="rId3"/>
+    <p:sldLayoutId id="2147483801" r:id="rId4"/>
+    <p:sldLayoutId id="2147483802" r:id="rId5"/>
+    <p:sldLayoutId id="2147483803" r:id="rId6"/>
+    <p:sldLayoutId id="2147483804" r:id="rId7"/>
+    <p:sldLayoutId id="2147483805" r:id="rId8"/>
+    <p:sldLayoutId id="2147483806" r:id="rId9"/>
+    <p:sldLayoutId id="2147483807" r:id="rId10"/>
+    <p:sldLayoutId id="2147483808" r:id="rId11"/>
+    <p:sldLayoutId id="2147483809" r:id="rId12"/>
+    <p:sldLayoutId id="2147483810" r:id="rId13"/>
+    <p:sldLayoutId id="2147483811" r:id="rId14"/>
+    <p:sldLayoutId id="2147483812" r:id="rId15"/>
+    <p:sldLayoutId id="2147483813" r:id="rId16"/>
+    <p:sldLayoutId id="2147483814" r:id="rId17"/>
   </p:sldLayoutIdLst>
   <p:txStyles>
     <p:titleStyle>
-      <a:lvl1pPr algn="r" defTabSz="914400" rtl="0" eaLnBrk="1" latinLnBrk="0" hangingPunct="1">
-        <a:lnSpc>
-          <a:spcPct val="90000"/>
-        </a:lnSpc>
+      <a:lvl1pPr algn="l" defTabSz="457200" rtl="0" eaLnBrk="1" latinLnBrk="0" hangingPunct="1">
         <a:spcBef>
           <a:spcPct val="0"/>
         </a:spcBef>
         <a:buNone/>
-        <a:defRPr sz="4000" kern="1200" cap="all" baseline="0">
+        <a:defRPr sz="4200" b="0" i="0" kern="1200">
+          <a:solidFill>
+            <a:schemeClr val="tx2"/>
+          </a:solidFill>
+          <a:latin typeface="+mj-lt"/>
+          <a:ea typeface="+mj-ea"/>
+          <a:cs typeface="+mj-cs"/>
+        </a:defRPr>
+      </a:lvl1pPr>
+      <a:lvl2pPr eaLnBrk="1" hangingPunct="1">
+        <a:defRPr>
+          <a:solidFill>
+            <a:schemeClr val="tx2"/>
+          </a:solidFill>
+        </a:defRPr>
+      </a:lvl2pPr>
+      <a:lvl3pPr eaLnBrk="1" hangingPunct="1">
+        <a:defRPr>
+          <a:solidFill>
+            <a:schemeClr val="tx2"/>
+          </a:solidFill>
+        </a:defRPr>
+      </a:lvl3pPr>
+      <a:lvl4pPr eaLnBrk="1" hangingPunct="1">
+        <a:defRPr>
+          <a:solidFill>
+            <a:schemeClr val="tx2"/>
+          </a:solidFill>
+        </a:defRPr>
+      </a:lvl4pPr>
+      <a:lvl5pPr eaLnBrk="1" hangingPunct="1">
+        <a:defRPr>
+          <a:solidFill>
+            <a:schemeClr val="tx2"/>
+          </a:solidFill>
+        </a:defRPr>
+      </a:lvl5pPr>
+      <a:lvl6pPr eaLnBrk="1" hangingPunct="1">
+        <a:defRPr>
+          <a:solidFill>
+            <a:schemeClr val="tx2"/>
+          </a:solidFill>
+        </a:defRPr>
+      </a:lvl6pPr>
+      <a:lvl7pPr eaLnBrk="1" hangingPunct="1">
+        <a:defRPr>
+          <a:solidFill>
+            <a:schemeClr val="tx2"/>
+          </a:solidFill>
+        </a:defRPr>
+      </a:lvl7pPr>
+      <a:lvl8pPr eaLnBrk="1" hangingPunct="1">
+        <a:defRPr>
+          <a:solidFill>
+            <a:schemeClr val="tx2"/>
+          </a:solidFill>
+        </a:defRPr>
+      </a:lvl8pPr>
+      <a:lvl9pPr eaLnBrk="1" hangingPunct="1">
+        <a:defRPr>
+          <a:solidFill>
+            <a:schemeClr val="tx2"/>
+          </a:solidFill>
+        </a:defRPr>
+      </a:lvl9pPr>
+    </p:titleStyle>
+    <p:bodyStyle>
+      <a:lvl1pPr marL="342900" indent="-342900" algn="l" defTabSz="457200" rtl="0" eaLnBrk="1" latinLnBrk="0" hangingPunct="1">
+        <a:spcBef>
+          <a:spcPts val="1000"/>
+        </a:spcBef>
+        <a:spcAft>
+          <a:spcPts val="0"/>
+        </a:spcAft>
+        <a:buClr>
+          <a:schemeClr val="bg2">
+            <a:lumMod val="40000"/>
+            <a:lumOff val="60000"/>
+          </a:schemeClr>
+        </a:buClr>
+        <a:buSzPct val="80000"/>
+        <a:buFont typeface="Wingdings 3" charset="2"/>
+        <a:buChar char=""/>
+        <a:defRPr sz="2000" b="0" i="0" kern="1200">
           <a:solidFill>
             <a:schemeClr val="tx1"/>
           </a:solidFill>
@@ -5482,18 +5794,213 @@
           <a:cs typeface="+mj-cs"/>
         </a:defRPr>
       </a:lvl1pPr>
-    </p:titleStyle>
-    <p:bodyStyle>
-      <a:lvl1pPr marL="228600" indent="-228600" algn="l" defTabSz="914400" rtl="0" eaLnBrk="1" latinLnBrk="0" hangingPunct="1">
-        <a:lnSpc>
-          <a:spcPct val="90000"/>
-        </a:lnSpc>
+      <a:lvl2pPr marL="742950" indent="-285750" algn="l" defTabSz="457200" rtl="0" eaLnBrk="1" latinLnBrk="0" hangingPunct="1">
         <a:spcBef>
           <a:spcPts val="1000"/>
         </a:spcBef>
-        <a:buFont typeface="Arial" panose="020B0604020202020204" pitchFamily="34" charset="0"/>
-        <a:buChar char="•"/>
-        <a:defRPr sz="2200" kern="1200">
+        <a:spcAft>
+          <a:spcPts val="0"/>
+        </a:spcAft>
+        <a:buClr>
+          <a:schemeClr val="bg2">
+            <a:lumMod val="40000"/>
+            <a:lumOff val="60000"/>
+          </a:schemeClr>
+        </a:buClr>
+        <a:buSzPct val="80000"/>
+        <a:buFont typeface="Wingdings 3" charset="2"/>
+        <a:buChar char=""/>
+        <a:defRPr sz="1800" b="0" i="0" kern="1200">
+          <a:solidFill>
+            <a:schemeClr val="tx1"/>
+          </a:solidFill>
+          <a:latin typeface="+mj-lt"/>
+          <a:ea typeface="+mj-ea"/>
+          <a:cs typeface="+mj-cs"/>
+        </a:defRPr>
+      </a:lvl2pPr>
+      <a:lvl3pPr marL="1143000" indent="-228600" algn="l" defTabSz="457200" rtl="0" eaLnBrk="1" latinLnBrk="0" hangingPunct="1">
+        <a:spcBef>
+          <a:spcPts val="1000"/>
+        </a:spcBef>
+        <a:spcAft>
+          <a:spcPts val="0"/>
+        </a:spcAft>
+        <a:buClr>
+          <a:schemeClr val="bg2">
+            <a:lumMod val="40000"/>
+            <a:lumOff val="60000"/>
+          </a:schemeClr>
+        </a:buClr>
+        <a:buSzPct val="80000"/>
+        <a:buFont typeface="Wingdings 3" charset="2"/>
+        <a:buChar char=""/>
+        <a:defRPr sz="1600" b="0" i="0" kern="1200">
+          <a:solidFill>
+            <a:schemeClr val="tx1"/>
+          </a:solidFill>
+          <a:latin typeface="+mj-lt"/>
+          <a:ea typeface="+mj-ea"/>
+          <a:cs typeface="+mj-cs"/>
+        </a:defRPr>
+      </a:lvl3pPr>
+      <a:lvl4pPr marL="1600200" indent="-228600" algn="l" defTabSz="457200" rtl="0" eaLnBrk="1" latinLnBrk="0" hangingPunct="1">
+        <a:spcBef>
+          <a:spcPts val="1000"/>
+        </a:spcBef>
+        <a:spcAft>
+          <a:spcPts val="0"/>
+        </a:spcAft>
+        <a:buClr>
+          <a:schemeClr val="bg2">
+            <a:lumMod val="40000"/>
+            <a:lumOff val="60000"/>
+          </a:schemeClr>
+        </a:buClr>
+        <a:buSzPct val="80000"/>
+        <a:buFont typeface="Wingdings 3" charset="2"/>
+        <a:buChar char=""/>
+        <a:defRPr sz="1400" b="0" i="0" kern="1200">
+          <a:solidFill>
+            <a:schemeClr val="tx1"/>
+          </a:solidFill>
+          <a:latin typeface="+mj-lt"/>
+          <a:ea typeface="+mj-ea"/>
+          <a:cs typeface="+mj-cs"/>
+        </a:defRPr>
+      </a:lvl4pPr>
+      <a:lvl5pPr marL="2057400" indent="-228600" algn="l" defTabSz="457200" rtl="0" eaLnBrk="1" latinLnBrk="0" hangingPunct="1">
+        <a:spcBef>
+          <a:spcPts val="1000"/>
+        </a:spcBef>
+        <a:spcAft>
+          <a:spcPts val="0"/>
+        </a:spcAft>
+        <a:buClr>
+          <a:schemeClr val="bg2">
+            <a:lumMod val="40000"/>
+            <a:lumOff val="60000"/>
+          </a:schemeClr>
+        </a:buClr>
+        <a:buSzPct val="80000"/>
+        <a:buFont typeface="Wingdings 3" charset="2"/>
+        <a:buChar char=""/>
+        <a:defRPr sz="1400" b="0" i="0" kern="1200">
+          <a:solidFill>
+            <a:schemeClr val="tx1"/>
+          </a:solidFill>
+          <a:latin typeface="+mj-lt"/>
+          <a:ea typeface="+mj-ea"/>
+          <a:cs typeface="+mj-cs"/>
+        </a:defRPr>
+      </a:lvl5pPr>
+      <a:lvl6pPr marL="2506000" indent="-228600" algn="l" defTabSz="457200" rtl="0" eaLnBrk="1" latinLnBrk="0" hangingPunct="1">
+        <a:spcBef>
+          <a:spcPts val="1000"/>
+        </a:spcBef>
+        <a:spcAft>
+          <a:spcPts val="0"/>
+        </a:spcAft>
+        <a:buClr>
+          <a:schemeClr val="bg2">
+            <a:lumMod val="40000"/>
+            <a:lumOff val="60000"/>
+          </a:schemeClr>
+        </a:buClr>
+        <a:buSzPct val="80000"/>
+        <a:buFont typeface="Wingdings 3" charset="2"/>
+        <a:buChar char=""/>
+        <a:defRPr sz="1400" b="0" i="0" kern="1200">
+          <a:solidFill>
+            <a:schemeClr val="tx1"/>
+          </a:solidFill>
+          <a:latin typeface="+mj-lt"/>
+          <a:ea typeface="+mj-ea"/>
+          <a:cs typeface="+mj-cs"/>
+        </a:defRPr>
+      </a:lvl6pPr>
+      <a:lvl7pPr marL="2971800" indent="-228600" algn="l" defTabSz="457200" rtl="0" eaLnBrk="1" latinLnBrk="0" hangingPunct="1">
+        <a:spcBef>
+          <a:spcPts val="1000"/>
+        </a:spcBef>
+        <a:spcAft>
+          <a:spcPts val="0"/>
+        </a:spcAft>
+        <a:buClr>
+          <a:schemeClr val="bg2">
+            <a:lumMod val="40000"/>
+            <a:lumOff val="60000"/>
+          </a:schemeClr>
+        </a:buClr>
+        <a:buSzPct val="80000"/>
+        <a:buFont typeface="Wingdings 3" charset="2"/>
+        <a:buChar char=""/>
+        <a:defRPr sz="1400" b="0" i="0" kern="1200">
+          <a:solidFill>
+            <a:schemeClr val="tx1"/>
+          </a:solidFill>
+          <a:latin typeface="+mj-lt"/>
+          <a:ea typeface="+mj-ea"/>
+          <a:cs typeface="+mj-cs"/>
+        </a:defRPr>
+      </a:lvl7pPr>
+      <a:lvl8pPr marL="3429000" indent="-228600" algn="l" defTabSz="457200" rtl="0" eaLnBrk="1" latinLnBrk="0" hangingPunct="1">
+        <a:spcBef>
+          <a:spcPts val="1000"/>
+        </a:spcBef>
+        <a:spcAft>
+          <a:spcPts val="0"/>
+        </a:spcAft>
+        <a:buClr>
+          <a:schemeClr val="bg2">
+            <a:lumMod val="40000"/>
+            <a:lumOff val="60000"/>
+          </a:schemeClr>
+        </a:buClr>
+        <a:buSzPct val="80000"/>
+        <a:buFont typeface="Wingdings 3" charset="2"/>
+        <a:buChar char=""/>
+        <a:defRPr sz="1400" b="0" i="0" kern="1200">
+          <a:solidFill>
+            <a:schemeClr val="tx1"/>
+          </a:solidFill>
+          <a:latin typeface="+mj-lt"/>
+          <a:ea typeface="+mj-ea"/>
+          <a:cs typeface="+mj-cs"/>
+        </a:defRPr>
+      </a:lvl8pPr>
+      <a:lvl9pPr marL="3886200" indent="-228600" algn="l" defTabSz="457200" rtl="0" eaLnBrk="1" latinLnBrk="0" hangingPunct="1">
+        <a:spcBef>
+          <a:spcPts val="1000"/>
+        </a:spcBef>
+        <a:spcAft>
+          <a:spcPts val="0"/>
+        </a:spcAft>
+        <a:buClr>
+          <a:schemeClr val="bg2">
+            <a:lumMod val="40000"/>
+            <a:lumOff val="60000"/>
+          </a:schemeClr>
+        </a:buClr>
+        <a:buSzPct val="80000"/>
+        <a:buFont typeface="Wingdings 3" charset="2"/>
+        <a:buChar char=""/>
+        <a:defRPr sz="1400" b="0" i="0" kern="1200">
+          <a:solidFill>
+            <a:schemeClr val="tx1"/>
+          </a:solidFill>
+          <a:latin typeface="+mj-lt"/>
+          <a:ea typeface="+mj-ea"/>
+          <a:cs typeface="+mj-cs"/>
+        </a:defRPr>
+      </a:lvl9pPr>
+    </p:bodyStyle>
+    <p:otherStyle>
+      <a:defPPr>
+        <a:defRPr lang="en-US"/>
+      </a:defPPr>
+      <a:lvl1pPr marL="0" algn="l" defTabSz="457200" rtl="0" eaLnBrk="1" latinLnBrk="0" hangingPunct="1">
+        <a:defRPr sz="1800" kern="1200">
           <a:solidFill>
             <a:schemeClr val="tx1"/>
           </a:solidFill>
@@ -5502,16 +6009,8 @@
           <a:cs typeface="+mn-cs"/>
         </a:defRPr>
       </a:lvl1pPr>
-      <a:lvl2pPr marL="685800" indent="-228600" algn="l" defTabSz="914400" rtl="0" eaLnBrk="1" latinLnBrk="0" hangingPunct="1">
-        <a:lnSpc>
-          <a:spcPct val="90000"/>
-        </a:lnSpc>
-        <a:spcBef>
-          <a:spcPts val="500"/>
-        </a:spcBef>
-        <a:buFont typeface="Arial" panose="020B0604020202020204" pitchFamily="34" charset="0"/>
-        <a:buChar char="•"/>
-        <a:defRPr sz="2000" kern="1200">
+      <a:lvl2pPr marL="457200" algn="l" defTabSz="457200" rtl="0" eaLnBrk="1" latinLnBrk="0" hangingPunct="1">
+        <a:defRPr sz="1800" kern="1200">
           <a:solidFill>
             <a:schemeClr val="tx1"/>
           </a:solidFill>
@@ -5520,15 +6019,7 @@
           <a:cs typeface="+mn-cs"/>
         </a:defRPr>
       </a:lvl2pPr>
-      <a:lvl3pPr marL="1143000" indent="-228600" algn="l" defTabSz="914400" rtl="0" eaLnBrk="1" latinLnBrk="0" hangingPunct="1">
-        <a:lnSpc>
-          <a:spcPct val="90000"/>
-        </a:lnSpc>
-        <a:spcBef>
-          <a:spcPts val="500"/>
-        </a:spcBef>
-        <a:buFont typeface="Arial" panose="020B0604020202020204" pitchFamily="34" charset="0"/>
-        <a:buChar char="•"/>
+      <a:lvl3pPr marL="914400" algn="l" defTabSz="457200" rtl="0" eaLnBrk="1" latinLnBrk="0" hangingPunct="1">
         <a:defRPr sz="1800" kern="1200">
           <a:solidFill>
             <a:schemeClr val="tx1"/>
@@ -5538,150 +6029,7 @@
           <a:cs typeface="+mn-cs"/>
         </a:defRPr>
       </a:lvl3pPr>
-      <a:lvl4pPr marL="1600200" indent="-228600" algn="l" defTabSz="914400" rtl="0" eaLnBrk="1" latinLnBrk="0" hangingPunct="1">
-        <a:lnSpc>
-          <a:spcPct val="90000"/>
-        </a:lnSpc>
-        <a:spcBef>
-          <a:spcPts val="500"/>
-        </a:spcBef>
-        <a:buFont typeface="Arial" panose="020B0604020202020204" pitchFamily="34" charset="0"/>
-        <a:buChar char="•"/>
-        <a:defRPr sz="1600" kern="1200">
-          <a:solidFill>
-            <a:schemeClr val="tx1"/>
-          </a:solidFill>
-          <a:latin typeface="+mn-lt"/>
-          <a:ea typeface="+mn-ea"/>
-          <a:cs typeface="+mn-cs"/>
-        </a:defRPr>
-      </a:lvl4pPr>
-      <a:lvl5pPr marL="2057400" indent="-228600" algn="l" defTabSz="914400" rtl="0" eaLnBrk="1" latinLnBrk="0" hangingPunct="1">
-        <a:lnSpc>
-          <a:spcPct val="90000"/>
-        </a:lnSpc>
-        <a:spcBef>
-          <a:spcPts val="500"/>
-        </a:spcBef>
-        <a:buFont typeface="Arial" panose="020B0604020202020204" pitchFamily="34" charset="0"/>
-        <a:buChar char="•"/>
-        <a:defRPr sz="1600" kern="1200">
-          <a:solidFill>
-            <a:schemeClr val="tx1"/>
-          </a:solidFill>
-          <a:latin typeface="+mn-lt"/>
-          <a:ea typeface="+mn-ea"/>
-          <a:cs typeface="+mn-cs"/>
-        </a:defRPr>
-      </a:lvl5pPr>
-      <a:lvl6pPr marL="2514600" indent="-228600" algn="l" defTabSz="914400" rtl="0" eaLnBrk="1" latinLnBrk="0" hangingPunct="1">
-        <a:lnSpc>
-          <a:spcPct val="90000"/>
-        </a:lnSpc>
-        <a:spcBef>
-          <a:spcPts val="500"/>
-        </a:spcBef>
-        <a:buFont typeface="Arial" panose="020B0604020202020204" pitchFamily="34" charset="0"/>
-        <a:buChar char="•"/>
-        <a:defRPr sz="1600" kern="1200">
-          <a:solidFill>
-            <a:schemeClr val="tx1"/>
-          </a:solidFill>
-          <a:latin typeface="+mn-lt"/>
-          <a:ea typeface="+mn-ea"/>
-          <a:cs typeface="+mn-cs"/>
-        </a:defRPr>
-      </a:lvl6pPr>
-      <a:lvl7pPr marL="2971800" indent="-228600" algn="l" defTabSz="914400" rtl="0" eaLnBrk="1" latinLnBrk="0" hangingPunct="1">
-        <a:lnSpc>
-          <a:spcPct val="90000"/>
-        </a:lnSpc>
-        <a:spcBef>
-          <a:spcPts val="500"/>
-        </a:spcBef>
-        <a:buFont typeface="Arial" panose="020B0604020202020204" pitchFamily="34" charset="0"/>
-        <a:buChar char="•"/>
-        <a:defRPr sz="1600" kern="1200">
-          <a:solidFill>
-            <a:schemeClr val="tx1"/>
-          </a:solidFill>
-          <a:latin typeface="+mn-lt"/>
-          <a:ea typeface="+mn-ea"/>
-          <a:cs typeface="+mn-cs"/>
-        </a:defRPr>
-      </a:lvl7pPr>
-      <a:lvl8pPr marL="3429000" indent="-228600" algn="l" defTabSz="914400" rtl="0" eaLnBrk="1" latinLnBrk="0" hangingPunct="1">
-        <a:lnSpc>
-          <a:spcPct val="90000"/>
-        </a:lnSpc>
-        <a:spcBef>
-          <a:spcPts val="500"/>
-        </a:spcBef>
-        <a:buFont typeface="Arial" panose="020B0604020202020204" pitchFamily="34" charset="0"/>
-        <a:buChar char="•"/>
-        <a:defRPr sz="1600" kern="1200">
-          <a:solidFill>
-            <a:schemeClr val="tx1"/>
-          </a:solidFill>
-          <a:latin typeface="+mn-lt"/>
-          <a:ea typeface="+mn-ea"/>
-          <a:cs typeface="+mn-cs"/>
-        </a:defRPr>
-      </a:lvl8pPr>
-      <a:lvl9pPr marL="3886200" indent="-228600" algn="l" defTabSz="914400" rtl="0" eaLnBrk="1" latinLnBrk="0" hangingPunct="1">
-        <a:lnSpc>
-          <a:spcPct val="90000"/>
-        </a:lnSpc>
-        <a:spcBef>
-          <a:spcPts val="500"/>
-        </a:spcBef>
-        <a:buFont typeface="Arial" panose="020B0604020202020204" pitchFamily="34" charset="0"/>
-        <a:buChar char="•"/>
-        <a:defRPr sz="1600" kern="1200">
-          <a:solidFill>
-            <a:schemeClr val="tx1"/>
-          </a:solidFill>
-          <a:latin typeface="+mn-lt"/>
-          <a:ea typeface="+mn-ea"/>
-          <a:cs typeface="+mn-cs"/>
-        </a:defRPr>
-      </a:lvl9pPr>
-    </p:bodyStyle>
-    <p:otherStyle>
-      <a:defPPr>
-        <a:defRPr lang="en-US"/>
-      </a:defPPr>
-      <a:lvl1pPr marL="0" algn="l" defTabSz="914400" rtl="0" eaLnBrk="1" latinLnBrk="0" hangingPunct="1">
-        <a:defRPr sz="1800" kern="1200">
-          <a:solidFill>
-            <a:schemeClr val="tx1"/>
-          </a:solidFill>
-          <a:latin typeface="+mn-lt"/>
-          <a:ea typeface="+mn-ea"/>
-          <a:cs typeface="+mn-cs"/>
-        </a:defRPr>
-      </a:lvl1pPr>
-      <a:lvl2pPr marL="457200" algn="l" defTabSz="914400" rtl="0" eaLnBrk="1" latinLnBrk="0" hangingPunct="1">
-        <a:defRPr sz="1800" kern="1200">
-          <a:solidFill>
-            <a:schemeClr val="tx1"/>
-          </a:solidFill>
-          <a:latin typeface="+mn-lt"/>
-          <a:ea typeface="+mn-ea"/>
-          <a:cs typeface="+mn-cs"/>
-        </a:defRPr>
-      </a:lvl2pPr>
-      <a:lvl3pPr marL="914400" algn="l" defTabSz="914400" rtl="0" eaLnBrk="1" latinLnBrk="0" hangingPunct="1">
-        <a:defRPr sz="1800" kern="1200">
-          <a:solidFill>
-            <a:schemeClr val="tx1"/>
-          </a:solidFill>
-          <a:latin typeface="+mn-lt"/>
-          <a:ea typeface="+mn-ea"/>
-          <a:cs typeface="+mn-cs"/>
-        </a:defRPr>
-      </a:lvl3pPr>
-      <a:lvl4pPr marL="1371600" algn="l" defTabSz="914400" rtl="0" eaLnBrk="1" latinLnBrk="0" hangingPunct="1">
+      <a:lvl4pPr marL="1371600" algn="l" defTabSz="457200" rtl="0" eaLnBrk="1" latinLnBrk="0" hangingPunct="1">
         <a:defRPr sz="1800" kern="1200">
           <a:solidFill>
             <a:schemeClr val="tx1"/>
@@ -5691,7 +6039,7 @@
           <a:cs typeface="+mn-cs"/>
         </a:defRPr>
       </a:lvl4pPr>
-      <a:lvl5pPr marL="1828800" algn="l" defTabSz="914400" rtl="0" eaLnBrk="1" latinLnBrk="0" hangingPunct="1">
+      <a:lvl5pPr marL="1828800" algn="l" defTabSz="457200" rtl="0" eaLnBrk="1" latinLnBrk="0" hangingPunct="1">
         <a:defRPr sz="1800" kern="1200">
           <a:solidFill>
             <a:schemeClr val="tx1"/>
@@ -5701,7 +6049,7 @@
           <a:cs typeface="+mn-cs"/>
         </a:defRPr>
       </a:lvl5pPr>
-      <a:lvl6pPr marL="2286000" algn="l" defTabSz="914400" rtl="0" eaLnBrk="1" latinLnBrk="0" hangingPunct="1">
+      <a:lvl6pPr marL="2286000" algn="l" defTabSz="457200" rtl="0" eaLnBrk="1" latinLnBrk="0" hangingPunct="1">
         <a:defRPr sz="1800" kern="1200">
           <a:solidFill>
             <a:schemeClr val="tx1"/>
@@ -5711,7 +6059,7 @@
           <a:cs typeface="+mn-cs"/>
         </a:defRPr>
       </a:lvl6pPr>
-      <a:lvl7pPr marL="2743200" algn="l" defTabSz="914400" rtl="0" eaLnBrk="1" latinLnBrk="0" hangingPunct="1">
+      <a:lvl7pPr marL="2743200" algn="l" defTabSz="457200" rtl="0" eaLnBrk="1" latinLnBrk="0" hangingPunct="1">
         <a:defRPr sz="1800" kern="1200">
           <a:solidFill>
             <a:schemeClr val="tx1"/>
@@ -5721,7 +6069,7 @@
           <a:cs typeface="+mn-cs"/>
         </a:defRPr>
       </a:lvl7pPr>
-      <a:lvl8pPr marL="3200400" algn="l" defTabSz="914400" rtl="0" eaLnBrk="1" latinLnBrk="0" hangingPunct="1">
+      <a:lvl8pPr marL="3200400" algn="l" defTabSz="457200" rtl="0" eaLnBrk="1" latinLnBrk="0" hangingPunct="1">
         <a:defRPr sz="1800" kern="1200">
           <a:solidFill>
             <a:schemeClr val="tx1"/>
@@ -5731,7 +6079,7 @@
           <a:cs typeface="+mn-cs"/>
         </a:defRPr>
       </a:lvl8pPr>
-      <a:lvl9pPr marL="3657600" algn="l" defTabSz="914400" rtl="0" eaLnBrk="1" latinLnBrk="0" hangingPunct="1">
+      <a:lvl9pPr marL="3657600" algn="l" defTabSz="457200" rtl="0" eaLnBrk="1" latinLnBrk="0" hangingPunct="1">
         <a:defRPr sz="1800" kern="1200">
           <a:solidFill>
             <a:schemeClr val="tx1"/>
@@ -5815,27 +6163,27 @@
         <p:spPr/>
         <p:txBody>
           <a:bodyPr>
-            <a:normAutofit fontScale="92500" lnSpcReduction="10000"/>
+            <a:normAutofit/>
           </a:bodyPr>
           <a:lstStyle/>
           <a:p>
             <a:r>
-              <a:rPr lang="en-US" dirty="0"/>
+              <a:rPr lang="en-US" cap="small" dirty="0"/>
               <a:t>How Does </a:t>
             </a:r>
             <a:r>
-              <a:rPr lang="en-US" dirty="0" err="1"/>
+              <a:rPr lang="en-US" cap="small" dirty="0" err="1"/>
               <a:t>Starspot</a:t>
             </a:r>
             <a:r>
-              <a:rPr lang="en-US" dirty="0"/>
+              <a:rPr lang="en-US" cap="small" dirty="0"/>
               <a:t> Coverage Affect Stellar Brightness Variability?</a:t>
             </a:r>
           </a:p>
           <a:p>
             <a:r>
-              <a:rPr lang="en-US" dirty="0"/>
-              <a:t>Miles L. Johnson</a:t>
+              <a:rPr lang="en-US" cap="small" dirty="0"/>
+              <a:t>Miles L. Johnson, Gregory A. Feiden</a:t>
             </a:r>
           </a:p>
         </p:txBody>
@@ -5875,7 +6223,7 @@
           <p:cNvPr id="2" name="Title 1">
             <a:extLst>
               <a:ext uri="{FF2B5EF4-FFF2-40B4-BE49-F238E27FC236}">
-                <a16:creationId xmlns:a16="http://schemas.microsoft.com/office/drawing/2014/main" id="{97001A61-3D6D-4BC5-B01C-1EF27BB2F820}"/>
+                <a16:creationId xmlns:a16="http://schemas.microsoft.com/office/drawing/2014/main" id="{EB4C5E34-9220-403D-A92D-051278A24120}"/>
               </a:ext>
             </a:extLst>
           </p:cNvPr>
@@ -5893,122 +6241,41 @@
           <a:p>
             <a:r>
               <a:rPr lang="en-US" dirty="0"/>
-              <a:t>Building 3D Stellar Models</a:t>
-            </a:r>
-          </a:p>
-        </p:txBody>
-      </p:sp>
-      <p:pic>
-        <p:nvPicPr>
-          <p:cNvPr id="7" name="Content Placeholder 6">
+              <a:t>Mottled Stars</a:t>
+            </a:r>
+          </a:p>
+        </p:txBody>
+      </p:sp>
+      <p:sp>
+        <p:nvSpPr>
+          <p:cNvPr id="3" name="Content Placeholder 2">
             <a:extLst>
               <a:ext uri="{FF2B5EF4-FFF2-40B4-BE49-F238E27FC236}">
-                <a16:creationId xmlns:a16="http://schemas.microsoft.com/office/drawing/2014/main" id="{B7A75AC5-4DA0-4E47-AB3D-724A175A7713}"/>
+                <a16:creationId xmlns:a16="http://schemas.microsoft.com/office/drawing/2014/main" id="{772FDC25-8608-4B44-BB0E-1C5D32EAD52F}"/>
               </a:ext>
             </a:extLst>
           </p:cNvPr>
-          <p:cNvPicPr>
-            <a:picLocks noGrp="1" noChangeAspect="1"/>
-          </p:cNvPicPr>
+          <p:cNvSpPr>
+            <a:spLocks noGrp="1"/>
+          </p:cNvSpPr>
           <p:nvPr>
             <p:ph idx="1"/>
           </p:nvPr>
-        </p:nvPicPr>
-        <p:blipFill>
-          <a:blip r:embed="rId2">
-            <a:extLst>
-              <a:ext uri="{28A0092B-C50C-407E-A947-70E740481C1C}">
-                <a14:useLocalDpi xmlns:a14="http://schemas.microsoft.com/office/drawing/2010/main" val="0"/>
-              </a:ext>
-            </a:extLst>
-          </a:blip>
-          <a:stretch>
-            <a:fillRect/>
-          </a:stretch>
-        </p:blipFill>
-        <p:spPr>
-          <a:xfrm>
-            <a:off x="5510939" y="746125"/>
-            <a:ext cx="5480184" cy="5472113"/>
-          </a:xfrm>
-          <a:prstGeom prst="roundRect">
-            <a:avLst>
-              <a:gd name="adj" fmla="val 8594"/>
-            </a:avLst>
-          </a:prstGeom>
-          <a:solidFill>
-            <a:srgbClr val="FFFFFF">
-              <a:shade val="85000"/>
-            </a:srgbClr>
-          </a:solidFill>
-          <a:ln>
-            <a:noFill/>
-          </a:ln>
-          <a:effectLst>
-            <a:reflection blurRad="12700" stA="38000" endPos="28000" dist="5000" dir="5400000" sy="-100000" algn="bl" rotWithShape="0"/>
-          </a:effectLst>
-        </p:spPr>
-      </p:pic>
-      <p:sp>
-        <p:nvSpPr>
-          <p:cNvPr id="5" name="Text Placeholder 4">
-            <a:extLst>
-              <a:ext uri="{FF2B5EF4-FFF2-40B4-BE49-F238E27FC236}">
-                <a16:creationId xmlns:a16="http://schemas.microsoft.com/office/drawing/2014/main" id="{2F0ADE76-F767-4406-9B43-B9886DA14007}"/>
-              </a:ext>
-            </a:extLst>
-          </p:cNvPr>
-          <p:cNvSpPr>
-            <a:spLocks noGrp="1"/>
-          </p:cNvSpPr>
-          <p:nvPr>
-            <p:ph type="body" sz="half" idx="2"/>
-          </p:nvPr>
         </p:nvSpPr>
         <p:spPr/>
         <p:txBody>
-          <a:bodyPr>
-            <a:normAutofit/>
-          </a:bodyPr>
+          <a:bodyPr/>
           <a:lstStyle/>
           <a:p>
-            <a:pPr marL="285750" indent="-285750">
-              <a:buFont typeface="Arial" panose="020B0604020202020204" pitchFamily="34" charset="0"/>
-              <a:buChar char="•"/>
-            </a:pPr>
             <a:r>
               <a:rPr lang="en-US" dirty="0"/>
-              <a:t>We took a practical approach to the construction of our stellar models</a:t>
-            </a:r>
-          </a:p>
-          <a:p>
-            <a:pPr marL="285750" indent="-285750">
-              <a:buFont typeface="Arial" panose="020B0604020202020204" pitchFamily="34" charset="0"/>
-              <a:buChar char="•"/>
-            </a:pPr>
+              <a:t>Starspots can cause either superficial changes to the observable properties of a star or cause deep structural changes</a:t>
+            </a:r>
+          </a:p>
+          <a:p>
             <a:r>
               <a:rPr lang="en-US" dirty="0"/>
-              <a:t>This started with creating a three-dimensional model sphere in our preferred programming language</a:t>
-            </a:r>
-          </a:p>
-          <a:p>
-            <a:pPr marL="285750" indent="-285750">
-              <a:buFont typeface="Arial" panose="020B0604020202020204" pitchFamily="34" charset="0"/>
-              <a:buChar char="•"/>
-            </a:pPr>
-            <a:r>
-              <a:rPr lang="en-US" dirty="0"/>
-              <a:t>The surface of the stellar model needed to be tessellated with many small rectangular cells</a:t>
-            </a:r>
-          </a:p>
-          <a:p>
-            <a:pPr marL="285750" indent="-285750">
-              <a:buFont typeface="Arial" panose="020B0604020202020204" pitchFamily="34" charset="0"/>
-              <a:buChar char="•"/>
-            </a:pPr>
-            <a:r>
-              <a:rPr lang="en-US" dirty="0"/>
-              <a:t>Code needed to be written that randomly selected cells to be ‘spot cells’ at any given surface coverage</a:t>
+              <a:t>In order to understand this process, we investigate how starspots affect a star’s brightness over time</a:t>
             </a:r>
           </a:p>
         </p:txBody>
@@ -6016,13 +6283,144 @@
     </p:spTree>
     <p:extLst>
       <p:ext uri="{BB962C8B-B14F-4D97-AF65-F5344CB8AC3E}">
-        <p14:creationId xmlns:p14="http://schemas.microsoft.com/office/powerpoint/2010/main" val="3050754667"/>
+        <p14:creationId xmlns:p14="http://schemas.microsoft.com/office/powerpoint/2010/main" val="2348797191"/>
       </p:ext>
     </p:extLst>
   </p:cSld>
   <p:clrMapOvr>
     <a:masterClrMapping/>
   </p:clrMapOvr>
+  <p:timing>
+    <p:tnLst>
+      <p:par>
+        <p:cTn id="1" dur="indefinite" restart="never" nodeType="tmRoot">
+          <p:childTnLst>
+            <p:seq concurrent="1" nextAc="seek">
+              <p:cTn id="2" dur="indefinite" nodeType="mainSeq">
+                <p:childTnLst>
+                  <p:par>
+                    <p:cTn id="3" fill="hold">
+                      <p:stCondLst>
+                        <p:cond delay="indefinite"/>
+                      </p:stCondLst>
+                      <p:childTnLst>
+                        <p:par>
+                          <p:cTn id="4" fill="hold">
+                            <p:stCondLst>
+                              <p:cond delay="0"/>
+                            </p:stCondLst>
+                            <p:childTnLst>
+                              <p:par>
+                                <p:cTn id="5" presetID="1" presetClass="entr" presetSubtype="0" fill="hold" grpId="0" nodeType="clickEffect">
+                                  <p:stCondLst>
+                                    <p:cond delay="0"/>
+                                  </p:stCondLst>
+                                  <p:childTnLst>
+                                    <p:set>
+                                      <p:cBhvr>
+                                        <p:cTn id="6" dur="1" fill="hold">
+                                          <p:stCondLst>
+                                            <p:cond delay="0"/>
+                                          </p:stCondLst>
+                                        </p:cTn>
+                                        <p:tgtEl>
+                                          <p:spTgt spid="3">
+                                            <p:txEl>
+                                              <p:pRg st="0" end="0"/>
+                                            </p:txEl>
+                                          </p:spTgt>
+                                        </p:tgtEl>
+                                        <p:attrNameLst>
+                                          <p:attrName>style.visibility</p:attrName>
+                                        </p:attrNameLst>
+                                      </p:cBhvr>
+                                      <p:to>
+                                        <p:strVal val="visible"/>
+                                      </p:to>
+                                    </p:set>
+                                  </p:childTnLst>
+                                </p:cTn>
+                              </p:par>
+                            </p:childTnLst>
+                          </p:cTn>
+                        </p:par>
+                      </p:childTnLst>
+                    </p:cTn>
+                  </p:par>
+                  <p:par>
+                    <p:cTn id="7" fill="hold">
+                      <p:stCondLst>
+                        <p:cond delay="indefinite"/>
+                      </p:stCondLst>
+                      <p:childTnLst>
+                        <p:par>
+                          <p:cTn id="8" fill="hold">
+                            <p:stCondLst>
+                              <p:cond delay="0"/>
+                            </p:stCondLst>
+                            <p:childTnLst>
+                              <p:par>
+                                <p:cTn id="9" presetID="1" presetClass="entr" presetSubtype="0" fill="hold" grpId="0" nodeType="clickEffect">
+                                  <p:stCondLst>
+                                    <p:cond delay="0"/>
+                                  </p:stCondLst>
+                                  <p:childTnLst>
+                                    <p:set>
+                                      <p:cBhvr>
+                                        <p:cTn id="10" dur="1" fill="hold">
+                                          <p:stCondLst>
+                                            <p:cond delay="0"/>
+                                          </p:stCondLst>
+                                        </p:cTn>
+                                        <p:tgtEl>
+                                          <p:spTgt spid="3">
+                                            <p:txEl>
+                                              <p:pRg st="1" end="1"/>
+                                            </p:txEl>
+                                          </p:spTgt>
+                                        </p:tgtEl>
+                                        <p:attrNameLst>
+                                          <p:attrName>style.visibility</p:attrName>
+                                        </p:attrNameLst>
+                                      </p:cBhvr>
+                                      <p:to>
+                                        <p:strVal val="visible"/>
+                                      </p:to>
+                                    </p:set>
+                                  </p:childTnLst>
+                                </p:cTn>
+                              </p:par>
+                            </p:childTnLst>
+                          </p:cTn>
+                        </p:par>
+                      </p:childTnLst>
+                    </p:cTn>
+                  </p:par>
+                </p:childTnLst>
+              </p:cTn>
+              <p:prevCondLst>
+                <p:cond evt="onPrev" delay="0">
+                  <p:tgtEl>
+                    <p:sldTgt/>
+                  </p:tgtEl>
+                </p:cond>
+              </p:prevCondLst>
+              <p:nextCondLst>
+                <p:cond evt="onNext" delay="0">
+                  <p:tgtEl>
+                    <p:sldTgt/>
+                  </p:tgtEl>
+                </p:cond>
+              </p:nextCondLst>
+            </p:seq>
+          </p:childTnLst>
+        </p:cTn>
+      </p:par>
+    </p:tnLst>
+    <p:bldLst>
+      <p:bldP spid="3" grpId="0" build="p"/>
+    </p:bldLst>
+  </p:timing>
 </p:sld>
 </file>
 
@@ -6048,7 +6446,7 @@
           <p:cNvPr id="2" name="Title 1">
             <a:extLst>
               <a:ext uri="{FF2B5EF4-FFF2-40B4-BE49-F238E27FC236}">
-                <a16:creationId xmlns:a16="http://schemas.microsoft.com/office/drawing/2014/main" id="{EA5AE9BC-8FAB-44F3-BA80-D9B0D3C2E9FF}"/>
+                <a16:creationId xmlns:a16="http://schemas.microsoft.com/office/drawing/2014/main" id="{97001A61-3D6D-4BC5-B01C-1EF27BB2F820}"/>
               </a:ext>
             </a:extLst>
           </p:cNvPr>
@@ -6066,46 +6464,407 @@
           <a:p>
             <a:r>
               <a:rPr lang="en-US" dirty="0"/>
-              <a:t>Three-dimensional Model to two-dimensional projection</a:t>
-            </a:r>
-          </a:p>
-        </p:txBody>
-      </p:sp>
-      <p:sp>
-        <p:nvSpPr>
-          <p:cNvPr id="9" name="Content Placeholder 8">
+              <a:t>Building 3-D Stellar Models</a:t>
+            </a:r>
+          </a:p>
+        </p:txBody>
+      </p:sp>
+      <p:pic>
+        <p:nvPicPr>
+          <p:cNvPr id="7" name="Content Placeholder 6">
             <a:extLst>
               <a:ext uri="{FF2B5EF4-FFF2-40B4-BE49-F238E27FC236}">
-                <a16:creationId xmlns:a16="http://schemas.microsoft.com/office/drawing/2014/main" id="{ECA10403-4329-4AB2-8B01-91774D340079}"/>
+                <a16:creationId xmlns:a16="http://schemas.microsoft.com/office/drawing/2014/main" id="{B7A75AC5-4DA0-4E47-AB3D-724A175A7713}"/>
               </a:ext>
             </a:extLst>
           </p:cNvPr>
-          <p:cNvSpPr>
-            <a:spLocks noGrp="1"/>
-          </p:cNvSpPr>
-          <p:nvPr>
-            <p:ph idx="1"/>
+          <p:cNvPicPr>
+            <a:picLocks noGrp="1" noChangeAspect="1"/>
+          </p:cNvPicPr>
+          <p:nvPr>
+            <p:ph sz="half" idx="1"/>
+          </p:nvPr>
+        </p:nvPicPr>
+        <p:blipFill>
+          <a:blip r:embed="rId2">
+            <a:extLst>
+              <a:ext uri="{28A0092B-C50C-407E-A947-70E740481C1C}">
+                <a14:useLocalDpi xmlns:a14="http://schemas.microsoft.com/office/drawing/2010/main" val="0"/>
+              </a:ext>
+            </a:extLst>
+          </a:blip>
+          <a:stretch>
+            <a:fillRect/>
+          </a:stretch>
+        </p:blipFill>
+        <p:spPr>
+          <a:xfrm>
+            <a:off x="1200231" y="2060575"/>
+            <a:ext cx="4201951" cy="4195763"/>
+          </a:xfrm>
+          <a:prstGeom prst="roundRect">
+            <a:avLst>
+              <a:gd name="adj" fmla="val 8594"/>
+            </a:avLst>
+          </a:prstGeom>
+          <a:solidFill>
+            <a:srgbClr val="FFFFFF">
+              <a:shade val="85000"/>
+            </a:srgbClr>
+          </a:solidFill>
+          <a:ln>
+            <a:noFill/>
+          </a:ln>
+          <a:effectLst>
+            <a:reflection blurRad="12700" stA="38000" endPos="28000" dist="5000" dir="5400000" sy="-100000" algn="bl" rotWithShape="0"/>
+          </a:effectLst>
+        </p:spPr>
+      </p:pic>
+      <p:sp>
+        <p:nvSpPr>
+          <p:cNvPr id="5" name="Text Placeholder 4">
+            <a:extLst>
+              <a:ext uri="{FF2B5EF4-FFF2-40B4-BE49-F238E27FC236}">
+                <a16:creationId xmlns:a16="http://schemas.microsoft.com/office/drawing/2014/main" id="{2F0ADE76-F767-4406-9B43-B9886DA14007}"/>
+              </a:ext>
+            </a:extLst>
+          </p:cNvPr>
+          <p:cNvSpPr>
+            <a:spLocks noGrp="1"/>
+          </p:cNvSpPr>
+          <p:nvPr>
+            <p:ph sz="half" idx="2"/>
           </p:nvPr>
         </p:nvSpPr>
         <p:spPr/>
         <p:txBody>
-          <a:bodyPr/>
+          <a:bodyPr>
+            <a:normAutofit/>
+          </a:bodyPr>
           <a:lstStyle/>
           <a:p>
-            <a:endParaRPr lang="en-US" dirty="0"/>
+            <a:pPr marL="285750" indent="-285750">
+              <a:buFont typeface="Arial" panose="020B0604020202020204" pitchFamily="34" charset="0"/>
+              <a:buChar char="•"/>
+            </a:pPr>
+            <a:r>
+              <a:rPr lang="en-US" dirty="0"/>
+              <a:t>We took a practical approach to the construction of our stellar models</a:t>
+            </a:r>
+          </a:p>
+          <a:p>
+            <a:pPr marL="285750" indent="-285750">
+              <a:buFont typeface="Arial" panose="020B0604020202020204" pitchFamily="34" charset="0"/>
+              <a:buChar char="•"/>
+            </a:pPr>
+            <a:r>
+              <a:rPr lang="en-US" dirty="0"/>
+              <a:t>This started with creating a three-dimensional model sphere in our preferred programming language</a:t>
+            </a:r>
+          </a:p>
+          <a:p>
+            <a:pPr marL="285750" indent="-285750">
+              <a:buFont typeface="Arial" panose="020B0604020202020204" pitchFamily="34" charset="0"/>
+              <a:buChar char="•"/>
+            </a:pPr>
+            <a:r>
+              <a:rPr lang="en-US" dirty="0"/>
+              <a:t>The surface of the stellar model needed to be tessellated with many small rectangular cells</a:t>
+            </a:r>
+          </a:p>
+          <a:p>
+            <a:pPr marL="285750" indent="-285750">
+              <a:buFont typeface="Arial" panose="020B0604020202020204" pitchFamily="34" charset="0"/>
+              <a:buChar char="•"/>
+            </a:pPr>
+            <a:r>
+              <a:rPr lang="en-US" dirty="0"/>
+              <a:t>Code was written that randomly selected cells to be ‘spot cells’ at any given surface coverage</a:t>
+            </a:r>
           </a:p>
         </p:txBody>
       </p:sp>
     </p:spTree>
     <p:extLst>
       <p:ext uri="{BB962C8B-B14F-4D97-AF65-F5344CB8AC3E}">
-        <p14:creationId xmlns:p14="http://schemas.microsoft.com/office/powerpoint/2010/main" val="3001104871"/>
+        <p14:creationId xmlns:p14="http://schemas.microsoft.com/office/powerpoint/2010/main" val="3050754667"/>
       </p:ext>
     </p:extLst>
   </p:cSld>
   <p:clrMapOvr>
     <a:masterClrMapping/>
   </p:clrMapOvr>
+  <p:timing>
+    <p:tnLst>
+      <p:par>
+        <p:cTn id="1" dur="indefinite" restart="never" nodeType="tmRoot">
+          <p:childTnLst>
+            <p:seq concurrent="1" nextAc="seek">
+              <p:cTn id="2" dur="indefinite" nodeType="mainSeq">
+                <p:childTnLst>
+                  <p:par>
+                    <p:cTn id="3" fill="hold">
+                      <p:stCondLst>
+                        <p:cond delay="indefinite"/>
+                      </p:stCondLst>
+                      <p:childTnLst>
+                        <p:par>
+                          <p:cTn id="4" fill="hold">
+                            <p:stCondLst>
+                              <p:cond delay="0"/>
+                            </p:stCondLst>
+                            <p:childTnLst>
+                              <p:par>
+                                <p:cTn id="5" presetID="1" presetClass="entr" presetSubtype="0" fill="hold" nodeType="clickEffect">
+                                  <p:stCondLst>
+                                    <p:cond delay="0"/>
+                                  </p:stCondLst>
+                                  <p:childTnLst>
+                                    <p:set>
+                                      <p:cBhvr>
+                                        <p:cTn id="6" dur="1" fill="hold">
+                                          <p:stCondLst>
+                                            <p:cond delay="0"/>
+                                          </p:stCondLst>
+                                        </p:cTn>
+                                        <p:tgtEl>
+                                          <p:spTgt spid="5">
+                                            <p:txEl>
+                                              <p:pRg st="0" end="0"/>
+                                            </p:txEl>
+                                          </p:spTgt>
+                                        </p:tgtEl>
+                                        <p:attrNameLst>
+                                          <p:attrName>style.visibility</p:attrName>
+                                        </p:attrNameLst>
+                                      </p:cBhvr>
+                                      <p:to>
+                                        <p:strVal val="visible"/>
+                                      </p:to>
+                                    </p:set>
+                                  </p:childTnLst>
+                                </p:cTn>
+                              </p:par>
+                            </p:childTnLst>
+                          </p:cTn>
+                        </p:par>
+                      </p:childTnLst>
+                    </p:cTn>
+                  </p:par>
+                  <p:par>
+                    <p:cTn id="7" fill="hold">
+                      <p:stCondLst>
+                        <p:cond delay="indefinite"/>
+                      </p:stCondLst>
+                      <p:childTnLst>
+                        <p:par>
+                          <p:cTn id="8" fill="hold">
+                            <p:stCondLst>
+                              <p:cond delay="0"/>
+                            </p:stCondLst>
+                            <p:childTnLst>
+                              <p:par>
+                                <p:cTn id="9" presetID="1" presetClass="entr" presetSubtype="0" fill="hold" nodeType="clickEffect">
+                                  <p:stCondLst>
+                                    <p:cond delay="0"/>
+                                  </p:stCondLst>
+                                  <p:childTnLst>
+                                    <p:set>
+                                      <p:cBhvr>
+                                        <p:cTn id="10" dur="1" fill="hold">
+                                          <p:stCondLst>
+                                            <p:cond delay="0"/>
+                                          </p:stCondLst>
+                                        </p:cTn>
+                                        <p:tgtEl>
+                                          <p:spTgt spid="7"/>
+                                        </p:tgtEl>
+                                        <p:attrNameLst>
+                                          <p:attrName>style.visibility</p:attrName>
+                                        </p:attrNameLst>
+                                      </p:cBhvr>
+                                      <p:to>
+                                        <p:strVal val="visible"/>
+                                      </p:to>
+                                    </p:set>
+                                  </p:childTnLst>
+                                </p:cTn>
+                              </p:par>
+                            </p:childTnLst>
+                          </p:cTn>
+                        </p:par>
+                      </p:childTnLst>
+                    </p:cTn>
+                  </p:par>
+                  <p:par>
+                    <p:cTn id="11" fill="hold">
+                      <p:stCondLst>
+                        <p:cond delay="indefinite"/>
+                      </p:stCondLst>
+                      <p:childTnLst>
+                        <p:par>
+                          <p:cTn id="12" fill="hold">
+                            <p:stCondLst>
+                              <p:cond delay="0"/>
+                            </p:stCondLst>
+                            <p:childTnLst>
+                              <p:par>
+                                <p:cTn id="13" presetID="1" presetClass="entr" presetSubtype="0" fill="hold" nodeType="clickEffect">
+                                  <p:stCondLst>
+                                    <p:cond delay="0"/>
+                                  </p:stCondLst>
+                                  <p:childTnLst>
+                                    <p:set>
+                                      <p:cBhvr>
+                                        <p:cTn id="14" dur="1" fill="hold">
+                                          <p:stCondLst>
+                                            <p:cond delay="0"/>
+                                          </p:stCondLst>
+                                        </p:cTn>
+                                        <p:tgtEl>
+                                          <p:spTgt spid="5">
+                                            <p:txEl>
+                                              <p:pRg st="1" end="1"/>
+                                            </p:txEl>
+                                          </p:spTgt>
+                                        </p:tgtEl>
+                                        <p:attrNameLst>
+                                          <p:attrName>style.visibility</p:attrName>
+                                        </p:attrNameLst>
+                                      </p:cBhvr>
+                                      <p:to>
+                                        <p:strVal val="visible"/>
+                                      </p:to>
+                                    </p:set>
+                                  </p:childTnLst>
+                                </p:cTn>
+                              </p:par>
+                            </p:childTnLst>
+                          </p:cTn>
+                        </p:par>
+                      </p:childTnLst>
+                    </p:cTn>
+                  </p:par>
+                  <p:par>
+                    <p:cTn id="15" fill="hold">
+                      <p:stCondLst>
+                        <p:cond delay="indefinite"/>
+                      </p:stCondLst>
+                      <p:childTnLst>
+                        <p:par>
+                          <p:cTn id="16" fill="hold">
+                            <p:stCondLst>
+                              <p:cond delay="0"/>
+                            </p:stCondLst>
+                            <p:childTnLst>
+                              <p:par>
+                                <p:cTn id="17" presetID="1" presetClass="entr" presetSubtype="0" fill="hold" nodeType="clickEffect">
+                                  <p:stCondLst>
+                                    <p:cond delay="0"/>
+                                  </p:stCondLst>
+                                  <p:childTnLst>
+                                    <p:set>
+                                      <p:cBhvr>
+                                        <p:cTn id="18" dur="1" fill="hold">
+                                          <p:stCondLst>
+                                            <p:cond delay="0"/>
+                                          </p:stCondLst>
+                                        </p:cTn>
+                                        <p:tgtEl>
+                                          <p:spTgt spid="5">
+                                            <p:txEl>
+                                              <p:pRg st="2" end="2"/>
+                                            </p:txEl>
+                                          </p:spTgt>
+                                        </p:tgtEl>
+                                        <p:attrNameLst>
+                                          <p:attrName>style.visibility</p:attrName>
+                                        </p:attrNameLst>
+                                      </p:cBhvr>
+                                      <p:to>
+                                        <p:strVal val="visible"/>
+                                      </p:to>
+                                    </p:set>
+                                  </p:childTnLst>
+                                </p:cTn>
+                              </p:par>
+                            </p:childTnLst>
+                          </p:cTn>
+                        </p:par>
+                      </p:childTnLst>
+                    </p:cTn>
+                  </p:par>
+                  <p:par>
+                    <p:cTn id="19" fill="hold">
+                      <p:stCondLst>
+                        <p:cond delay="indefinite"/>
+                      </p:stCondLst>
+                      <p:childTnLst>
+                        <p:par>
+                          <p:cTn id="20" fill="hold">
+                            <p:stCondLst>
+                              <p:cond delay="0"/>
+                            </p:stCondLst>
+                            <p:childTnLst>
+                              <p:par>
+                                <p:cTn id="21" presetID="1" presetClass="entr" presetSubtype="0" fill="hold" nodeType="clickEffect">
+                                  <p:stCondLst>
+                                    <p:cond delay="0"/>
+                                  </p:stCondLst>
+                                  <p:childTnLst>
+                                    <p:set>
+                                      <p:cBhvr>
+                                        <p:cTn id="22" dur="1" fill="hold">
+                                          <p:stCondLst>
+                                            <p:cond delay="0"/>
+                                          </p:stCondLst>
+                                        </p:cTn>
+                                        <p:tgtEl>
+                                          <p:spTgt spid="5">
+                                            <p:txEl>
+                                              <p:pRg st="3" end="3"/>
+                                            </p:txEl>
+                                          </p:spTgt>
+                                        </p:tgtEl>
+                                        <p:attrNameLst>
+                                          <p:attrName>style.visibility</p:attrName>
+                                        </p:attrNameLst>
+                                      </p:cBhvr>
+                                      <p:to>
+                                        <p:strVal val="visible"/>
+                                      </p:to>
+                                    </p:set>
+                                  </p:childTnLst>
+                                </p:cTn>
+                              </p:par>
+                            </p:childTnLst>
+                          </p:cTn>
+                        </p:par>
+                      </p:childTnLst>
+                    </p:cTn>
+                  </p:par>
+                </p:childTnLst>
+              </p:cTn>
+              <p:prevCondLst>
+                <p:cond evt="onPrev" delay="0">
+                  <p:tgtEl>
+                    <p:sldTgt/>
+                  </p:tgtEl>
+                </p:cond>
+              </p:prevCondLst>
+              <p:nextCondLst>
+                <p:cond evt="onNext" delay="0">
+                  <p:tgtEl>
+                    <p:sldTgt/>
+                  </p:tgtEl>
+                </p:cond>
+              </p:nextCondLst>
+            </p:seq>
+          </p:childTnLst>
+        </p:cTn>
+      </p:par>
+    </p:tnLst>
+  </p:timing>
 </p:sld>
 </file>
 
@@ -6131,6 +6890,342 @@
           <p:cNvPr id="2" name="Title 1">
             <a:extLst>
               <a:ext uri="{FF2B5EF4-FFF2-40B4-BE49-F238E27FC236}">
+                <a16:creationId xmlns:a16="http://schemas.microsoft.com/office/drawing/2014/main" id="{EA5AE9BC-8FAB-44F3-BA80-D9B0D3C2E9FF}"/>
+              </a:ext>
+            </a:extLst>
+          </p:cNvPr>
+          <p:cNvSpPr>
+            <a:spLocks noGrp="1"/>
+          </p:cNvSpPr>
+          <p:nvPr>
+            <p:ph type="title"/>
+          </p:nvPr>
+        </p:nvSpPr>
+        <p:spPr/>
+        <p:txBody>
+          <a:bodyPr/>
+          <a:lstStyle/>
+          <a:p>
+            <a:r>
+              <a:rPr lang="en-US" dirty="0"/>
+              <a:t>3-D Model to 2-D Projection</a:t>
+            </a:r>
+          </a:p>
+        </p:txBody>
+      </p:sp>
+      <p:sp>
+        <p:nvSpPr>
+          <p:cNvPr id="9" name="Content Placeholder 8">
+            <a:extLst>
+              <a:ext uri="{FF2B5EF4-FFF2-40B4-BE49-F238E27FC236}">
+                <a16:creationId xmlns:a16="http://schemas.microsoft.com/office/drawing/2014/main" id="{ECA10403-4329-4AB2-8B01-91774D340079}"/>
+              </a:ext>
+            </a:extLst>
+          </p:cNvPr>
+          <p:cNvSpPr>
+            <a:spLocks noGrp="1"/>
+          </p:cNvSpPr>
+          <p:nvPr>
+            <p:ph idx="1"/>
+          </p:nvPr>
+        </p:nvSpPr>
+        <p:spPr/>
+        <p:txBody>
+          <a:bodyPr/>
+          <a:lstStyle/>
+          <a:p>
+            <a:r>
+              <a:rPr lang="en-US" dirty="0"/>
+              <a:t>To calculate the observed luminosity of our stellar model, we projected the observed hemisphere of our model onto a square</a:t>
+            </a:r>
+          </a:p>
+          <a:p>
+            <a:r>
+              <a:rPr lang="en-US" dirty="0"/>
+              <a:t>A projection was chosen that preserves observed surface area</a:t>
+            </a:r>
+          </a:p>
+          <a:p>
+            <a:r>
+              <a:rPr lang="en-US" dirty="0"/>
+              <a:t>Surface area is directly proportional to luminosity</a:t>
+            </a:r>
+          </a:p>
+          <a:p>
+            <a:r>
+              <a:rPr lang="en-US" dirty="0"/>
+              <a:t>Therefore, we observe the edges of the observed hemisphere to be dimmer than the center</a:t>
+            </a:r>
+          </a:p>
+          <a:p>
+            <a:endParaRPr lang="en-US" dirty="0"/>
+          </a:p>
+        </p:txBody>
+      </p:sp>
+    </p:spTree>
+    <p:extLst>
+      <p:ext uri="{BB962C8B-B14F-4D97-AF65-F5344CB8AC3E}">
+        <p14:creationId xmlns:p14="http://schemas.microsoft.com/office/powerpoint/2010/main" val="3001104871"/>
+      </p:ext>
+    </p:extLst>
+  </p:cSld>
+  <p:clrMapOvr>
+    <a:masterClrMapping/>
+  </p:clrMapOvr>
+  <p:timing>
+    <p:tnLst>
+      <p:par>
+        <p:cTn id="1" dur="indefinite" restart="never" nodeType="tmRoot">
+          <p:childTnLst>
+            <p:seq concurrent="1" nextAc="seek">
+              <p:cTn id="2" dur="indefinite" nodeType="mainSeq">
+                <p:childTnLst>
+                  <p:par>
+                    <p:cTn id="3" fill="hold">
+                      <p:stCondLst>
+                        <p:cond delay="indefinite"/>
+                      </p:stCondLst>
+                      <p:childTnLst>
+                        <p:par>
+                          <p:cTn id="4" fill="hold">
+                            <p:stCondLst>
+                              <p:cond delay="0"/>
+                            </p:stCondLst>
+                            <p:childTnLst>
+                              <p:par>
+                                <p:cTn id="5" presetID="1" presetClass="entr" presetSubtype="0" fill="hold" grpId="0" nodeType="clickEffect">
+                                  <p:stCondLst>
+                                    <p:cond delay="0"/>
+                                  </p:stCondLst>
+                                  <p:childTnLst>
+                                    <p:set>
+                                      <p:cBhvr>
+                                        <p:cTn id="6" dur="1" fill="hold">
+                                          <p:stCondLst>
+                                            <p:cond delay="0"/>
+                                          </p:stCondLst>
+                                        </p:cTn>
+                                        <p:tgtEl>
+                                          <p:spTgt spid="9">
+                                            <p:txEl>
+                                              <p:pRg st="0" end="0"/>
+                                            </p:txEl>
+                                          </p:spTgt>
+                                        </p:tgtEl>
+                                        <p:attrNameLst>
+                                          <p:attrName>style.visibility</p:attrName>
+                                        </p:attrNameLst>
+                                      </p:cBhvr>
+                                      <p:to>
+                                        <p:strVal val="visible"/>
+                                      </p:to>
+                                    </p:set>
+                                  </p:childTnLst>
+                                </p:cTn>
+                              </p:par>
+                            </p:childTnLst>
+                          </p:cTn>
+                        </p:par>
+                      </p:childTnLst>
+                    </p:cTn>
+                  </p:par>
+                  <p:par>
+                    <p:cTn id="7" fill="hold">
+                      <p:stCondLst>
+                        <p:cond delay="indefinite"/>
+                      </p:stCondLst>
+                      <p:childTnLst>
+                        <p:par>
+                          <p:cTn id="8" fill="hold">
+                            <p:stCondLst>
+                              <p:cond delay="0"/>
+                            </p:stCondLst>
+                            <p:childTnLst>
+                              <p:par>
+                                <p:cTn id="9" presetID="1" presetClass="entr" presetSubtype="0" fill="hold" grpId="0" nodeType="clickEffect">
+                                  <p:stCondLst>
+                                    <p:cond delay="0"/>
+                                  </p:stCondLst>
+                                  <p:childTnLst>
+                                    <p:set>
+                                      <p:cBhvr>
+                                        <p:cTn id="10" dur="1" fill="hold">
+                                          <p:stCondLst>
+                                            <p:cond delay="0"/>
+                                          </p:stCondLst>
+                                        </p:cTn>
+                                        <p:tgtEl>
+                                          <p:spTgt spid="9">
+                                            <p:txEl>
+                                              <p:pRg st="1" end="1"/>
+                                            </p:txEl>
+                                          </p:spTgt>
+                                        </p:tgtEl>
+                                        <p:attrNameLst>
+                                          <p:attrName>style.visibility</p:attrName>
+                                        </p:attrNameLst>
+                                      </p:cBhvr>
+                                      <p:to>
+                                        <p:strVal val="visible"/>
+                                      </p:to>
+                                    </p:set>
+                                  </p:childTnLst>
+                                </p:cTn>
+                              </p:par>
+                            </p:childTnLst>
+                          </p:cTn>
+                        </p:par>
+                      </p:childTnLst>
+                    </p:cTn>
+                  </p:par>
+                  <p:par>
+                    <p:cTn id="11" fill="hold">
+                      <p:stCondLst>
+                        <p:cond delay="indefinite"/>
+                      </p:stCondLst>
+                      <p:childTnLst>
+                        <p:par>
+                          <p:cTn id="12" fill="hold">
+                            <p:stCondLst>
+                              <p:cond delay="0"/>
+                            </p:stCondLst>
+                            <p:childTnLst>
+                              <p:par>
+                                <p:cTn id="13" presetID="1" presetClass="entr" presetSubtype="0" fill="hold" grpId="0" nodeType="clickEffect">
+                                  <p:stCondLst>
+                                    <p:cond delay="0"/>
+                                  </p:stCondLst>
+                                  <p:childTnLst>
+                                    <p:set>
+                                      <p:cBhvr>
+                                        <p:cTn id="14" dur="1" fill="hold">
+                                          <p:stCondLst>
+                                            <p:cond delay="0"/>
+                                          </p:stCondLst>
+                                        </p:cTn>
+                                        <p:tgtEl>
+                                          <p:spTgt spid="9">
+                                            <p:txEl>
+                                              <p:pRg st="2" end="2"/>
+                                            </p:txEl>
+                                          </p:spTgt>
+                                        </p:tgtEl>
+                                        <p:attrNameLst>
+                                          <p:attrName>style.visibility</p:attrName>
+                                        </p:attrNameLst>
+                                      </p:cBhvr>
+                                      <p:to>
+                                        <p:strVal val="visible"/>
+                                      </p:to>
+                                    </p:set>
+                                  </p:childTnLst>
+                                </p:cTn>
+                              </p:par>
+                            </p:childTnLst>
+                          </p:cTn>
+                        </p:par>
+                      </p:childTnLst>
+                    </p:cTn>
+                  </p:par>
+                  <p:par>
+                    <p:cTn id="15" fill="hold">
+                      <p:stCondLst>
+                        <p:cond delay="indefinite"/>
+                      </p:stCondLst>
+                      <p:childTnLst>
+                        <p:par>
+                          <p:cTn id="16" fill="hold">
+                            <p:stCondLst>
+                              <p:cond delay="0"/>
+                            </p:stCondLst>
+                            <p:childTnLst>
+                              <p:par>
+                                <p:cTn id="17" presetID="1" presetClass="entr" presetSubtype="0" fill="hold" grpId="0" nodeType="clickEffect">
+                                  <p:stCondLst>
+                                    <p:cond delay="0"/>
+                                  </p:stCondLst>
+                                  <p:childTnLst>
+                                    <p:set>
+                                      <p:cBhvr>
+                                        <p:cTn id="18" dur="1" fill="hold">
+                                          <p:stCondLst>
+                                            <p:cond delay="0"/>
+                                          </p:stCondLst>
+                                        </p:cTn>
+                                        <p:tgtEl>
+                                          <p:spTgt spid="9">
+                                            <p:txEl>
+                                              <p:pRg st="3" end="3"/>
+                                            </p:txEl>
+                                          </p:spTgt>
+                                        </p:tgtEl>
+                                        <p:attrNameLst>
+                                          <p:attrName>style.visibility</p:attrName>
+                                        </p:attrNameLst>
+                                      </p:cBhvr>
+                                      <p:to>
+                                        <p:strVal val="visible"/>
+                                      </p:to>
+                                    </p:set>
+                                  </p:childTnLst>
+                                </p:cTn>
+                              </p:par>
+                            </p:childTnLst>
+                          </p:cTn>
+                        </p:par>
+                      </p:childTnLst>
+                    </p:cTn>
+                  </p:par>
+                </p:childTnLst>
+              </p:cTn>
+              <p:prevCondLst>
+                <p:cond evt="onPrev" delay="0">
+                  <p:tgtEl>
+                    <p:sldTgt/>
+                  </p:tgtEl>
+                </p:cond>
+              </p:prevCondLst>
+              <p:nextCondLst>
+                <p:cond evt="onNext" delay="0">
+                  <p:tgtEl>
+                    <p:sldTgt/>
+                  </p:tgtEl>
+                </p:cond>
+              </p:nextCondLst>
+            </p:seq>
+          </p:childTnLst>
+        </p:cTn>
+      </p:par>
+    </p:tnLst>
+    <p:bldLst>
+      <p:bldP spid="9" grpId="0" uiExpand="1" build="p"/>
+    </p:bldLst>
+  </p:timing>
+</p:sld>
+</file>
+
+<file path=ppt/slides/slide5.xml><?xml version="1.0" encoding="utf-8"?>
+<p:sld xmlns:a="http://schemas.openxmlformats.org/drawingml/2006/main" xmlns:r="http://schemas.openxmlformats.org/officeDocument/2006/relationships" xmlns:p="http://schemas.openxmlformats.org/presentationml/2006/main">
+  <p:cSld>
+    <p:spTree>
+      <p:nvGrpSpPr>
+        <p:cNvPr id="1" name=""/>
+        <p:cNvGrpSpPr/>
+        <p:nvPr/>
+      </p:nvGrpSpPr>
+      <p:grpSpPr>
+        <a:xfrm>
+          <a:off x="0" y="0"/>
+          <a:ext cx="0" cy="0"/>
+          <a:chOff x="0" y="0"/>
+          <a:chExt cx="0" cy="0"/>
+        </a:xfrm>
+      </p:grpSpPr>
+      <p:sp>
+        <p:nvSpPr>
+          <p:cNvPr id="2" name="Title 1">
+            <a:extLst>
+              <a:ext uri="{FF2B5EF4-FFF2-40B4-BE49-F238E27FC236}">
                 <a16:creationId xmlns:a16="http://schemas.microsoft.com/office/drawing/2014/main" id="{FAA3EE61-A1EF-4A21-BD07-457726AF5D84}"/>
               </a:ext>
             </a:extLst>
@@ -6149,67 +7244,7 @@
           <a:p>
             <a:r>
               <a:rPr lang="en-US" dirty="0"/>
-              <a:t>Brightness Integration</a:t>
-            </a:r>
-          </a:p>
-        </p:txBody>
-      </p:sp>
-      <p:sp>
-        <p:nvSpPr>
-          <p:cNvPr id="5" name="Text Placeholder 4">
-            <a:extLst>
-              <a:ext uri="{FF2B5EF4-FFF2-40B4-BE49-F238E27FC236}">
-                <a16:creationId xmlns:a16="http://schemas.microsoft.com/office/drawing/2014/main" id="{19212A1D-B6A7-4444-8E1D-F1EB42C0238D}"/>
-              </a:ext>
-            </a:extLst>
-          </p:cNvPr>
-          <p:cNvSpPr>
-            <a:spLocks noGrp="1"/>
-          </p:cNvSpPr>
-          <p:nvPr>
-            <p:ph type="body" sz="half" idx="2"/>
-          </p:nvPr>
-        </p:nvSpPr>
-        <p:spPr/>
-        <p:txBody>
-          <a:bodyPr/>
-          <a:lstStyle/>
-          <a:p>
-            <a:endParaRPr lang="en-US"/>
-          </a:p>
-        </p:txBody>
-      </p:sp>
-      <p:sp>
-        <p:nvSpPr>
-          <p:cNvPr id="8" name="TextBox 7">
-            <a:extLst>
-              <a:ext uri="{FF2B5EF4-FFF2-40B4-BE49-F238E27FC236}">
-                <a16:creationId xmlns:a16="http://schemas.microsoft.com/office/drawing/2014/main" id="{1081CEE2-9A6D-4DDA-9E2B-0AAAA3A800A6}"/>
-              </a:ext>
-            </a:extLst>
-          </p:cNvPr>
-          <p:cNvSpPr txBox="1"/>
-          <p:nvPr/>
-        </p:nvSpPr>
-        <p:spPr>
-          <a:xfrm>
-            <a:off x="5858351" y="6218684"/>
-            <a:ext cx="1080745" cy="246221"/>
-          </a:xfrm>
-          <a:prstGeom prst="rect">
-            <a:avLst/>
-          </a:prstGeom>
-          <a:noFill/>
-        </p:spPr>
-        <p:txBody>
-          <a:bodyPr wrap="none" rtlCol="0">
-            <a:spAutoFit/>
-          </a:bodyPr>
-          <a:lstStyle/>
-          <a:p>
-            <a:r>
-              <a:rPr lang="en-US" sz="1000" dirty="0"/>
-              <a:t>Image Credit:</a:t>
+              <a:t>Luminosity Integration</a:t>
             </a:r>
           </a:p>
         </p:txBody>
@@ -6227,7 +7262,7 @@
             <a:picLocks noGrp="1" noChangeAspect="1"/>
           </p:cNvPicPr>
           <p:nvPr>
-            <p:ph idx="1"/>
+            <p:ph sz="half" idx="1"/>
           </p:nvPr>
         </p:nvPicPr>
         <p:blipFill>
@@ -6244,11 +7279,97 @@
         </p:blipFill>
         <p:spPr>
           <a:xfrm>
-            <a:off x="5858351" y="902972"/>
-            <a:ext cx="4785360" cy="5315712"/>
+            <a:off x="1412632" y="2060575"/>
+            <a:ext cx="3777149" cy="4195763"/>
           </a:xfrm>
         </p:spPr>
       </p:pic>
+      <p:sp>
+        <p:nvSpPr>
+          <p:cNvPr id="3" name="Content Placeholder 2">
+            <a:extLst>
+              <a:ext uri="{FF2B5EF4-FFF2-40B4-BE49-F238E27FC236}">
+                <a16:creationId xmlns:a16="http://schemas.microsoft.com/office/drawing/2014/main" id="{961C16AE-9F9E-443B-9304-80A46A6469F4}"/>
+              </a:ext>
+            </a:extLst>
+          </p:cNvPr>
+          <p:cNvSpPr>
+            <a:spLocks noGrp="1"/>
+          </p:cNvSpPr>
+          <p:nvPr>
+            <p:ph sz="half" idx="2"/>
+          </p:nvPr>
+        </p:nvSpPr>
+        <p:spPr>
+          <a:xfrm>
+            <a:off x="5654493" y="2060575"/>
+            <a:ext cx="4396341" cy="4200245"/>
+          </a:xfrm>
+        </p:spPr>
+        <p:txBody>
+          <a:bodyPr/>
+          <a:lstStyle/>
+          <a:p>
+            <a:r>
+              <a:rPr lang="en-US" dirty="0"/>
+              <a:t>To simulate changes in luminosity in our models as a function of time, the stellar model would be rotated</a:t>
+            </a:r>
+          </a:p>
+          <a:p>
+            <a:r>
+              <a:rPr lang="en-US" dirty="0"/>
+              <a:t>With each discrete rotation, a new projection of the observed hemisphere is produced</a:t>
+            </a:r>
+          </a:p>
+          <a:p>
+            <a:r>
+              <a:rPr lang="en-US" dirty="0"/>
+              <a:t>After a complete rotation, the observed luminosity from each projection is summed, and plotted against rotational (phase) angle</a:t>
+            </a:r>
+          </a:p>
+          <a:p>
+            <a:r>
+              <a:rPr lang="en-US" dirty="0"/>
+              <a:t>This is known as a light curve</a:t>
+            </a:r>
+          </a:p>
+        </p:txBody>
+      </p:sp>
+      <p:sp>
+        <p:nvSpPr>
+          <p:cNvPr id="8" name="TextBox 7">
+            <a:extLst>
+              <a:ext uri="{FF2B5EF4-FFF2-40B4-BE49-F238E27FC236}">
+                <a16:creationId xmlns:a16="http://schemas.microsoft.com/office/drawing/2014/main" id="{1081CEE2-9A6D-4DDA-9E2B-0AAAA3A800A6}"/>
+              </a:ext>
+            </a:extLst>
+          </p:cNvPr>
+          <p:cNvSpPr txBox="1"/>
+          <p:nvPr/>
+        </p:nvSpPr>
+        <p:spPr>
+          <a:xfrm>
+            <a:off x="1412632" y="6256337"/>
+            <a:ext cx="3777149" cy="246221"/>
+          </a:xfrm>
+          <a:prstGeom prst="rect">
+            <a:avLst/>
+          </a:prstGeom>
+          <a:noFill/>
+        </p:spPr>
+        <p:txBody>
+          <a:bodyPr wrap="square" rtlCol="0">
+            <a:spAutoFit/>
+          </a:bodyPr>
+          <a:lstStyle/>
+          <a:p>
+            <a:r>
+              <a:rPr lang="en-US" sz="1000" dirty="0"/>
+              <a:t>Image Credit:</a:t>
+            </a:r>
+          </a:p>
+        </p:txBody>
+      </p:sp>
     </p:spTree>
     <p:extLst>
       <p:ext uri="{BB962C8B-B14F-4D97-AF65-F5344CB8AC3E}">
@@ -6259,13 +7380,424 @@
   <p:clrMapOvr>
     <a:masterClrMapping/>
   </p:clrMapOvr>
+  <p:timing>
+    <p:tnLst>
+      <p:par>
+        <p:cTn id="1" dur="indefinite" restart="never" nodeType="tmRoot">
+          <p:childTnLst>
+            <p:seq concurrent="1" nextAc="seek">
+              <p:cTn id="2" dur="indefinite" nodeType="mainSeq">
+                <p:childTnLst>
+                  <p:par>
+                    <p:cTn id="3" fill="hold">
+                      <p:stCondLst>
+                        <p:cond delay="indefinite"/>
+                      </p:stCondLst>
+                      <p:childTnLst>
+                        <p:par>
+                          <p:cTn id="4" fill="hold">
+                            <p:stCondLst>
+                              <p:cond delay="0"/>
+                            </p:stCondLst>
+                            <p:childTnLst>
+                              <p:par>
+                                <p:cTn id="5" presetID="1" presetClass="entr" presetSubtype="0" fill="hold" grpId="0" nodeType="clickEffect">
+                                  <p:stCondLst>
+                                    <p:cond delay="0"/>
+                                  </p:stCondLst>
+                                  <p:childTnLst>
+                                    <p:set>
+                                      <p:cBhvr>
+                                        <p:cTn id="6" dur="1" fill="hold">
+                                          <p:stCondLst>
+                                            <p:cond delay="0"/>
+                                          </p:stCondLst>
+                                        </p:cTn>
+                                        <p:tgtEl>
+                                          <p:spTgt spid="3">
+                                            <p:txEl>
+                                              <p:pRg st="0" end="0"/>
+                                            </p:txEl>
+                                          </p:spTgt>
+                                        </p:tgtEl>
+                                        <p:attrNameLst>
+                                          <p:attrName>style.visibility</p:attrName>
+                                        </p:attrNameLst>
+                                      </p:cBhvr>
+                                      <p:to>
+                                        <p:strVal val="visible"/>
+                                      </p:to>
+                                    </p:set>
+                                  </p:childTnLst>
+                                </p:cTn>
+                              </p:par>
+                            </p:childTnLst>
+                          </p:cTn>
+                        </p:par>
+                      </p:childTnLst>
+                    </p:cTn>
+                  </p:par>
+                  <p:par>
+                    <p:cTn id="7" fill="hold">
+                      <p:stCondLst>
+                        <p:cond delay="indefinite"/>
+                      </p:stCondLst>
+                      <p:childTnLst>
+                        <p:par>
+                          <p:cTn id="8" fill="hold">
+                            <p:stCondLst>
+                              <p:cond delay="0"/>
+                            </p:stCondLst>
+                            <p:childTnLst>
+                              <p:par>
+                                <p:cTn id="9" presetID="1" presetClass="entr" presetSubtype="0" fill="hold" grpId="0" nodeType="clickEffect">
+                                  <p:stCondLst>
+                                    <p:cond delay="0"/>
+                                  </p:stCondLst>
+                                  <p:childTnLst>
+                                    <p:set>
+                                      <p:cBhvr>
+                                        <p:cTn id="10" dur="1" fill="hold">
+                                          <p:stCondLst>
+                                            <p:cond delay="0"/>
+                                          </p:stCondLst>
+                                        </p:cTn>
+                                        <p:tgtEl>
+                                          <p:spTgt spid="3">
+                                            <p:txEl>
+                                              <p:pRg st="1" end="1"/>
+                                            </p:txEl>
+                                          </p:spTgt>
+                                        </p:tgtEl>
+                                        <p:attrNameLst>
+                                          <p:attrName>style.visibility</p:attrName>
+                                        </p:attrNameLst>
+                                      </p:cBhvr>
+                                      <p:to>
+                                        <p:strVal val="visible"/>
+                                      </p:to>
+                                    </p:set>
+                                  </p:childTnLst>
+                                </p:cTn>
+                              </p:par>
+                            </p:childTnLst>
+                          </p:cTn>
+                        </p:par>
+                      </p:childTnLst>
+                    </p:cTn>
+                  </p:par>
+                  <p:par>
+                    <p:cTn id="11" fill="hold">
+                      <p:stCondLst>
+                        <p:cond delay="indefinite"/>
+                      </p:stCondLst>
+                      <p:childTnLst>
+                        <p:par>
+                          <p:cTn id="12" fill="hold">
+                            <p:stCondLst>
+                              <p:cond delay="0"/>
+                            </p:stCondLst>
+                            <p:childTnLst>
+                              <p:par>
+                                <p:cTn id="13" presetID="1" presetClass="entr" presetSubtype="0" fill="hold" grpId="0" nodeType="clickEffect">
+                                  <p:stCondLst>
+                                    <p:cond delay="0"/>
+                                  </p:stCondLst>
+                                  <p:childTnLst>
+                                    <p:set>
+                                      <p:cBhvr>
+                                        <p:cTn id="14" dur="1" fill="hold">
+                                          <p:stCondLst>
+                                            <p:cond delay="0"/>
+                                          </p:stCondLst>
+                                        </p:cTn>
+                                        <p:tgtEl>
+                                          <p:spTgt spid="3">
+                                            <p:txEl>
+                                              <p:pRg st="2" end="2"/>
+                                            </p:txEl>
+                                          </p:spTgt>
+                                        </p:tgtEl>
+                                        <p:attrNameLst>
+                                          <p:attrName>style.visibility</p:attrName>
+                                        </p:attrNameLst>
+                                      </p:cBhvr>
+                                      <p:to>
+                                        <p:strVal val="visible"/>
+                                      </p:to>
+                                    </p:set>
+                                  </p:childTnLst>
+                                </p:cTn>
+                              </p:par>
+                            </p:childTnLst>
+                          </p:cTn>
+                        </p:par>
+                      </p:childTnLst>
+                    </p:cTn>
+                  </p:par>
+                  <p:par>
+                    <p:cTn id="15" fill="hold">
+                      <p:stCondLst>
+                        <p:cond delay="indefinite"/>
+                      </p:stCondLst>
+                      <p:childTnLst>
+                        <p:par>
+                          <p:cTn id="16" fill="hold">
+                            <p:stCondLst>
+                              <p:cond delay="0"/>
+                            </p:stCondLst>
+                            <p:childTnLst>
+                              <p:par>
+                                <p:cTn id="17" presetID="1" presetClass="entr" presetSubtype="0" fill="hold" nodeType="clickEffect">
+                                  <p:stCondLst>
+                                    <p:cond delay="0"/>
+                                  </p:stCondLst>
+                                  <p:childTnLst>
+                                    <p:set>
+                                      <p:cBhvr>
+                                        <p:cTn id="18" dur="1" fill="hold">
+                                          <p:stCondLst>
+                                            <p:cond delay="0"/>
+                                          </p:stCondLst>
+                                        </p:cTn>
+                                        <p:tgtEl>
+                                          <p:spTgt spid="9"/>
+                                        </p:tgtEl>
+                                        <p:attrNameLst>
+                                          <p:attrName>style.visibility</p:attrName>
+                                        </p:attrNameLst>
+                                      </p:cBhvr>
+                                      <p:to>
+                                        <p:strVal val="visible"/>
+                                      </p:to>
+                                    </p:set>
+                                  </p:childTnLst>
+                                </p:cTn>
+                              </p:par>
+                            </p:childTnLst>
+                          </p:cTn>
+                        </p:par>
+                      </p:childTnLst>
+                    </p:cTn>
+                  </p:par>
+                  <p:par>
+                    <p:cTn id="19" fill="hold">
+                      <p:stCondLst>
+                        <p:cond delay="indefinite"/>
+                      </p:stCondLst>
+                      <p:childTnLst>
+                        <p:par>
+                          <p:cTn id="20" fill="hold">
+                            <p:stCondLst>
+                              <p:cond delay="0"/>
+                            </p:stCondLst>
+                            <p:childTnLst>
+                              <p:par>
+                                <p:cTn id="21" presetID="1" presetClass="entr" presetSubtype="0" fill="hold" grpId="0" nodeType="clickEffect">
+                                  <p:stCondLst>
+                                    <p:cond delay="0"/>
+                                  </p:stCondLst>
+                                  <p:childTnLst>
+                                    <p:set>
+                                      <p:cBhvr>
+                                        <p:cTn id="22" dur="1" fill="hold">
+                                          <p:stCondLst>
+                                            <p:cond delay="0"/>
+                                          </p:stCondLst>
+                                        </p:cTn>
+                                        <p:tgtEl>
+                                          <p:spTgt spid="3">
+                                            <p:txEl>
+                                              <p:pRg st="3" end="3"/>
+                                            </p:txEl>
+                                          </p:spTgt>
+                                        </p:tgtEl>
+                                        <p:attrNameLst>
+                                          <p:attrName>style.visibility</p:attrName>
+                                        </p:attrNameLst>
+                                      </p:cBhvr>
+                                      <p:to>
+                                        <p:strVal val="visible"/>
+                                      </p:to>
+                                    </p:set>
+                                  </p:childTnLst>
+                                </p:cTn>
+                              </p:par>
+                            </p:childTnLst>
+                          </p:cTn>
+                        </p:par>
+                      </p:childTnLst>
+                    </p:cTn>
+                  </p:par>
+                </p:childTnLst>
+              </p:cTn>
+              <p:prevCondLst>
+                <p:cond evt="onPrev" delay="0">
+                  <p:tgtEl>
+                    <p:sldTgt/>
+                  </p:tgtEl>
+                </p:cond>
+              </p:prevCondLst>
+              <p:nextCondLst>
+                <p:cond evt="onNext" delay="0">
+                  <p:tgtEl>
+                    <p:sldTgt/>
+                  </p:tgtEl>
+                </p:cond>
+              </p:nextCondLst>
+            </p:seq>
+          </p:childTnLst>
+        </p:cTn>
+      </p:par>
+    </p:tnLst>
+    <p:bldLst>
+      <p:bldP spid="3" grpId="0" uiExpand="1" build="p"/>
+    </p:bldLst>
+  </p:timing>
+</p:sld>
+</file>
+
+<file path=ppt/slides/slide6.xml><?xml version="1.0" encoding="utf-8"?>
+<p:sld xmlns:a="http://schemas.openxmlformats.org/drawingml/2006/main" xmlns:r="http://schemas.openxmlformats.org/officeDocument/2006/relationships" xmlns:p="http://schemas.openxmlformats.org/presentationml/2006/main">
+  <p:cSld>
+    <p:spTree>
+      <p:nvGrpSpPr>
+        <p:cNvPr id="1" name=""/>
+        <p:cNvGrpSpPr/>
+        <p:nvPr/>
+      </p:nvGrpSpPr>
+      <p:grpSpPr>
+        <a:xfrm>
+          <a:off x="0" y="0"/>
+          <a:ext cx="0" cy="0"/>
+          <a:chOff x="0" y="0"/>
+          <a:chExt cx="0" cy="0"/>
+        </a:xfrm>
+      </p:grpSpPr>
+      <p:sp>
+        <p:nvSpPr>
+          <p:cNvPr id="5" name="Title 4">
+            <a:extLst>
+              <a:ext uri="{FF2B5EF4-FFF2-40B4-BE49-F238E27FC236}">
+                <a16:creationId xmlns:a16="http://schemas.microsoft.com/office/drawing/2014/main" id="{C5590A64-5577-468E-8C7C-D0C4E7B5451A}"/>
+              </a:ext>
+            </a:extLst>
+          </p:cNvPr>
+          <p:cNvSpPr>
+            <a:spLocks noGrp="1"/>
+          </p:cNvSpPr>
+          <p:nvPr>
+            <p:ph type="title"/>
+          </p:nvPr>
+        </p:nvSpPr>
+        <p:spPr/>
+        <p:txBody>
+          <a:bodyPr/>
+          <a:lstStyle/>
+          <a:p>
+            <a:r>
+              <a:rPr lang="en-US" dirty="0"/>
+              <a:t>References</a:t>
+            </a:r>
+          </a:p>
+        </p:txBody>
+      </p:sp>
+      <p:sp>
+        <p:nvSpPr>
+          <p:cNvPr id="7" name="Content Placeholder 6">
+            <a:extLst>
+              <a:ext uri="{FF2B5EF4-FFF2-40B4-BE49-F238E27FC236}">
+                <a16:creationId xmlns:a16="http://schemas.microsoft.com/office/drawing/2014/main" id="{E12ED24F-8C36-44AF-9386-5FFC53739834}"/>
+              </a:ext>
+            </a:extLst>
+          </p:cNvPr>
+          <p:cNvSpPr>
+            <a:spLocks noGrp="1"/>
+          </p:cNvSpPr>
+          <p:nvPr>
+            <p:ph idx="1"/>
+          </p:nvPr>
+        </p:nvSpPr>
+        <p:spPr>
+          <a:xfrm>
+            <a:off x="1103312" y="2052918"/>
+            <a:ext cx="9404723" cy="4195481"/>
+          </a:xfrm>
+        </p:spPr>
+        <p:txBody>
+          <a:bodyPr/>
+          <a:lstStyle/>
+          <a:p>
+            <a:pPr marL="0" indent="0">
+              <a:buNone/>
+            </a:pPr>
+            <a:r>
+              <a:rPr lang="en-US" dirty="0"/>
+              <a:t>Gough, D. (2010). </a:t>
+            </a:r>
+            <a:r>
+              <a:rPr lang="en-US" i="1" dirty="0" err="1"/>
+              <a:t>Vainu</a:t>
+            </a:r>
+            <a:r>
+              <a:rPr lang="en-US" i="1" dirty="0"/>
+              <a:t> </a:t>
+            </a:r>
+            <a:r>
+              <a:rPr lang="en-US" i="1" dirty="0" err="1"/>
+              <a:t>Bappu</a:t>
+            </a:r>
+            <a:r>
+              <a:rPr lang="en-US" i="1" dirty="0"/>
+              <a:t> Memorial Lecture: What is a Sunspot? 	</a:t>
+            </a:r>
+            <a:r>
+              <a:rPr lang="en-US" dirty="0"/>
+              <a:t>Cambridge, UK. Institute of Astronomy, University of Cambridge, U.K.</a:t>
+            </a:r>
+          </a:p>
+          <a:p>
+            <a:pPr marL="0" indent="0">
+              <a:buNone/>
+            </a:pPr>
+            <a:r>
+              <a:rPr lang="en-US" dirty="0"/>
+              <a:t>Kutner, M. (2003). </a:t>
+            </a:r>
+            <a:r>
+              <a:rPr lang="en-US" i="1" dirty="0"/>
+              <a:t>Astronomy : a physical perspective</a:t>
+            </a:r>
+            <a:r>
+              <a:rPr lang="en-US" dirty="0"/>
+              <a:t>. Cambridge, U.K. 	New York: Cambridge University Press.</a:t>
+            </a:r>
+          </a:p>
+          <a:p>
+            <a:pPr marL="0" indent="0">
+              <a:buNone/>
+            </a:pPr>
+            <a:endParaRPr lang="en-US" dirty="0"/>
+          </a:p>
+        </p:txBody>
+      </p:sp>
+    </p:spTree>
+    <p:extLst>
+      <p:ext uri="{BB962C8B-B14F-4D97-AF65-F5344CB8AC3E}">
+        <p14:creationId xmlns:p14="http://schemas.microsoft.com/office/powerpoint/2010/main" val="669848035"/>
+      </p:ext>
+    </p:extLst>
+  </p:cSld>
+  <p:clrMapOvr>
+    <a:masterClrMapping/>
+  </p:clrMapOvr>
 </p:sld>
 </file>
 
 <file path=ppt/theme/theme1.xml><?xml version="1.0" encoding="utf-8"?>
-<a:theme xmlns:a="http://schemas.openxmlformats.org/drawingml/2006/main" name="Vapor Trail">
+<a:theme xmlns:a="http://schemas.openxmlformats.org/drawingml/2006/main" name="Ion">
   <a:themeElements>
-    <a:clrScheme name="Vapor Trail">
+    <a:clrScheme name="Ion">
       <a:dk1>
         <a:sysClr val="windowText" lastClr="000000"/>
       </a:dk1>
@@ -6273,42 +7805,42 @@
         <a:sysClr val="window" lastClr="FFFFFF"/>
       </a:lt1>
       <a:dk2>
-        <a:srgbClr val="454545"/>
+        <a:srgbClr val="1E5155"/>
       </a:dk2>
       <a:lt2>
-        <a:srgbClr val="DADADA"/>
+        <a:srgbClr val="EBEBEB"/>
       </a:lt2>
       <a:accent1>
-        <a:srgbClr val="DF2E28"/>
+        <a:srgbClr val="B01513"/>
       </a:accent1>
       <a:accent2>
-        <a:srgbClr val="FE801A"/>
+        <a:srgbClr val="EA6312"/>
       </a:accent2>
       <a:accent3>
-        <a:srgbClr val="E9BF35"/>
+        <a:srgbClr val="E6B729"/>
       </a:accent3>
       <a:accent4>
-        <a:srgbClr val="81BB42"/>
+        <a:srgbClr val="6AAC90"/>
       </a:accent4>
       <a:accent5>
-        <a:srgbClr val="32C7A9"/>
+        <a:srgbClr val="54849A"/>
       </a:accent5>
       <a:accent6>
-        <a:srgbClr val="4A9BDC"/>
+        <a:srgbClr val="9E5E9B"/>
       </a:accent6>
       <a:hlink>
-        <a:srgbClr val="F0532B"/>
+        <a:srgbClr val="58C1BA"/>
       </a:hlink>
       <a:folHlink>
-        <a:srgbClr val="F38B53"/>
+        <a:srgbClr val="9DFFCB"/>
       </a:folHlink>
     </a:clrScheme>
-    <a:fontScheme name="Vapor Trail">
+    <a:fontScheme name="Ion">
       <a:majorFont>
         <a:latin typeface="Century Gothic" panose="020B0502020202020204"/>
         <a:ea typeface=""/>
         <a:cs typeface=""/>
-        <a:font script="Jpan" typeface="ＭＳ Ｐゴシック"/>
+        <a:font script="Jpan" typeface="メイリオ"/>
         <a:font script="Hang" typeface="맑은 고딕"/>
         <a:font script="Hans" typeface="宋体"/>
         <a:font script="Hant" typeface="新細明體"/>
@@ -6343,7 +7875,7 @@
         <a:latin typeface="Century Gothic" panose="020B0502020202020204"/>
         <a:ea typeface=""/>
         <a:cs typeface=""/>
-        <a:font script="Jpan" typeface="ＭＳ Ｐゴシック"/>
+        <a:font script="Jpan" typeface="メイリオ"/>
         <a:font script="Hang" typeface="맑은 고딕"/>
         <a:font script="Hans" typeface="宋体"/>
         <a:font script="Hant" typeface="新細明體"/>
@@ -6375,7 +7907,7 @@
         <a:font script="Geor" typeface="Sylfaen"/>
       </a:minorFont>
     </a:fontScheme>
-    <a:fmtScheme name="Vapor Trail">
+    <a:fmtScheme name="Ion">
       <a:fillStyleLst>
         <a:solidFill>
           <a:schemeClr val="phClr"/>
@@ -6384,24 +7916,15 @@
           <a:gsLst>
             <a:gs pos="0">
               <a:schemeClr val="phClr">
-                <a:tint val="69000"/>
-                <a:alpha val="100000"/>
-                <a:satMod val="109000"/>
-                <a:lumMod val="110000"/>
-              </a:schemeClr>
-            </a:gs>
-            <a:gs pos="52000">
-              <a:schemeClr val="phClr">
-                <a:tint val="74000"/>
-                <a:satMod val="100000"/>
-                <a:lumMod val="104000"/>
+                <a:tint val="64000"/>
+                <a:lumMod val="118000"/>
               </a:schemeClr>
             </a:gs>
             <a:gs pos="100000">
               <a:schemeClr val="phClr">
-                <a:tint val="78000"/>
-                <a:satMod val="100000"/>
-                <a:lumMod val="100000"/>
+                <a:tint val="92000"/>
+                <a:alpha val="100000"/>
+                <a:lumMod val="110000"/>
               </a:schemeClr>
             </a:gs>
           </a:gsLst>
@@ -6411,16 +7934,14 @@
           <a:gsLst>
             <a:gs pos="0">
               <a:schemeClr val="phClr">
-                <a:tint val="96000"/>
-                <a:satMod val="100000"/>
-                <a:lumMod val="104000"/>
+                <a:tint val="98000"/>
+                <a:lumMod val="114000"/>
               </a:schemeClr>
             </a:gs>
-            <a:gs pos="78000">
+            <a:gs pos="100000">
               <a:schemeClr val="phClr">
-                <a:shade val="100000"/>
-                <a:satMod val="110000"/>
-                <a:lumMod val="100000"/>
+                <a:shade val="90000"/>
+                <a:lumMod val="84000"/>
               </a:schemeClr>
             </a:gs>
           </a:gsLst>
@@ -6428,19 +7949,19 @@
         </a:gradFill>
       </a:fillStyleLst>
       <a:lnStyleLst>
-        <a:ln w="9525" cap="flat" cmpd="sng" algn="ctr">
+        <a:ln w="9525" cap="rnd" cmpd="sng" algn="ctr">
           <a:solidFill>
             <a:schemeClr val="phClr"/>
           </a:solidFill>
           <a:prstDash val="solid"/>
         </a:ln>
-        <a:ln w="12700" cap="flat" cmpd="sng" algn="ctr">
+        <a:ln w="19050" cap="rnd" cmpd="sng" algn="ctr">
           <a:solidFill>
             <a:schemeClr val="phClr"/>
           </a:solidFill>
           <a:prstDash val="solid"/>
         </a:ln>
-        <a:ln w="19050" cap="flat" cmpd="sng" algn="ctr">
+        <a:ln w="28575" cap="rnd" cmpd="sng" algn="ctr">
           <a:solidFill>
             <a:schemeClr val="phClr"/>
           </a:solidFill>
@@ -6452,22 +7973,19 @@
           <a:effectLst/>
         </a:effectStyle>
         <a:effectStyle>
-          <a:effectLst/>
-          <a:scene3d>
-            <a:camera prst="orthographicFront">
-              <a:rot lat="0" lon="0" rev="0"/>
-            </a:camera>
-            <a:lightRig rig="threePt" dir="t"/>
-          </a:scene3d>
-          <a:sp3d>
-            <a:bevelT w="25400" h="12700"/>
-          </a:sp3d>
+          <a:effectLst>
+            <a:outerShdw blurRad="38100" dist="25400" dir="5400000" rotWithShape="0">
+              <a:srgbClr val="000000">
+                <a:alpha val="45000"/>
+              </a:srgbClr>
+            </a:outerShdw>
+          </a:effectLst>
         </a:effectStyle>
         <a:effectStyle>
           <a:effectLst>
-            <a:outerShdw blurRad="57150" dist="19050" dir="5400000" algn="ctr" rotWithShape="0">
+            <a:outerShdw blurRad="63500" dist="38100" dir="5400000" rotWithShape="0">
               <a:srgbClr val="000000">
-                <a:alpha val="48000"/>
+                <a:alpha val="60000"/>
               </a:srgbClr>
             </a:outerShdw>
           </a:effectLst>
@@ -6475,10 +7993,10 @@
             <a:camera prst="orthographicFront">
               <a:rot lat="0" lon="0" rev="0"/>
             </a:camera>
-            <a:lightRig rig="threePt" dir="t"/>
+            <a:lightRig rig="threePt" dir="tl"/>
           </a:scene3d>
-          <a:sp3d>
-            <a:bevelT w="50800" h="25400"/>
+          <a:sp3d prstMaterial="plastic">
+            <a:bevelT w="0" h="0"/>
           </a:sp3d>
         </a:effectStyle>
       </a:effectStyleLst>
@@ -6486,39 +8004,49 @@
         <a:solidFill>
           <a:schemeClr val="phClr"/>
         </a:solidFill>
-        <a:solidFill>
-          <a:schemeClr val="phClr">
-            <a:tint val="95000"/>
-            <a:satMod val="170000"/>
-          </a:schemeClr>
-        </a:solidFill>
         <a:gradFill rotWithShape="1">
           <a:gsLst>
             <a:gs pos="0">
               <a:schemeClr val="phClr">
-                <a:tint val="93000"/>
-                <a:shade val="98000"/>
-                <a:satMod val="150000"/>
-                <a:lumMod val="102000"/>
-              </a:schemeClr>
-            </a:gs>
-            <a:gs pos="50000">
-              <a:schemeClr val="phClr">
-                <a:tint val="98000"/>
-                <a:shade val="90000"/>
+                <a:tint val="97000"/>
+                <a:hueMod val="88000"/>
                 <a:satMod val="130000"/>
-                <a:lumMod val="103000"/>
+                <a:lumMod val="124000"/>
               </a:schemeClr>
             </a:gs>
             <a:gs pos="100000">
               <a:schemeClr val="phClr">
-                <a:shade val="63000"/>
-                <a:satMod val="120000"/>
+                <a:tint val="96000"/>
+                <a:shade val="88000"/>
+                <a:hueMod val="108000"/>
+                <a:satMod val="164000"/>
+                <a:lumMod val="76000"/>
               </a:schemeClr>
             </a:gs>
           </a:gsLst>
-          <a:lin ang="5400000" scaled="0"/>
+          <a:path path="circle">
+            <a:fillToRect l="45000" t="65000" r="125000" b="100000"/>
+          </a:path>
         </a:gradFill>
+        <a:blipFill rotWithShape="1">
+          <a:blip xmlns:r="http://schemas.openxmlformats.org/officeDocument/2006/relationships" r:embed="rId1">
+            <a:duotone>
+              <a:schemeClr val="phClr">
+                <a:shade val="69000"/>
+                <a:hueMod val="108000"/>
+                <a:satMod val="164000"/>
+                <a:lumMod val="74000"/>
+              </a:schemeClr>
+              <a:schemeClr val="phClr">
+                <a:tint val="96000"/>
+                <a:hueMod val="88000"/>
+                <a:satMod val="140000"/>
+                <a:lumMod val="132000"/>
+              </a:schemeClr>
+            </a:duotone>
+          </a:blip>
+          <a:stretch/>
+        </a:blipFill>
       </a:bgFillStyleLst>
     </a:fmtScheme>
   </a:themeElements>
@@ -6526,7 +8054,7 @@
   <a:extraClrSchemeLst/>
   <a:extLst>
     <a:ext uri="{05A4C25C-085E-4340-85A3-A5531E510DB2}">
-      <thm15:themeFamily xmlns:thm15="http://schemas.microsoft.com/office/thememl/2012/main" name="Vapor Trail" id="{4FDF2955-7D9C-493C-B9F9-C205151B46CD}" vid="{8F31A783-2159-4870-BC29-2BA7D038EA44}"/>
+      <thm15:themeFamily xmlns:thm15="http://schemas.microsoft.com/office/thememl/2012/main" name="Ion" id="{B8441ADB-2E43-4AF7-B97A-BD870242C6A8}" vid="{292E63A9-BB86-4E3D-B92A-7223C6510D2E}"/>
     </a:ext>
   </a:extLst>
 </a:theme>

--- a/FUSE - Mottled Stars/FUSE Methodology/Mottled Stars Methodology.pptx
+++ b/FUSE - Mottled Stars/FUSE Methodology/Mottled Stars Methodology.pptx
@@ -6275,7 +6275,7 @@
           <a:p>
             <a:r>
               <a:rPr lang="en-US" dirty="0"/>
-              <a:t>In order to understand this process, we investigate how starspots affect a star’s brightness over time</a:t>
+              <a:t>To understand this process, we investigate how starspots affect a star’s brightness over time</a:t>
             </a:r>
           </a:p>
         </p:txBody>
@@ -6559,7 +6559,7 @@
             </a:pPr>
             <a:r>
               <a:rPr lang="en-US" dirty="0"/>
-              <a:t>This started with creating a three-dimensional model sphere in our preferred programming language</a:t>
+              <a:t>We created three-dimensional model sphere in our preferred programming language</a:t>
             </a:r>
           </a:p>
           <a:p>

--- a/FUSE - Mottled Stars/FUSE Methodology/Mottled Stars Methodology.pptx
+++ b/FUSE - Mottled Stars/FUSE Methodology/Mottled Stars Methodology.pptx
@@ -6259,7 +6259,7 @@
             <a:spLocks noGrp="1"/>
           </p:cNvSpPr>
           <p:nvPr>
-            <p:ph idx="1"/>
+            <p:ph sz="half" idx="1"/>
           </p:nvPr>
         </p:nvSpPr>
         <p:spPr/>
@@ -6278,8 +6278,55 @@
               <a:t>To understand this process, we investigate how starspots affect a star’s brightness over time</a:t>
             </a:r>
           </a:p>
-        </p:txBody>
-      </p:sp>
+          <a:p>
+            <a:r>
+              <a:rPr lang="en-US" dirty="0"/>
+              <a:t>Starspots are observed to be cooler than the background photosphere</a:t>
+            </a:r>
+          </a:p>
+          <a:p>
+            <a:r>
+              <a:rPr lang="en-US" dirty="0"/>
+              <a:t>Therefore, they emit a fraction of the photons that the ambient photosphere</a:t>
+            </a:r>
+          </a:p>
+        </p:txBody>
+      </p:sp>
+      <p:pic>
+        <p:nvPicPr>
+          <p:cNvPr id="6" name="Content Placeholder 5">
+            <a:extLst>
+              <a:ext uri="{FF2B5EF4-FFF2-40B4-BE49-F238E27FC236}">
+                <a16:creationId xmlns:a16="http://schemas.microsoft.com/office/drawing/2014/main" id="{68E6D111-8301-40BF-A51D-D4FA9AD53BFB}"/>
+              </a:ext>
+            </a:extLst>
+          </p:cNvPr>
+          <p:cNvPicPr>
+            <a:picLocks noGrp="1" noChangeAspect="1"/>
+          </p:cNvPicPr>
+          <p:nvPr>
+            <p:ph sz="half" idx="2"/>
+          </p:nvPr>
+        </p:nvPicPr>
+        <p:blipFill>
+          <a:blip r:embed="rId2">
+            <a:extLst>
+              <a:ext uri="{28A0092B-C50C-407E-A947-70E740481C1C}">
+                <a14:useLocalDpi xmlns:a14="http://schemas.microsoft.com/office/drawing/2010/main" val="0"/>
+              </a:ext>
+            </a:extLst>
+          </a:blip>
+          <a:stretch>
+            <a:fillRect/>
+          </a:stretch>
+        </p:blipFill>
+        <p:spPr>
+          <a:xfrm>
+            <a:off x="6096000" y="2060575"/>
+            <a:ext cx="4395788" cy="3883060"/>
+          </a:xfrm>
+        </p:spPr>
+      </p:pic>
     </p:spTree>
     <p:extLst>
       <p:ext uri="{BB962C8B-B14F-4D97-AF65-F5344CB8AC3E}">
@@ -6360,7 +6407,7 @@
                             </p:stCondLst>
                             <p:childTnLst>
                               <p:par>
-                                <p:cTn id="9" presetID="1" presetClass="entr" presetSubtype="0" fill="hold" grpId="0" nodeType="clickEffect">
+                                <p:cTn id="9" presetID="1" presetClass="entr" presetSubtype="0" fill="hold" nodeType="clickEffect">
                                   <p:stCondLst>
                                     <p:cond delay="0"/>
                                   </p:stCondLst>
@@ -6373,9 +6420,152 @@
                                           </p:stCondLst>
                                         </p:cTn>
                                         <p:tgtEl>
+                                          <p:spTgt spid="6"/>
+                                        </p:tgtEl>
+                                        <p:attrNameLst>
+                                          <p:attrName>style.visibility</p:attrName>
+                                        </p:attrNameLst>
+                                      </p:cBhvr>
+                                      <p:to>
+                                        <p:strVal val="visible"/>
+                                      </p:to>
+                                    </p:set>
+                                  </p:childTnLst>
+                                </p:cTn>
+                              </p:par>
+                            </p:childTnLst>
+                          </p:cTn>
+                        </p:par>
+                      </p:childTnLst>
+                    </p:cTn>
+                  </p:par>
+                  <p:par>
+                    <p:cTn id="11" fill="hold">
+                      <p:stCondLst>
+                        <p:cond delay="indefinite"/>
+                      </p:stCondLst>
+                      <p:childTnLst>
+                        <p:par>
+                          <p:cTn id="12" fill="hold">
+                            <p:stCondLst>
+                              <p:cond delay="0"/>
+                            </p:stCondLst>
+                            <p:childTnLst>
+                              <p:par>
+                                <p:cTn id="13" presetID="1" presetClass="entr" presetSubtype="0" fill="hold" grpId="0" nodeType="clickEffect">
+                                  <p:stCondLst>
+                                    <p:cond delay="0"/>
+                                  </p:stCondLst>
+                                  <p:childTnLst>
+                                    <p:set>
+                                      <p:cBhvr>
+                                        <p:cTn id="14" dur="1" fill="hold">
+                                          <p:stCondLst>
+                                            <p:cond delay="0"/>
+                                          </p:stCondLst>
+                                        </p:cTn>
+                                        <p:tgtEl>
                                           <p:spTgt spid="3">
                                             <p:txEl>
                                               <p:pRg st="1" end="1"/>
+                                            </p:txEl>
+                                          </p:spTgt>
+                                        </p:tgtEl>
+                                        <p:attrNameLst>
+                                          <p:attrName>style.visibility</p:attrName>
+                                        </p:attrNameLst>
+                                      </p:cBhvr>
+                                      <p:to>
+                                        <p:strVal val="visible"/>
+                                      </p:to>
+                                    </p:set>
+                                  </p:childTnLst>
+                                </p:cTn>
+                              </p:par>
+                            </p:childTnLst>
+                          </p:cTn>
+                        </p:par>
+                      </p:childTnLst>
+                    </p:cTn>
+                  </p:par>
+                  <p:par>
+                    <p:cTn id="15" fill="hold">
+                      <p:stCondLst>
+                        <p:cond delay="indefinite"/>
+                      </p:stCondLst>
+                      <p:childTnLst>
+                        <p:par>
+                          <p:cTn id="16" fill="hold">
+                            <p:stCondLst>
+                              <p:cond delay="0"/>
+                            </p:stCondLst>
+                            <p:childTnLst>
+                              <p:par>
+                                <p:cTn id="17" presetID="1" presetClass="entr" presetSubtype="0" fill="hold" grpId="0" nodeType="clickEffect">
+                                  <p:stCondLst>
+                                    <p:cond delay="0"/>
+                                  </p:stCondLst>
+                                  <p:childTnLst>
+                                    <p:set>
+                                      <p:cBhvr>
+                                        <p:cTn id="18" dur="1" fill="hold">
+                                          <p:stCondLst>
+                                            <p:cond delay="0"/>
+                                          </p:stCondLst>
+                                        </p:cTn>
+                                        <p:tgtEl>
+                                          <p:spTgt spid="3">
+                                            <p:txEl>
+                                              <p:pRg st="2" end="2"/>
+                                            </p:txEl>
+                                          </p:spTgt>
+                                        </p:tgtEl>
+                                        <p:attrNameLst>
+                                          <p:attrName>style.visibility</p:attrName>
+                                        </p:attrNameLst>
+                                      </p:cBhvr>
+                                      <p:to>
+                                        <p:strVal val="visible"/>
+                                      </p:to>
+                                    </p:set>
+                                  </p:childTnLst>
+                                </p:cTn>
+                              </p:par>
+                            </p:childTnLst>
+                          </p:cTn>
+                        </p:par>
+                      </p:childTnLst>
+                    </p:cTn>
+                  </p:par>
+                  <p:par>
+                    <p:cTn id="19" fill="hold">
+                      <p:stCondLst>
+                        <p:cond delay="indefinite"/>
+                      </p:stCondLst>
+                      <p:childTnLst>
+                        <p:par>
+                          <p:cTn id="20" fill="hold">
+                            <p:stCondLst>
+                              <p:cond delay="0"/>
+                            </p:stCondLst>
+                            <p:childTnLst>
+                              <p:par>
+                                <p:cTn id="21" presetID="1" presetClass="entr" presetSubtype="0" fill="hold" grpId="0" nodeType="clickEffect">
+                                  <p:stCondLst>
+                                    <p:cond delay="0"/>
+                                  </p:stCondLst>
+                                  <p:childTnLst>
+                                    <p:set>
+                                      <p:cBhvr>
+                                        <p:cTn id="22" dur="1" fill="hold">
+                                          <p:stCondLst>
+                                            <p:cond delay="0"/>
+                                          </p:stCondLst>
+                                        </p:cTn>
+                                        <p:tgtEl>
+                                          <p:spTgt spid="3">
+                                            <p:txEl>
+                                              <p:pRg st="3" end="3"/>
                                             </p:txEl>
                                           </p:spTgt>
                                         </p:tgtEl>
@@ -6418,7 +6608,7 @@
       </p:par>
     </p:tnLst>
     <p:bldLst>
-      <p:bldP spid="3" grpId="0" build="p"/>
+      <p:bldP spid="3" grpId="0" uiExpand="1" build="p"/>
     </p:bldLst>
   </p:timing>
 </p:sld>
@@ -6469,21 +6659,80 @@
           </a:p>
         </p:txBody>
       </p:sp>
+      <p:sp>
+        <p:nvSpPr>
+          <p:cNvPr id="5" name="Text Placeholder 4">
+            <a:extLst>
+              <a:ext uri="{FF2B5EF4-FFF2-40B4-BE49-F238E27FC236}">
+                <a16:creationId xmlns:a16="http://schemas.microsoft.com/office/drawing/2014/main" id="{2F0ADE76-F767-4406-9B43-B9886DA14007}"/>
+              </a:ext>
+            </a:extLst>
+          </p:cNvPr>
+          <p:cNvSpPr>
+            <a:spLocks noGrp="1"/>
+          </p:cNvSpPr>
+          <p:nvPr>
+            <p:ph sz="half" idx="2"/>
+          </p:nvPr>
+        </p:nvSpPr>
+        <p:spPr/>
+        <p:txBody>
+          <a:bodyPr>
+            <a:normAutofit/>
+          </a:bodyPr>
+          <a:lstStyle/>
+          <a:p>
+            <a:pPr marL="285750" indent="-285750">
+              <a:buFont typeface="Arial" panose="020B0604020202020204" pitchFamily="34" charset="0"/>
+              <a:buChar char="•"/>
+            </a:pPr>
+            <a:r>
+              <a:rPr lang="en-US" dirty="0"/>
+              <a:t>We created three-dimensional model sphere in our preferred programming language</a:t>
+            </a:r>
+          </a:p>
+          <a:p>
+            <a:pPr marL="285750" indent="-285750">
+              <a:buFont typeface="Arial" panose="020B0604020202020204" pitchFamily="34" charset="0"/>
+              <a:buChar char="•"/>
+            </a:pPr>
+            <a:r>
+              <a:rPr lang="en-US" dirty="0"/>
+              <a:t>Code was written that randomly selected cells to be ‘spot cells’ at any given surface coverage</a:t>
+            </a:r>
+          </a:p>
+          <a:p>
+            <a:pPr marL="285750" indent="-285750">
+              <a:buFont typeface="Arial" panose="020B0604020202020204" pitchFamily="34" charset="0"/>
+              <a:buChar char="•"/>
+            </a:pPr>
+            <a:r>
+              <a:rPr lang="en-US" dirty="0"/>
+              <a:t>To calculate the observed luminosity of our stellar model, we projected the observed hemisphere of our model onto a square</a:t>
+            </a:r>
+          </a:p>
+          <a:p>
+            <a:pPr marL="285750" indent="-285750">
+              <a:buFont typeface="Arial" panose="020B0604020202020204" pitchFamily="34" charset="0"/>
+              <a:buChar char="•"/>
+            </a:pPr>
+            <a:endParaRPr lang="en-US" dirty="0"/>
+          </a:p>
+        </p:txBody>
+      </p:sp>
       <p:pic>
         <p:nvPicPr>
-          <p:cNvPr id="7" name="Content Placeholder 6">
+          <p:cNvPr id="16" name="Picture 15">
             <a:extLst>
               <a:ext uri="{FF2B5EF4-FFF2-40B4-BE49-F238E27FC236}">
-                <a16:creationId xmlns:a16="http://schemas.microsoft.com/office/drawing/2014/main" id="{B7A75AC5-4DA0-4E47-AB3D-724A175A7713}"/>
+                <a16:creationId xmlns:a16="http://schemas.microsoft.com/office/drawing/2014/main" id="{81C29E05-619D-4169-9E06-61CE578B0ABB}"/>
               </a:ext>
             </a:extLst>
           </p:cNvPr>
           <p:cNvPicPr>
-            <a:picLocks noGrp="1" noChangeAspect="1"/>
+            <a:picLocks noChangeAspect="1"/>
           </p:cNvPicPr>
-          <p:nvPr>
-            <p:ph sz="half" idx="1"/>
-          </p:nvPr>
+          <p:nvPr/>
         </p:nvPicPr>
         <p:blipFill>
           <a:blip r:embed="rId2">
@@ -6499,91 +6748,50 @@
         </p:blipFill>
         <p:spPr>
           <a:xfrm>
-            <a:off x="1200231" y="2060575"/>
-            <a:ext cx="4201951" cy="4195763"/>
+            <a:off x="646111" y="1451293"/>
+            <a:ext cx="4706225" cy="4706225"/>
           </a:xfrm>
-          <a:prstGeom prst="roundRect">
-            <a:avLst>
-              <a:gd name="adj" fmla="val 8594"/>
-            </a:avLst>
+          <a:prstGeom prst="rect">
+            <a:avLst/>
           </a:prstGeom>
-          <a:solidFill>
-            <a:srgbClr val="FFFFFF">
-              <a:shade val="85000"/>
-            </a:srgbClr>
-          </a:solidFill>
-          <a:ln>
-            <a:noFill/>
-          </a:ln>
-          <a:effectLst>
-            <a:reflection blurRad="12700" stA="38000" endPos="28000" dist="5000" dir="5400000" sy="-100000" algn="bl" rotWithShape="0"/>
-          </a:effectLst>
         </p:spPr>
       </p:pic>
-      <p:sp>
-        <p:nvSpPr>
-          <p:cNvPr id="5" name="Text Placeholder 4">
+      <p:pic>
+        <p:nvPicPr>
+          <p:cNvPr id="18" name="Picture 17">
             <a:extLst>
               <a:ext uri="{FF2B5EF4-FFF2-40B4-BE49-F238E27FC236}">
-                <a16:creationId xmlns:a16="http://schemas.microsoft.com/office/drawing/2014/main" id="{2F0ADE76-F767-4406-9B43-B9886DA14007}"/>
+                <a16:creationId xmlns:a16="http://schemas.microsoft.com/office/drawing/2014/main" id="{30E40F6D-471A-43A3-AFA9-39856F17985A}"/>
               </a:ext>
             </a:extLst>
           </p:cNvPr>
-          <p:cNvSpPr>
-            <a:spLocks noGrp="1"/>
-          </p:cNvSpPr>
-          <p:nvPr>
-            <p:ph sz="half" idx="2"/>
-          </p:nvPr>
-        </p:nvSpPr>
-        <p:spPr/>
-        <p:txBody>
-          <a:bodyPr>
-            <a:normAutofit/>
-          </a:bodyPr>
-          <a:lstStyle/>
-          <a:p>
-            <a:pPr marL="285750" indent="-285750">
-              <a:buFont typeface="Arial" panose="020B0604020202020204" pitchFamily="34" charset="0"/>
-              <a:buChar char="•"/>
-            </a:pPr>
-            <a:r>
-              <a:rPr lang="en-US" dirty="0"/>
-              <a:t>We took a practical approach to the construction of our stellar models</a:t>
-            </a:r>
-          </a:p>
-          <a:p>
-            <a:pPr marL="285750" indent="-285750">
-              <a:buFont typeface="Arial" panose="020B0604020202020204" pitchFamily="34" charset="0"/>
-              <a:buChar char="•"/>
-            </a:pPr>
-            <a:r>
-              <a:rPr lang="en-US" dirty="0"/>
-              <a:t>We created three-dimensional model sphere in our preferred programming language</a:t>
-            </a:r>
-          </a:p>
-          <a:p>
-            <a:pPr marL="285750" indent="-285750">
-              <a:buFont typeface="Arial" panose="020B0604020202020204" pitchFamily="34" charset="0"/>
-              <a:buChar char="•"/>
-            </a:pPr>
-            <a:r>
-              <a:rPr lang="en-US" dirty="0"/>
-              <a:t>The surface of the stellar model needed to be tessellated with many small rectangular cells</a:t>
-            </a:r>
-          </a:p>
-          <a:p>
-            <a:pPr marL="285750" indent="-285750">
-              <a:buFont typeface="Arial" panose="020B0604020202020204" pitchFamily="34" charset="0"/>
-              <a:buChar char="•"/>
-            </a:pPr>
-            <a:r>
-              <a:rPr lang="en-US" dirty="0"/>
-              <a:t>Code was written that randomly selected cells to be ‘spot cells’ at any given surface coverage</a:t>
-            </a:r>
-          </a:p>
-        </p:txBody>
-      </p:sp>
+          <p:cNvPicPr>
+            <a:picLocks noChangeAspect="1"/>
+          </p:cNvPicPr>
+          <p:nvPr/>
+        </p:nvPicPr>
+        <p:blipFill>
+          <a:blip r:embed="rId3">
+            <a:extLst>
+              <a:ext uri="{28A0092B-C50C-407E-A947-70E740481C1C}">
+                <a14:useLocalDpi xmlns:a14="http://schemas.microsoft.com/office/drawing/2010/main" val="0"/>
+              </a:ext>
+            </a:extLst>
+          </a:blip>
+          <a:stretch>
+            <a:fillRect/>
+          </a:stretch>
+        </p:blipFill>
+        <p:spPr>
+          <a:xfrm>
+            <a:off x="642265" y="1451295"/>
+            <a:ext cx="4706224" cy="4706224"/>
+          </a:xfrm>
+          <a:prstGeom prst="rect">
+            <a:avLst/>
+          </a:prstGeom>
+        </p:spPr>
+      </p:pic>
     </p:spTree>
     <p:extLst>
       <p:ext uri="{BB962C8B-B14F-4D97-AF65-F5344CB8AC3E}">
@@ -6677,7 +6885,7 @@
                                           </p:stCondLst>
                                         </p:cTn>
                                         <p:tgtEl>
-                                          <p:spTgt spid="7"/>
+                                          <p:spTgt spid="16"/>
                                         </p:tgtEl>
                                         <p:attrNameLst>
                                           <p:attrName>style.visibility</p:attrName>
@@ -6771,11 +6979,7 @@
                                           </p:stCondLst>
                                         </p:cTn>
                                         <p:tgtEl>
-                                          <p:spTgt spid="5">
-                                            <p:txEl>
-                                              <p:pRg st="2" end="2"/>
-                                            </p:txEl>
-                                          </p:spTgt>
+                                          <p:spTgt spid="18"/>
                                         </p:tgtEl>
                                         <p:attrNameLst>
                                           <p:attrName>style.visibility</p:attrName>
@@ -6822,7 +7026,7 @@
                                         <p:tgtEl>
                                           <p:spTgt spid="5">
                                             <p:txEl>
-                                              <p:pRg st="3" end="3"/>
+                                              <p:pRg st="2" end="2"/>
                                             </p:txEl>
                                           </p:spTgt>
                                         </p:tgtEl>
@@ -6926,7 +7130,7 @@
             <a:spLocks noGrp="1"/>
           </p:cNvSpPr>
           <p:nvPr>
-            <p:ph idx="1"/>
+            <p:ph sz="half" idx="1"/>
           </p:nvPr>
         </p:nvSpPr>
         <p:spPr/>
@@ -6936,12 +7140,6 @@
           <a:p>
             <a:r>
               <a:rPr lang="en-US" dirty="0"/>
-              <a:t>To calculate the observed luminosity of our stellar model, we projected the observed hemisphere of our model onto a square</a:t>
-            </a:r>
-          </a:p>
-          <a:p>
-            <a:r>
-              <a:rPr lang="en-US" dirty="0"/>
               <a:t>A projection was chosen that preserves observed surface area</a:t>
             </a:r>
           </a:p>
@@ -6962,6 +7160,41 @@
           </a:p>
         </p:txBody>
       </p:sp>
+      <p:pic>
+        <p:nvPicPr>
+          <p:cNvPr id="5" name="Content Placeholder 4">
+            <a:extLst>
+              <a:ext uri="{FF2B5EF4-FFF2-40B4-BE49-F238E27FC236}">
+                <a16:creationId xmlns:a16="http://schemas.microsoft.com/office/drawing/2014/main" id="{8F3F3E71-AB3F-4679-9E75-CA02670ADD8C}"/>
+              </a:ext>
+            </a:extLst>
+          </p:cNvPr>
+          <p:cNvPicPr>
+            <a:picLocks noGrp="1" noChangeAspect="1"/>
+          </p:cNvPicPr>
+          <p:nvPr>
+            <p:ph sz="half" idx="2"/>
+          </p:nvPr>
+        </p:nvPicPr>
+        <p:blipFill>
+          <a:blip r:embed="rId2">
+            <a:extLst>
+              <a:ext uri="{28A0092B-C50C-407E-A947-70E740481C1C}">
+                <a14:useLocalDpi xmlns:a14="http://schemas.microsoft.com/office/drawing/2010/main" val="0"/>
+              </a:ext>
+            </a:extLst>
+          </a:blip>
+          <a:stretch>
+            <a:fillRect/>
+          </a:stretch>
+        </p:blipFill>
+        <p:spPr>
+          <a:xfrm>
+            <a:off x="6096000" y="1496984"/>
+            <a:ext cx="4759354" cy="4759354"/>
+          </a:xfrm>
+        </p:spPr>
+      </p:pic>
     </p:spTree>
     <p:extLst>
       <p:ext uri="{BB962C8B-B14F-4D97-AF65-F5344CB8AC3E}">
@@ -7042,7 +7275,7 @@
                             </p:stCondLst>
                             <p:childTnLst>
                               <p:par>
-                                <p:cTn id="9" presetID="1" presetClass="entr" presetSubtype="0" fill="hold" grpId="0" nodeType="clickEffect">
+                                <p:cTn id="9" presetID="1" presetClass="entr" presetSubtype="0" fill="hold" nodeType="clickEffect">
                                   <p:stCondLst>
                                     <p:cond delay="0"/>
                                   </p:stCondLst>
@@ -7055,11 +7288,7 @@
                                           </p:stCondLst>
                                         </p:cTn>
                                         <p:tgtEl>
-                                          <p:spTgt spid="9">
-                                            <p:txEl>
-                                              <p:pRg st="1" end="1"/>
-                                            </p:txEl>
-                                          </p:spTgt>
+                                          <p:spTgt spid="5"/>
                                         </p:tgtEl>
                                         <p:attrNameLst>
                                           <p:attrName>style.visibility</p:attrName>
@@ -7106,7 +7335,7 @@
                                         <p:tgtEl>
                                           <p:spTgt spid="9">
                                             <p:txEl>
-                                              <p:pRg st="2" end="2"/>
+                                              <p:pRg st="1" end="1"/>
                                             </p:txEl>
                                           </p:spTgt>
                                         </p:tgtEl>
@@ -7155,7 +7384,7 @@
                                         <p:tgtEl>
                                           <p:spTgt spid="9">
                                             <p:txEl>
-                                              <p:pRg st="3" end="3"/>
+                                              <p:pRg st="2" end="2"/>
                                             </p:txEl>
                                           </p:spTgt>
                                         </p:tgtEl>
@@ -7324,7 +7553,7 @@
           <a:p>
             <a:r>
               <a:rPr lang="en-US" dirty="0"/>
-              <a:t>After a complete rotation, the observed luminosity from each projection is summed, and plotted against rotational (phase) angle</a:t>
+              <a:t>After a complete rotation, the observed luminosity from each projection is summed, and plotted against rotational angle</a:t>
             </a:r>
           </a:p>
           <a:p>
@@ -7629,6 +7858,51 @@
                       </p:childTnLst>
                     </p:cTn>
                   </p:par>
+                  <p:par>
+                    <p:cTn id="23" fill="hold">
+                      <p:stCondLst>
+                        <p:cond delay="indefinite"/>
+                      </p:stCondLst>
+                      <p:childTnLst>
+                        <p:par>
+                          <p:cTn id="24" fill="hold">
+                            <p:stCondLst>
+                              <p:cond delay="0"/>
+                            </p:stCondLst>
+                            <p:childTnLst>
+                              <p:par>
+                                <p:cTn id="25" presetID="1" presetClass="entr" presetSubtype="0" fill="hold" grpId="0" nodeType="clickEffect">
+                                  <p:stCondLst>
+                                    <p:cond delay="0"/>
+                                  </p:stCondLst>
+                                  <p:childTnLst>
+                                    <p:set>
+                                      <p:cBhvr>
+                                        <p:cTn id="26" dur="1" fill="hold">
+                                          <p:stCondLst>
+                                            <p:cond delay="0"/>
+                                          </p:stCondLst>
+                                        </p:cTn>
+                                        <p:tgtEl>
+                                          <p:spTgt spid="8"/>
+                                        </p:tgtEl>
+                                        <p:attrNameLst>
+                                          <p:attrName>style.visibility</p:attrName>
+                                        </p:attrNameLst>
+                                      </p:cBhvr>
+                                      <p:to>
+                                        <p:strVal val="visible"/>
+                                      </p:to>
+                                    </p:set>
+                                  </p:childTnLst>
+                                </p:cTn>
+                              </p:par>
+                            </p:childTnLst>
+                          </p:cTn>
+                        </p:par>
+                      </p:childTnLst>
+                    </p:cTn>
+                  </p:par>
                 </p:childTnLst>
               </p:cTn>
               <p:prevCondLst>
@@ -7652,6 +7926,7 @@
     </p:tnLst>
     <p:bldLst>
       <p:bldP spid="3" grpId="0" uiExpand="1" build="p"/>
+      <p:bldP spid="8" grpId="0"/>
     </p:bldLst>
   </p:timing>
 </p:sld>

--- a/FUSE - Mottled Stars/FUSE Methodology/Mottled Stars Methodology.pptx
+++ b/FUSE - Mottled Stars/FUSE Methodology/Mottled Stars Methodology.pptx
@@ -6169,15 +6169,7 @@
           <a:p>
             <a:r>
               <a:rPr lang="en-US" cap="small" dirty="0"/>
-              <a:t>How Does </a:t>
-            </a:r>
-            <a:r>
-              <a:rPr lang="en-US" cap="small" dirty="0" err="1"/>
-              <a:t>Starspot</a:t>
-            </a:r>
-            <a:r>
-              <a:rPr lang="en-US" cap="small" dirty="0"/>
-              <a:t> Coverage Affect Stellar Brightness Variability?</a:t>
+              <a:t>How Does Starspot Coverage Affect Stellar Brightness Variability?</a:t>
             </a:r>
           </a:p>
           <a:p>
@@ -6287,7 +6279,7 @@
           <a:p>
             <a:r>
               <a:rPr lang="en-US" dirty="0"/>
-              <a:t>Therefore, they emit a fraction of the photons that the ambient photosphere</a:t>
+              <a:t>Therefore, they emit some fraction of the photons that the ambient photosphere emits</a:t>
             </a:r>
           </a:p>
         </p:txBody>
@@ -7140,7 +7132,7 @@
           <a:p>
             <a:r>
               <a:rPr lang="en-US" dirty="0"/>
-              <a:t>A projection was chosen that preserves observed surface area</a:t>
+              <a:t>A projection was chosen that preserves apparent surface area</a:t>
             </a:r>
           </a:p>
           <a:p>
@@ -7578,7 +7570,7 @@
         </p:nvSpPr>
         <p:spPr>
           <a:xfrm>
-            <a:off x="1412632" y="6256337"/>
+            <a:off x="1412632" y="6256338"/>
             <a:ext cx="3777149" cy="246221"/>
           </a:xfrm>
           <a:prstGeom prst="rect">
@@ -7803,43 +7795,21 @@
                                   </p:childTnLst>
                                 </p:cTn>
                               </p:par>
-                            </p:childTnLst>
-                          </p:cTn>
-                        </p:par>
-                      </p:childTnLst>
-                    </p:cTn>
-                  </p:par>
-                  <p:par>
-                    <p:cTn id="19" fill="hold">
-                      <p:stCondLst>
-                        <p:cond delay="indefinite"/>
-                      </p:stCondLst>
-                      <p:childTnLst>
-                        <p:par>
-                          <p:cTn id="20" fill="hold">
-                            <p:stCondLst>
-                              <p:cond delay="0"/>
-                            </p:stCondLst>
-                            <p:childTnLst>
                               <p:par>
-                                <p:cTn id="21" presetID="1" presetClass="entr" presetSubtype="0" fill="hold" grpId="0" nodeType="clickEffect">
+                                <p:cTn id="19" presetID="1" presetClass="entr" presetSubtype="0" fill="hold" grpId="0" nodeType="withEffect">
                                   <p:stCondLst>
                                     <p:cond delay="0"/>
                                   </p:stCondLst>
                                   <p:childTnLst>
                                     <p:set>
                                       <p:cBhvr>
-                                        <p:cTn id="22" dur="1" fill="hold">
+                                        <p:cTn id="20" dur="1" fill="hold">
                                           <p:stCondLst>
                                             <p:cond delay="0"/>
                                           </p:stCondLst>
                                         </p:cTn>
                                         <p:tgtEl>
-                                          <p:spTgt spid="3">
-                                            <p:txEl>
-                                              <p:pRg st="3" end="3"/>
-                                            </p:txEl>
-                                          </p:spTgt>
+                                          <p:spTgt spid="8"/>
                                         </p:tgtEl>
                                         <p:attrNameLst>
                                           <p:attrName>style.visibility</p:attrName>
@@ -7859,32 +7829,36 @@
                     </p:cTn>
                   </p:par>
                   <p:par>
-                    <p:cTn id="23" fill="hold">
+                    <p:cTn id="21" fill="hold">
                       <p:stCondLst>
                         <p:cond delay="indefinite"/>
                       </p:stCondLst>
                       <p:childTnLst>
                         <p:par>
-                          <p:cTn id="24" fill="hold">
+                          <p:cTn id="22" fill="hold">
                             <p:stCondLst>
                               <p:cond delay="0"/>
                             </p:stCondLst>
                             <p:childTnLst>
                               <p:par>
-                                <p:cTn id="25" presetID="1" presetClass="entr" presetSubtype="0" fill="hold" grpId="0" nodeType="clickEffect">
+                                <p:cTn id="23" presetID="1" presetClass="entr" presetSubtype="0" fill="hold" grpId="0" nodeType="clickEffect">
                                   <p:stCondLst>
                                     <p:cond delay="0"/>
                                   </p:stCondLst>
                                   <p:childTnLst>
                                     <p:set>
                                       <p:cBhvr>
-                                        <p:cTn id="26" dur="1" fill="hold">
+                                        <p:cTn id="24" dur="1" fill="hold">
                                           <p:stCondLst>
                                             <p:cond delay="0"/>
                                           </p:stCondLst>
                                         </p:cTn>
                                         <p:tgtEl>
-                                          <p:spTgt spid="8"/>
+                                          <p:spTgt spid="3">
+                                            <p:txEl>
+                                              <p:pRg st="3" end="3"/>
+                                            </p:txEl>
+                                          </p:spTgt>
                                         </p:tgtEl>
                                         <p:attrNameLst>
                                           <p:attrName>style.visibility</p:attrName>

--- a/FUSE - Mottled Stars/FUSE Methodology/Mottled Stars Methodology.pptx
+++ b/FUSE - Mottled Stars/FUSE Methodology/Mottled Stars Methodology.pptx
@@ -6132,13 +6132,18 @@
             <p:ph type="ctrTitle"/>
           </p:nvPr>
         </p:nvSpPr>
-        <p:spPr/>
+        <p:spPr>
+          <a:xfrm>
+            <a:off x="1154955" y="2521731"/>
+            <a:ext cx="9882091" cy="861420"/>
+          </a:xfrm>
+        </p:spPr>
         <p:txBody>
           <a:bodyPr/>
           <a:lstStyle/>
           <a:p>
             <a:r>
-              <a:rPr lang="en-US" dirty="0"/>
+              <a:rPr lang="en-US" sz="5400" dirty="0"/>
               <a:t>Mottled Stars - Methodology</a:t>
             </a:r>
           </a:p>
@@ -6160,7 +6165,12 @@
             <p:ph type="subTitle" idx="1"/>
           </p:nvPr>
         </p:nvSpPr>
-        <p:spPr/>
+        <p:spPr>
+          <a:xfrm>
+            <a:off x="1154955" y="5589270"/>
+            <a:ext cx="8825658" cy="400050"/>
+          </a:xfrm>
+        </p:spPr>
         <p:txBody>
           <a:bodyPr>
             <a:normAutofit/>
@@ -6169,13 +6179,288 @@
           <a:p>
             <a:r>
               <a:rPr lang="en-US" cap="small" dirty="0"/>
+              <a:t>Miles L. Johnson, Gregory A. Feiden</a:t>
+            </a:r>
+          </a:p>
+        </p:txBody>
+      </p:sp>
+      <p:sp>
+        <p:nvSpPr>
+          <p:cNvPr id="4" name="Subtitle 2">
+            <a:extLst>
+              <a:ext uri="{FF2B5EF4-FFF2-40B4-BE49-F238E27FC236}">
+                <a16:creationId xmlns:a16="http://schemas.microsoft.com/office/drawing/2014/main" id="{127BE2A7-C83E-4903-804E-D9E474B5CBCC}"/>
+              </a:ext>
+            </a:extLst>
+          </p:cNvPr>
+          <p:cNvSpPr txBox="1">
+            <a:spLocks/>
+          </p:cNvSpPr>
+          <p:nvPr/>
+        </p:nvSpPr>
+        <p:spPr>
+          <a:xfrm>
+            <a:off x="1154955" y="3417802"/>
+            <a:ext cx="8825658" cy="581745"/>
+          </a:xfrm>
+          <a:prstGeom prst="rect">
+            <a:avLst/>
+          </a:prstGeom>
+        </p:spPr>
+        <p:txBody>
+          <a:bodyPr vert="horz" lIns="91440" tIns="45720" rIns="91440" bIns="45720" rtlCol="0" anchor="t">
+            <a:normAutofit/>
+          </a:bodyPr>
+          <a:lstStyle>
+            <a:lvl1pPr marL="0" indent="0" algn="l" defTabSz="457200" rtl="0" eaLnBrk="1" latinLnBrk="0" hangingPunct="1">
+              <a:spcBef>
+                <a:spcPts val="1000"/>
+              </a:spcBef>
+              <a:spcAft>
+                <a:spcPts val="0"/>
+              </a:spcAft>
+              <a:buClr>
+                <a:schemeClr val="bg2">
+                  <a:lumMod val="40000"/>
+                  <a:lumOff val="60000"/>
+                </a:schemeClr>
+              </a:buClr>
+              <a:buSzPct val="80000"/>
+              <a:buFont typeface="Wingdings 3" charset="2"/>
+              <a:buNone/>
+              <a:defRPr sz="2000" b="0" i="0" kern="1200" cap="all">
+                <a:solidFill>
+                  <a:schemeClr val="bg2">
+                    <a:lumMod val="40000"/>
+                    <a:lumOff val="60000"/>
+                  </a:schemeClr>
+                </a:solidFill>
+                <a:latin typeface="+mj-lt"/>
+                <a:ea typeface="+mj-ea"/>
+                <a:cs typeface="+mj-cs"/>
+              </a:defRPr>
+            </a:lvl1pPr>
+            <a:lvl2pPr marL="457200" indent="0" algn="ctr" defTabSz="457200" rtl="0" eaLnBrk="1" latinLnBrk="0" hangingPunct="1">
+              <a:spcBef>
+                <a:spcPts val="1000"/>
+              </a:spcBef>
+              <a:spcAft>
+                <a:spcPts val="0"/>
+              </a:spcAft>
+              <a:buClr>
+                <a:schemeClr val="bg2">
+                  <a:lumMod val="40000"/>
+                  <a:lumOff val="60000"/>
+                </a:schemeClr>
+              </a:buClr>
+              <a:buSzPct val="80000"/>
+              <a:buFont typeface="Wingdings 3" charset="2"/>
+              <a:buNone/>
+              <a:defRPr sz="1800" b="0" i="0" kern="1200">
+                <a:solidFill>
+                  <a:schemeClr val="tx1">
+                    <a:tint val="75000"/>
+                  </a:schemeClr>
+                </a:solidFill>
+                <a:latin typeface="+mj-lt"/>
+                <a:ea typeface="+mj-ea"/>
+                <a:cs typeface="+mj-cs"/>
+              </a:defRPr>
+            </a:lvl2pPr>
+            <a:lvl3pPr marL="914400" indent="0" algn="ctr" defTabSz="457200" rtl="0" eaLnBrk="1" latinLnBrk="0" hangingPunct="1">
+              <a:spcBef>
+                <a:spcPts val="1000"/>
+              </a:spcBef>
+              <a:spcAft>
+                <a:spcPts val="0"/>
+              </a:spcAft>
+              <a:buClr>
+                <a:schemeClr val="bg2">
+                  <a:lumMod val="40000"/>
+                  <a:lumOff val="60000"/>
+                </a:schemeClr>
+              </a:buClr>
+              <a:buSzPct val="80000"/>
+              <a:buFont typeface="Wingdings 3" charset="2"/>
+              <a:buNone/>
+              <a:defRPr sz="1600" b="0" i="0" kern="1200">
+                <a:solidFill>
+                  <a:schemeClr val="tx1">
+                    <a:tint val="75000"/>
+                  </a:schemeClr>
+                </a:solidFill>
+                <a:latin typeface="+mj-lt"/>
+                <a:ea typeface="+mj-ea"/>
+                <a:cs typeface="+mj-cs"/>
+              </a:defRPr>
+            </a:lvl3pPr>
+            <a:lvl4pPr marL="1371600" indent="0" algn="ctr" defTabSz="457200" rtl="0" eaLnBrk="1" latinLnBrk="0" hangingPunct="1">
+              <a:spcBef>
+                <a:spcPts val="1000"/>
+              </a:spcBef>
+              <a:spcAft>
+                <a:spcPts val="0"/>
+              </a:spcAft>
+              <a:buClr>
+                <a:schemeClr val="bg2">
+                  <a:lumMod val="40000"/>
+                  <a:lumOff val="60000"/>
+                </a:schemeClr>
+              </a:buClr>
+              <a:buSzPct val="80000"/>
+              <a:buFont typeface="Wingdings 3" charset="2"/>
+              <a:buNone/>
+              <a:defRPr sz="1400" b="0" i="0" kern="1200">
+                <a:solidFill>
+                  <a:schemeClr val="tx1">
+                    <a:tint val="75000"/>
+                  </a:schemeClr>
+                </a:solidFill>
+                <a:latin typeface="+mj-lt"/>
+                <a:ea typeface="+mj-ea"/>
+                <a:cs typeface="+mj-cs"/>
+              </a:defRPr>
+            </a:lvl4pPr>
+            <a:lvl5pPr marL="1828800" indent="0" algn="ctr" defTabSz="457200" rtl="0" eaLnBrk="1" latinLnBrk="0" hangingPunct="1">
+              <a:spcBef>
+                <a:spcPts val="1000"/>
+              </a:spcBef>
+              <a:spcAft>
+                <a:spcPts val="0"/>
+              </a:spcAft>
+              <a:buClr>
+                <a:schemeClr val="bg2">
+                  <a:lumMod val="40000"/>
+                  <a:lumOff val="60000"/>
+                </a:schemeClr>
+              </a:buClr>
+              <a:buSzPct val="80000"/>
+              <a:buFont typeface="Wingdings 3" charset="2"/>
+              <a:buNone/>
+              <a:defRPr sz="1400" b="0" i="0" kern="1200">
+                <a:solidFill>
+                  <a:schemeClr val="tx1">
+                    <a:tint val="75000"/>
+                  </a:schemeClr>
+                </a:solidFill>
+                <a:latin typeface="+mj-lt"/>
+                <a:ea typeface="+mj-ea"/>
+                <a:cs typeface="+mj-cs"/>
+              </a:defRPr>
+            </a:lvl5pPr>
+            <a:lvl6pPr marL="2286000" indent="0" algn="ctr" defTabSz="457200" rtl="0" eaLnBrk="1" latinLnBrk="0" hangingPunct="1">
+              <a:spcBef>
+                <a:spcPts val="1000"/>
+              </a:spcBef>
+              <a:spcAft>
+                <a:spcPts val="0"/>
+              </a:spcAft>
+              <a:buClr>
+                <a:schemeClr val="bg2">
+                  <a:lumMod val="40000"/>
+                  <a:lumOff val="60000"/>
+                </a:schemeClr>
+              </a:buClr>
+              <a:buSzPct val="80000"/>
+              <a:buFont typeface="Wingdings 3" charset="2"/>
+              <a:buNone/>
+              <a:defRPr sz="1400" b="0" i="0" kern="1200">
+                <a:solidFill>
+                  <a:schemeClr val="tx1">
+                    <a:tint val="75000"/>
+                  </a:schemeClr>
+                </a:solidFill>
+                <a:latin typeface="+mj-lt"/>
+                <a:ea typeface="+mj-ea"/>
+                <a:cs typeface="+mj-cs"/>
+              </a:defRPr>
+            </a:lvl6pPr>
+            <a:lvl7pPr marL="2743200" indent="0" algn="ctr" defTabSz="457200" rtl="0" eaLnBrk="1" latinLnBrk="0" hangingPunct="1">
+              <a:spcBef>
+                <a:spcPts val="1000"/>
+              </a:spcBef>
+              <a:spcAft>
+                <a:spcPts val="0"/>
+              </a:spcAft>
+              <a:buClr>
+                <a:schemeClr val="bg2">
+                  <a:lumMod val="40000"/>
+                  <a:lumOff val="60000"/>
+                </a:schemeClr>
+              </a:buClr>
+              <a:buSzPct val="80000"/>
+              <a:buFont typeface="Wingdings 3" charset="2"/>
+              <a:buNone/>
+              <a:defRPr sz="1400" b="0" i="0" kern="1200">
+                <a:solidFill>
+                  <a:schemeClr val="tx1">
+                    <a:tint val="75000"/>
+                  </a:schemeClr>
+                </a:solidFill>
+                <a:latin typeface="+mj-lt"/>
+                <a:ea typeface="+mj-ea"/>
+                <a:cs typeface="+mj-cs"/>
+              </a:defRPr>
+            </a:lvl7pPr>
+            <a:lvl8pPr marL="3200400" indent="0" algn="ctr" defTabSz="457200" rtl="0" eaLnBrk="1" latinLnBrk="0" hangingPunct="1">
+              <a:spcBef>
+                <a:spcPts val="1000"/>
+              </a:spcBef>
+              <a:spcAft>
+                <a:spcPts val="0"/>
+              </a:spcAft>
+              <a:buClr>
+                <a:schemeClr val="bg2">
+                  <a:lumMod val="40000"/>
+                  <a:lumOff val="60000"/>
+                </a:schemeClr>
+              </a:buClr>
+              <a:buSzPct val="80000"/>
+              <a:buFont typeface="Wingdings 3" charset="2"/>
+              <a:buNone/>
+              <a:defRPr sz="1400" b="0" i="0" kern="1200">
+                <a:solidFill>
+                  <a:schemeClr val="tx1">
+                    <a:tint val="75000"/>
+                  </a:schemeClr>
+                </a:solidFill>
+                <a:latin typeface="+mj-lt"/>
+                <a:ea typeface="+mj-ea"/>
+                <a:cs typeface="+mj-cs"/>
+              </a:defRPr>
+            </a:lvl8pPr>
+            <a:lvl9pPr marL="3657600" indent="0" algn="ctr" defTabSz="457200" rtl="0" eaLnBrk="1" latinLnBrk="0" hangingPunct="1">
+              <a:spcBef>
+                <a:spcPts val="1000"/>
+              </a:spcBef>
+              <a:spcAft>
+                <a:spcPts val="0"/>
+              </a:spcAft>
+              <a:buClr>
+                <a:schemeClr val="bg2">
+                  <a:lumMod val="40000"/>
+                  <a:lumOff val="60000"/>
+                </a:schemeClr>
+              </a:buClr>
+              <a:buSzPct val="80000"/>
+              <a:buFont typeface="Wingdings 3" charset="2"/>
+              <a:buNone/>
+              <a:defRPr sz="1400" b="0" i="0" kern="1200">
+                <a:solidFill>
+                  <a:schemeClr val="tx1">
+                    <a:tint val="75000"/>
+                  </a:schemeClr>
+                </a:solidFill>
+                <a:latin typeface="+mj-lt"/>
+                <a:ea typeface="+mj-ea"/>
+                <a:cs typeface="+mj-cs"/>
+              </a:defRPr>
+            </a:lvl9pPr>
+          </a:lstStyle>
+          <a:p>
+            <a:r>
+              <a:rPr lang="en-US" cap="small" dirty="0"/>
               <a:t>How Does Starspot Coverage Affect Stellar Brightness Variability?</a:t>
-            </a:r>
-          </a:p>
-          <a:p>
-            <a:r>
-              <a:rPr lang="en-US" cap="small" dirty="0"/>
-              <a:t>Miles L. Johnson, Gregory A. Feiden</a:t>
             </a:r>
           </a:p>
         </p:txBody>
@@ -7144,6 +7429,12 @@
           <a:p>
             <a:r>
               <a:rPr lang="en-US" dirty="0"/>
+              <a:t>Cells on the edges of the observed hemisphere have a smaller apparent surface area</a:t>
+            </a:r>
+          </a:p>
+          <a:p>
+            <a:r>
+              <a:rPr lang="en-US" dirty="0"/>
               <a:t>Therefore, we observe the edges of the observed hemisphere to be dimmer than the center</a:t>
             </a:r>
           </a:p>
@@ -7397,6 +7688,55 @@
                       </p:childTnLst>
                     </p:cTn>
                   </p:par>
+                  <p:par>
+                    <p:cTn id="19" fill="hold">
+                      <p:stCondLst>
+                        <p:cond delay="indefinite"/>
+                      </p:stCondLst>
+                      <p:childTnLst>
+                        <p:par>
+                          <p:cTn id="20" fill="hold">
+                            <p:stCondLst>
+                              <p:cond delay="0"/>
+                            </p:stCondLst>
+                            <p:childTnLst>
+                              <p:par>
+                                <p:cTn id="21" presetID="1" presetClass="entr" presetSubtype="0" fill="hold" grpId="0" nodeType="clickEffect">
+                                  <p:stCondLst>
+                                    <p:cond delay="0"/>
+                                  </p:stCondLst>
+                                  <p:childTnLst>
+                                    <p:set>
+                                      <p:cBhvr>
+                                        <p:cTn id="22" dur="1" fill="hold">
+                                          <p:stCondLst>
+                                            <p:cond delay="0"/>
+                                          </p:stCondLst>
+                                        </p:cTn>
+                                        <p:tgtEl>
+                                          <p:spTgt spid="9">
+                                            <p:txEl>
+                                              <p:pRg st="3" end="3"/>
+                                            </p:txEl>
+                                          </p:spTgt>
+                                        </p:tgtEl>
+                                        <p:attrNameLst>
+                                          <p:attrName>style.visibility</p:attrName>
+                                        </p:attrNameLst>
+                                      </p:cBhvr>
+                                      <p:to>
+                                        <p:strVal val="visible"/>
+                                      </p:to>
+                                    </p:set>
+                                  </p:childTnLst>
+                                </p:cTn>
+                              </p:par>
+                            </p:childTnLst>
+                          </p:cTn>
+                        </p:par>
+                      </p:childTnLst>
+                    </p:cTn>
+                  </p:par>
                 </p:childTnLst>
               </p:cTn>
               <p:prevCondLst>
@@ -7586,7 +7926,7 @@
           <a:p>
             <a:r>
               <a:rPr lang="en-US" sz="1000" dirty="0"/>
-              <a:t>Image Credit:</a:t>
+              <a:t>Image Credit:  Lou et al. (2019)</a:t>
             </a:r>
           </a:p>
         </p:txBody>
